--- a/story_board_buttonAction2.pptx
+++ b/story_board_buttonAction2.pptx
@@ -154,7 +154,7 @@
   <pc:docChgLst>
     <pc:chgData name="Sam Haley" userId="2921b71b9664ecdd" providerId="LiveId" clId="{7556E154-CE5E-4B44-A7C2-9363C2E0DDDB}"/>
     <pc:docChg chg="undo custSel addSld delSld modSld sldOrd modMainMaster">
-      <pc:chgData name="Sam Haley" userId="2921b71b9664ecdd" providerId="LiveId" clId="{7556E154-CE5E-4B44-A7C2-9363C2E0DDDB}" dt="2019-02-19T13:20:45.630" v="1336"/>
+      <pc:chgData name="Sam Haley" userId="2921b71b9664ecdd" providerId="LiveId" clId="{7556E154-CE5E-4B44-A7C2-9363C2E0DDDB}" dt="2019-02-20T10:12:56.129" v="1475" actId="1038"/>
       <pc:docMkLst>
         <pc:docMk/>
       </pc:docMkLst>
@@ -515,7 +515,7 @@
         </pc:picChg>
       </pc:sldChg>
       <pc:sldChg chg="addSp modSp modTransition modAnim">
-        <pc:chgData name="Sam Haley" userId="2921b71b9664ecdd" providerId="LiveId" clId="{7556E154-CE5E-4B44-A7C2-9363C2E0DDDB}" dt="2019-02-19T12:29:07.579" v="1157"/>
+        <pc:chgData name="Sam Haley" userId="2921b71b9664ecdd" providerId="LiveId" clId="{7556E154-CE5E-4B44-A7C2-9363C2E0DDDB}" dt="2019-02-20T10:01:23.645" v="1382"/>
         <pc:sldMkLst>
           <pc:docMk/>
           <pc:sldMk cId="1579760986" sldId="260"/>
@@ -1170,7 +1170,7 @@
         </pc:spChg>
       </pc:sldChg>
       <pc:sldChg chg="addSp delSp modSp add ord modTransition setBg">
-        <pc:chgData name="Sam Haley" userId="2921b71b9664ecdd" providerId="LiveId" clId="{7556E154-CE5E-4B44-A7C2-9363C2E0DDDB}" dt="2019-02-19T12:27:36.499" v="1151" actId="1076"/>
+        <pc:chgData name="Sam Haley" userId="2921b71b9664ecdd" providerId="LiveId" clId="{7556E154-CE5E-4B44-A7C2-9363C2E0DDDB}" dt="2019-02-20T10:12:56.129" v="1475" actId="1038"/>
         <pc:sldMkLst>
           <pc:docMk/>
           <pc:sldMk cId="1364166553" sldId="270"/>
@@ -1208,7 +1208,7 @@
           </ac:spMkLst>
         </pc:spChg>
         <pc:spChg chg="add mod">
-          <ac:chgData name="Sam Haley" userId="2921b71b9664ecdd" providerId="LiveId" clId="{7556E154-CE5E-4B44-A7C2-9363C2E0DDDB}" dt="2019-02-17T14:59:48.883" v="212" actId="1076"/>
+          <ac:chgData name="Sam Haley" userId="2921b71b9664ecdd" providerId="LiveId" clId="{7556E154-CE5E-4B44-A7C2-9363C2E0DDDB}" dt="2019-02-20T10:10:35.944" v="1429" actId="1036"/>
           <ac:spMkLst>
             <pc:docMk/>
             <pc:sldMk cId="1364166553" sldId="270"/>
@@ -1216,7 +1216,7 @@
           </ac:spMkLst>
         </pc:spChg>
         <pc:spChg chg="add mod">
-          <ac:chgData name="Sam Haley" userId="2921b71b9664ecdd" providerId="LiveId" clId="{7556E154-CE5E-4B44-A7C2-9363C2E0DDDB}" dt="2019-02-17T15:00:58.130" v="274" actId="1036"/>
+          <ac:chgData name="Sam Haley" userId="2921b71b9664ecdd" providerId="LiveId" clId="{7556E154-CE5E-4B44-A7C2-9363C2E0DDDB}" dt="2019-02-20T10:10:51.365" v="1462" actId="1037"/>
           <ac:spMkLst>
             <pc:docMk/>
             <pc:sldMk cId="1364166553" sldId="270"/>
@@ -1224,7 +1224,7 @@
           </ac:spMkLst>
         </pc:spChg>
         <pc:spChg chg="add mod">
-          <ac:chgData name="Sam Haley" userId="2921b71b9664ecdd" providerId="LiveId" clId="{7556E154-CE5E-4B44-A7C2-9363C2E0DDDB}" dt="2019-02-17T15:02:22.626" v="312" actId="1037"/>
+          <ac:chgData name="Sam Haley" userId="2921b71b9664ecdd" providerId="LiveId" clId="{7556E154-CE5E-4B44-A7C2-9363C2E0DDDB}" dt="2019-02-20T10:10:35.944" v="1429" actId="1036"/>
           <ac:spMkLst>
             <pc:docMk/>
             <pc:sldMk cId="1364166553" sldId="270"/>
@@ -1232,7 +1232,7 @@
           </ac:spMkLst>
         </pc:spChg>
         <pc:spChg chg="add mod">
-          <ac:chgData name="Sam Haley" userId="2921b71b9664ecdd" providerId="LiveId" clId="{7556E154-CE5E-4B44-A7C2-9363C2E0DDDB}" dt="2019-02-17T17:14:04.233" v="712" actId="1076"/>
+          <ac:chgData name="Sam Haley" userId="2921b71b9664ecdd" providerId="LiveId" clId="{7556E154-CE5E-4B44-A7C2-9363C2E0DDDB}" dt="2019-02-20T10:10:35.944" v="1429" actId="1036"/>
           <ac:spMkLst>
             <pc:docMk/>
             <pc:sldMk cId="1364166553" sldId="270"/>
@@ -1240,7 +1240,7 @@
           </ac:spMkLst>
         </pc:spChg>
         <pc:spChg chg="add mod">
-          <ac:chgData name="Sam Haley" userId="2921b71b9664ecdd" providerId="LiveId" clId="{7556E154-CE5E-4B44-A7C2-9363C2E0DDDB}" dt="2019-02-19T12:27:36.499" v="1151" actId="1076"/>
+          <ac:chgData name="Sam Haley" userId="2921b71b9664ecdd" providerId="LiveId" clId="{7556E154-CE5E-4B44-A7C2-9363C2E0DDDB}" dt="2019-02-20T10:12:39.104" v="1469" actId="1076"/>
           <ac:spMkLst>
             <pc:docMk/>
             <pc:sldMk cId="1364166553" sldId="270"/>
@@ -1256,7 +1256,15 @@
           </ac:grpSpMkLst>
         </pc:grpChg>
         <pc:picChg chg="add mod">
-          <ac:chgData name="Sam Haley" userId="2921b71b9664ecdd" providerId="LiveId" clId="{7556E154-CE5E-4B44-A7C2-9363C2E0DDDB}" dt="2019-02-17T15:01:42.751" v="282" actId="1038"/>
+          <ac:chgData name="Sam Haley" userId="2921b71b9664ecdd" providerId="LiveId" clId="{7556E154-CE5E-4B44-A7C2-9363C2E0DDDB}" dt="2019-02-20T10:12:56.129" v="1475" actId="1038"/>
+          <ac:picMkLst>
+            <pc:docMk/>
+            <pc:sldMk cId="1364166553" sldId="270"/>
+            <ac:picMk id="2" creationId="{0DBF2FF7-661C-43EC-99E7-8485BAB7351D}"/>
+          </ac:picMkLst>
+        </pc:picChg>
+        <pc:picChg chg="add mod">
+          <ac:chgData name="Sam Haley" userId="2921b71b9664ecdd" providerId="LiveId" clId="{7556E154-CE5E-4B44-A7C2-9363C2E0DDDB}" dt="2019-02-20T10:10:35.944" v="1429" actId="1036"/>
           <ac:picMkLst>
             <pc:docMk/>
             <pc:sldMk cId="1364166553" sldId="270"/>
@@ -1265,7 +1273,7 @@
         </pc:picChg>
       </pc:sldChg>
       <pc:sldChg chg="addSp delSp modSp add modTransition setBg">
-        <pc:chgData name="Sam Haley" userId="2921b71b9664ecdd" providerId="LiveId" clId="{7556E154-CE5E-4B44-A7C2-9363C2E0DDDB}" dt="2019-02-19T12:38:28.866" v="1306" actId="207"/>
+        <pc:chgData name="Sam Haley" userId="2921b71b9664ecdd" providerId="LiveId" clId="{7556E154-CE5E-4B44-A7C2-9363C2E0DDDB}" dt="2019-02-20T10:09:16.323" v="1412" actId="20577"/>
         <pc:sldMkLst>
           <pc:docMk/>
           <pc:sldMk cId="1903686727" sldId="271"/>
@@ -1319,7 +1327,7 @@
           </ac:spMkLst>
         </pc:spChg>
         <pc:spChg chg="add mod">
-          <ac:chgData name="Sam Haley" userId="2921b71b9664ecdd" providerId="LiveId" clId="{7556E154-CE5E-4B44-A7C2-9363C2E0DDDB}" dt="2019-02-17T15:29:54.873" v="373" actId="20577"/>
+          <ac:chgData name="Sam Haley" userId="2921b71b9664ecdd" providerId="LiveId" clId="{7556E154-CE5E-4B44-A7C2-9363C2E0DDDB}" dt="2019-02-20T10:09:04.423" v="1400" actId="20577"/>
           <ac:spMkLst>
             <pc:docMk/>
             <pc:sldMk cId="1903686727" sldId="271"/>
@@ -1359,7 +1367,7 @@
           </ac:spMkLst>
         </pc:spChg>
         <pc:spChg chg="add mod">
-          <ac:chgData name="Sam Haley" userId="2921b71b9664ecdd" providerId="LiveId" clId="{7556E154-CE5E-4B44-A7C2-9363C2E0DDDB}" dt="2019-02-19T12:34:25.044" v="1248" actId="20577"/>
+          <ac:chgData name="Sam Haley" userId="2921b71b9664ecdd" providerId="LiveId" clId="{7556E154-CE5E-4B44-A7C2-9363C2E0DDDB}" dt="2019-02-20T10:09:16.323" v="1412" actId="20577"/>
           <ac:spMkLst>
             <pc:docMk/>
             <pc:sldMk cId="1903686727" sldId="271"/>
@@ -1391,7 +1399,7 @@
           </ac:spMkLst>
         </pc:spChg>
         <pc:spChg chg="add mod">
-          <ac:chgData name="Sam Haley" userId="2921b71b9664ecdd" providerId="LiveId" clId="{7556E154-CE5E-4B44-A7C2-9363C2E0DDDB}" dt="2019-02-19T12:38:18.534" v="1305" actId="20577"/>
+          <ac:chgData name="Sam Haley" userId="2921b71b9664ecdd" providerId="LiveId" clId="{7556E154-CE5E-4B44-A7C2-9363C2E0DDDB}" dt="2019-02-20T09:48:23.081" v="1381" actId="14100"/>
           <ac:spMkLst>
             <pc:docMk/>
             <pc:sldMk cId="1903686727" sldId="271"/>
@@ -2036,7 +2044,7 @@
           <a:p>
             <a:fld id="{3A7B8944-D729-4870-9941-0AB49AD46049}" type="datetimeFigureOut">
               <a:rPr lang="en-GB" smtClean="0"/>
-              <a:t>19/02/2019</a:t>
+              <a:t>20/02/2019</a:t>
             </a:fld>
             <a:endParaRPr lang="en-GB"/>
           </a:p>
@@ -4628,7 +4636,7 @@
           <a:p>
             <a:fld id="{7DC8C874-F052-4B8F-84BA-ADED70597167}" type="datetimeFigureOut">
               <a:rPr lang="en-GB" smtClean="0"/>
-              <a:t>19/02/2019</a:t>
+              <a:t>20/02/2019</a:t>
             </a:fld>
             <a:endParaRPr lang="en-GB"/>
           </a:p>
@@ -4806,7 +4814,7 @@
           <a:p>
             <a:fld id="{7DC8C874-F052-4B8F-84BA-ADED70597167}" type="datetimeFigureOut">
               <a:rPr lang="en-GB" smtClean="0"/>
-              <a:t>19/02/2019</a:t>
+              <a:t>20/02/2019</a:t>
             </a:fld>
             <a:endParaRPr lang="en-GB"/>
           </a:p>
@@ -4994,7 +5002,7 @@
           <a:p>
             <a:fld id="{7DC8C874-F052-4B8F-84BA-ADED70597167}" type="datetimeFigureOut">
               <a:rPr lang="en-GB" smtClean="0"/>
-              <a:t>19/02/2019</a:t>
+              <a:t>20/02/2019</a:t>
             </a:fld>
             <a:endParaRPr lang="en-GB"/>
           </a:p>
@@ -5172,7 +5180,7 @@
           <a:p>
             <a:fld id="{7DC8C874-F052-4B8F-84BA-ADED70597167}" type="datetimeFigureOut">
               <a:rPr lang="en-GB" smtClean="0"/>
-              <a:t>19/02/2019</a:t>
+              <a:t>20/02/2019</a:t>
             </a:fld>
             <a:endParaRPr lang="en-GB"/>
           </a:p>
@@ -5426,7 +5434,7 @@
           <a:p>
             <a:fld id="{7DC8C874-F052-4B8F-84BA-ADED70597167}" type="datetimeFigureOut">
               <a:rPr lang="en-GB" smtClean="0"/>
-              <a:t>19/02/2019</a:t>
+              <a:t>20/02/2019</a:t>
             </a:fld>
             <a:endParaRPr lang="en-GB"/>
           </a:p>
@@ -5722,7 +5730,7 @@
           <a:p>
             <a:fld id="{7DC8C874-F052-4B8F-84BA-ADED70597167}" type="datetimeFigureOut">
               <a:rPr lang="en-GB" smtClean="0"/>
-              <a:t>19/02/2019</a:t>
+              <a:t>20/02/2019</a:t>
             </a:fld>
             <a:endParaRPr lang="en-GB"/>
           </a:p>
@@ -6152,7 +6160,7 @@
           <a:p>
             <a:fld id="{7DC8C874-F052-4B8F-84BA-ADED70597167}" type="datetimeFigureOut">
               <a:rPr lang="en-GB" smtClean="0"/>
-              <a:t>19/02/2019</a:t>
+              <a:t>20/02/2019</a:t>
             </a:fld>
             <a:endParaRPr lang="en-GB"/>
           </a:p>
@@ -6278,7 +6286,7 @@
           <a:p>
             <a:fld id="{7DC8C874-F052-4B8F-84BA-ADED70597167}" type="datetimeFigureOut">
               <a:rPr lang="en-GB" smtClean="0"/>
-              <a:t>19/02/2019</a:t>
+              <a:t>20/02/2019</a:t>
             </a:fld>
             <a:endParaRPr lang="en-GB"/>
           </a:p>
@@ -6381,7 +6389,7 @@
           <a:p>
             <a:fld id="{7DC8C874-F052-4B8F-84BA-ADED70597167}" type="datetimeFigureOut">
               <a:rPr lang="en-GB" smtClean="0"/>
-              <a:t>19/02/2019</a:t>
+              <a:t>20/02/2019</a:t>
             </a:fld>
             <a:endParaRPr lang="en-GB"/>
           </a:p>
@@ -6666,7 +6674,7 @@
           <a:p>
             <a:fld id="{7DC8C874-F052-4B8F-84BA-ADED70597167}" type="datetimeFigureOut">
               <a:rPr lang="en-GB" smtClean="0"/>
-              <a:t>19/02/2019</a:t>
+              <a:t>20/02/2019</a:t>
             </a:fld>
             <a:endParaRPr lang="en-GB"/>
           </a:p>
@@ -6927,7 +6935,7 @@
           <a:p>
             <a:fld id="{7DC8C874-F052-4B8F-84BA-ADED70597167}" type="datetimeFigureOut">
               <a:rPr lang="en-GB" smtClean="0"/>
-              <a:t>19/02/2019</a:t>
+              <a:t>20/02/2019</a:t>
             </a:fld>
             <a:endParaRPr lang="en-GB"/>
           </a:p>
@@ -7148,7 +7156,7 @@
           <a:p>
             <a:fld id="{7DC8C874-F052-4B8F-84BA-ADED70597167}" type="datetimeFigureOut">
               <a:rPr lang="en-GB" smtClean="0"/>
-              <a:t>19/02/2019</a:t>
+              <a:t>20/02/2019</a:t>
             </a:fld>
             <a:endParaRPr lang="en-GB"/>
           </a:p>
@@ -7702,7 +7710,7 @@
         </p:nvSpPr>
         <p:spPr>
           <a:xfrm>
-            <a:off x="2232620" y="2520156"/>
+            <a:off x="2232620" y="3211315"/>
             <a:ext cx="3456384" cy="360040"/>
           </a:xfrm>
           <a:prstGeom prst="rect">
@@ -7751,7 +7759,7 @@
         </p:nvSpPr>
         <p:spPr>
           <a:xfrm>
-            <a:off x="2110604" y="2086499"/>
+            <a:off x="2199730" y="3148494"/>
             <a:ext cx="4752528" cy="461665"/>
           </a:xfrm>
           <a:prstGeom prst="rect">
@@ -7805,7 +7813,7 @@
         </p:blipFill>
         <p:spPr bwMode="auto">
           <a:xfrm>
-            <a:off x="3053284" y="2808188"/>
+            <a:off x="3053284" y="3499347"/>
             <a:ext cx="1584176" cy="749001"/>
           </a:xfrm>
           <a:prstGeom prst="rect">
@@ -7837,7 +7845,7 @@
         </p:nvSpPr>
         <p:spPr>
           <a:xfrm>
-            <a:off x="3469379" y="2920530"/>
+            <a:off x="3469379" y="3611689"/>
             <a:ext cx="2414217" cy="523220"/>
           </a:xfrm>
           <a:prstGeom prst="rect">
@@ -7875,7 +7883,7 @@
         </p:nvSpPr>
         <p:spPr>
           <a:xfrm>
-            <a:off x="3111572" y="2920530"/>
+            <a:off x="3111572" y="3611689"/>
             <a:ext cx="1584176" cy="529384"/>
           </a:xfrm>
           <a:prstGeom prst="actionButtonBlank">
@@ -7925,7 +7933,7 @@
         </p:nvSpPr>
         <p:spPr>
           <a:xfrm>
-            <a:off x="1440532" y="1209071"/>
+            <a:off x="1584548" y="1235335"/>
             <a:ext cx="4752528" cy="830997"/>
           </a:xfrm>
           <a:prstGeom prst="rect">
@@ -7951,6 +7959,36 @@
           </a:p>
         </p:txBody>
       </p:sp>
+      <p:pic>
+        <p:nvPicPr>
+          <p:cNvPr id="2" name="Picture 1">
+            <a:extLst>
+              <a:ext uri="{FF2B5EF4-FFF2-40B4-BE49-F238E27FC236}">
+                <a16:creationId xmlns:a16="http://schemas.microsoft.com/office/drawing/2014/main" id="{0DBF2FF7-661C-43EC-99E7-8485BAB7351D}"/>
+              </a:ext>
+            </a:extLst>
+          </p:cNvPr>
+          <p:cNvPicPr>
+            <a:picLocks noChangeAspect="1"/>
+          </p:cNvPicPr>
+          <p:nvPr/>
+        </p:nvPicPr>
+        <p:blipFill>
+          <a:blip r:embed="rId5"/>
+          <a:stretch>
+            <a:fillRect/>
+          </a:stretch>
+        </p:blipFill>
+        <p:spPr>
+          <a:xfrm>
+            <a:off x="3352800" y="2005974"/>
+            <a:ext cx="1040060" cy="1035245"/>
+          </a:xfrm>
+          <a:prstGeom prst="rect">
+            <a:avLst/>
+          </a:prstGeom>
+        </p:spPr>
+      </p:pic>
     </p:spTree>
     <p:extLst>
       <p:ext uri="{BB962C8B-B14F-4D97-AF65-F5344CB8AC3E}">
@@ -8199,7 +8237,7 @@
           <a:p>
             <a:r>
               <a:rPr lang="en-GB" sz="4000" dirty="0"/>
-              <a:t>Monday  </a:t>
+              <a:t>Friday  </a:t>
             </a:r>
           </a:p>
         </p:txBody>
@@ -8450,7 +8488,7 @@
                   </a:schemeClr>
                 </a:solidFill>
               </a:rPr>
-              <a:t>Past Monday Energy usage</a:t>
+              <a:t>Past Friday Energy usage</a:t>
             </a:r>
           </a:p>
         </p:txBody>
@@ -8648,8 +8686,8 @@
         </p:nvSpPr>
         <p:spPr>
           <a:xfrm>
-            <a:off x="6639529" y="3599533"/>
-            <a:ext cx="702762" cy="276999"/>
+            <a:off x="6639528" y="3599533"/>
+            <a:ext cx="993691" cy="461665"/>
           </a:xfrm>
           <a:prstGeom prst="rect">
             <a:avLst/>
@@ -8662,13 +8700,21 @@
           </a:bodyPr>
           <a:lstStyle/>
           <a:p>
+            <a:r>
+              <a:rPr lang="en-GB" sz="1200" dirty="0">
+                <a:solidFill>
+                  <a:schemeClr val="bg1"/>
+                </a:solidFill>
+              </a:rPr>
+              <a:t>21</a:t>
+            </a:r>
             <a:r>
               <a:rPr lang="en-GB" sz="1200" baseline="30000" dirty="0">
                 <a:solidFill>
                   <a:schemeClr val="bg1"/>
                 </a:solidFill>
               </a:rPr>
-              <a:t>21st</a:t>
+              <a:t>st</a:t>
             </a:r>
             <a:r>
               <a:rPr lang="en-GB" sz="1200" dirty="0">
@@ -8677,6 +8723,16 @@
                 </a:solidFill>
               </a:rPr>
               <a:t> Jan</a:t>
+            </a:r>
+          </a:p>
+          <a:p>
+            <a:r>
+              <a:rPr lang="en-GB" sz="1200" dirty="0">
+                <a:solidFill>
+                  <a:schemeClr val="bg1"/>
+                </a:solidFill>
+              </a:rPr>
+              <a:t>(this Week)</a:t>
             </a:r>
           </a:p>
         </p:txBody>

--- a/story_board_buttonAction2.pptx
+++ b/story_board_buttonAction2.pptx
@@ -132,7 +132,7 @@
   </p:defaultTextStyle>
   <p:extLst>
     <p:ext uri="{EFAFB233-063F-42B5-8137-9DF3F51BA10A}">
-      <p15:sldGuideLst xmlns:p15="http://schemas.microsoft.com/office/powerpoint/2012/main">
+      <p15:sldGuideLst xmlns:p15="http://schemas.microsoft.com/office/powerpoint/2012/main" xmlns="">
         <p15:guide id="1" orient="horz" pos="1588">
           <p15:clr>
             <a:srgbClr val="A4A3A4"/>
@@ -154,7 +154,7 @@
   <pc:docChgLst>
     <pc:chgData name="Sam Haley" userId="2921b71b9664ecdd" providerId="LiveId" clId="{7556E154-CE5E-4B44-A7C2-9363C2E0DDDB}"/>
     <pc:docChg chg="undo custSel addSld delSld modSld sldOrd modMainMaster">
-      <pc:chgData name="Sam Haley" userId="2921b71b9664ecdd" providerId="LiveId" clId="{7556E154-CE5E-4B44-A7C2-9363C2E0DDDB}" dt="2019-02-20T10:12:56.129" v="1475" actId="1038"/>
+      <pc:chgData name="Sam Haley" userId="2921b71b9664ecdd" providerId="LiveId" clId="{7556E154-CE5E-4B44-A7C2-9363C2E0DDDB}" dt="2019-02-21T19:25:27.505" v="1489" actId="1076"/>
       <pc:docMkLst>
         <pc:docMk/>
       </pc:docMkLst>
@@ -213,8 +213,8 @@
           </ac:spMkLst>
         </pc:spChg>
       </pc:sldChg>
-      <pc:sldChg chg="addSp modSp modTransition">
-        <pc:chgData name="Sam Haley" userId="2921b71b9664ecdd" providerId="LiveId" clId="{7556E154-CE5E-4B44-A7C2-9363C2E0DDDB}" dt="2019-02-19T12:39:49.621" v="1321" actId="1076"/>
+      <pc:sldChg chg="addSp modSp ord modTransition">
+        <pc:chgData name="Sam Haley" userId="2921b71b9664ecdd" providerId="LiveId" clId="{7556E154-CE5E-4B44-A7C2-9363C2E0DDDB}" dt="2019-02-21T19:15:54.731" v="1482"/>
         <pc:sldMkLst>
           <pc:docMk/>
           <pc:sldMk cId="3025874699" sldId="257"/>
@@ -301,11 +301,19 @@
         </pc:spChg>
       </pc:sldChg>
       <pc:sldChg chg="addSp modSp modTransition modAnim">
-        <pc:chgData name="Sam Haley" userId="2921b71b9664ecdd" providerId="LiveId" clId="{7556E154-CE5E-4B44-A7C2-9363C2E0DDDB}" dt="2019-02-17T17:24:48.909" v="818"/>
+        <pc:chgData name="Sam Haley" userId="2921b71b9664ecdd" providerId="LiveId" clId="{7556E154-CE5E-4B44-A7C2-9363C2E0DDDB}" dt="2019-02-21T19:25:27.505" v="1489" actId="1076"/>
         <pc:sldMkLst>
           <pc:docMk/>
           <pc:sldMk cId="2782793082" sldId="258"/>
         </pc:sldMkLst>
+        <pc:spChg chg="mod">
+          <ac:chgData name="Sam Haley" userId="2921b71b9664ecdd" providerId="LiveId" clId="{7556E154-CE5E-4B44-A7C2-9363C2E0DDDB}" dt="2019-02-21T19:25:22.988" v="1488" actId="20577"/>
+          <ac:spMkLst>
+            <pc:docMk/>
+            <pc:sldMk cId="2782793082" sldId="258"/>
+            <ac:spMk id="2" creationId="{00000000-0000-0000-0000-000000000000}"/>
+          </ac:spMkLst>
+        </pc:spChg>
         <pc:spChg chg="mod">
           <ac:chgData name="Sam Haley" userId="2921b71b9664ecdd" providerId="LiveId" clId="{7556E154-CE5E-4B44-A7C2-9363C2E0DDDB}" dt="2019-02-17T16:59:13.700" v="492" actId="207"/>
           <ac:spMkLst>
@@ -315,7 +323,7 @@
           </ac:spMkLst>
         </pc:spChg>
         <pc:spChg chg="mod">
-          <ac:chgData name="Sam Haley" userId="2921b71b9664ecdd" providerId="LiveId" clId="{7556E154-CE5E-4B44-A7C2-9363C2E0DDDB}" dt="2019-02-17T16:59:22.191" v="496" actId="207"/>
+          <ac:chgData name="Sam Haley" userId="2921b71b9664ecdd" providerId="LiveId" clId="{7556E154-CE5E-4B44-A7C2-9363C2E0DDDB}" dt="2019-02-21T19:25:27.505" v="1489" actId="1076"/>
           <ac:spMkLst>
             <pc:docMk/>
             <pc:sldMk cId="2782793082" sldId="258"/>
@@ -515,7 +523,7 @@
         </pc:picChg>
       </pc:sldChg>
       <pc:sldChg chg="addSp modSp modTransition modAnim">
-        <pc:chgData name="Sam Haley" userId="2921b71b9664ecdd" providerId="LiveId" clId="{7556E154-CE5E-4B44-A7C2-9363C2E0DDDB}" dt="2019-02-20T10:01:23.645" v="1382"/>
+        <pc:chgData name="Sam Haley" userId="2921b71b9664ecdd" providerId="LiveId" clId="{7556E154-CE5E-4B44-A7C2-9363C2E0DDDB}" dt="2019-02-21T19:24:36.655" v="1483"/>
         <pc:sldMkLst>
           <pc:docMk/>
           <pc:sldMk cId="1579760986" sldId="260"/>
@@ -1448,7 +1456,7 @@
         </pc:picChg>
       </pc:sldChg>
       <pc:sldChg chg="addSp modSp add ord modTransition">
-        <pc:chgData name="Sam Haley" userId="2921b71b9664ecdd" providerId="LiveId" clId="{7556E154-CE5E-4B44-A7C2-9363C2E0DDDB}" dt="2019-02-17T17:13:44.148" v="708"/>
+        <pc:chgData name="Sam Haley" userId="2921b71b9664ecdd" providerId="LiveId" clId="{7556E154-CE5E-4B44-A7C2-9363C2E0DDDB}" dt="2019-02-21T19:05:43.661" v="1481" actId="20577"/>
         <pc:sldMkLst>
           <pc:docMk/>
           <pc:sldMk cId="419174531" sldId="272"/>
@@ -1478,7 +1486,7 @@
           </ac:spMkLst>
         </pc:spChg>
         <pc:graphicFrameChg chg="add mod modGraphic">
-          <ac:chgData name="Sam Haley" userId="2921b71b9664ecdd" providerId="LiveId" clId="{7556E154-CE5E-4B44-A7C2-9363C2E0DDDB}" dt="2019-02-17T17:05:16.690" v="640" actId="403"/>
+          <ac:chgData name="Sam Haley" userId="2921b71b9664ecdd" providerId="LiveId" clId="{7556E154-CE5E-4B44-A7C2-9363C2E0DDDB}" dt="2019-02-21T19:05:43.661" v="1481" actId="20577"/>
           <ac:graphicFrameMkLst>
             <pc:docMk/>
             <pc:sldMk cId="419174531" sldId="272"/>
@@ -2044,7 +2052,7 @@
           <a:p>
             <a:fld id="{3A7B8944-D729-4870-9941-0AB49AD46049}" type="datetimeFigureOut">
               <a:rPr lang="en-GB" smtClean="0"/>
-              <a:t>20/02/2019</a:t>
+              <a:t>21/02/2019</a:t>
             </a:fld>
             <a:endParaRPr lang="en-GB"/>
           </a:p>
@@ -2356,7 +2364,7 @@
           <a:bodyPr/>
           <a:lstStyle/>
           <a:p>
-            <a:endParaRPr lang="en-GB"/>
+            <a:endParaRPr lang="en-GB" dirty="0"/>
           </a:p>
         </p:txBody>
       </p:sp>
@@ -2367,7 +2375,7 @@
             <a:spLocks noGrp="1"/>
           </p:cNvSpPr>
           <p:nvPr>
-            <p:ph type="sldNum" sz="quarter" idx="10"/>
+            <p:ph type="sldNum" sz="quarter" idx="5"/>
           </p:nvPr>
         </p:nvSpPr>
         <p:spPr/>
@@ -2377,7 +2385,7 @@
           <a:p>
             <a:fld id="{4B3AC914-8EE0-4F94-AD22-ABF5CD3ADD26}" type="slidenum">
               <a:rPr lang="en-GB" smtClean="0"/>
-              <a:t>2</a:t>
+              <a:t>1</a:t>
             </a:fld>
             <a:endParaRPr lang="en-GB"/>
           </a:p>
@@ -2386,7 +2394,7 @@
     </p:spTree>
     <p:extLst>
       <p:ext uri="{BB962C8B-B14F-4D97-AF65-F5344CB8AC3E}">
-        <p14:creationId xmlns:p14="http://schemas.microsoft.com/office/powerpoint/2010/main" val="2821312252"/>
+        <p14:creationId xmlns:p14="http://schemas.microsoft.com/office/powerpoint/2010/main" val="756312705"/>
       </p:ext>
     </p:extLst>
   </p:cSld>
@@ -2461,7 +2469,7 @@
           <a:p>
             <a:fld id="{4B3AC914-8EE0-4F94-AD22-ABF5CD3ADD26}" type="slidenum">
               <a:rPr lang="en-GB" smtClean="0"/>
-              <a:t>12</a:t>
+              <a:t>11</a:t>
             </a:fld>
             <a:endParaRPr lang="en-GB"/>
           </a:p>
@@ -2470,7 +2478,7 @@
     </p:spTree>
     <p:extLst>
       <p:ext uri="{BB962C8B-B14F-4D97-AF65-F5344CB8AC3E}">
-        <p14:creationId xmlns:p14="http://schemas.microsoft.com/office/powerpoint/2010/main" val="1045829587"/>
+        <p14:creationId xmlns:p14="http://schemas.microsoft.com/office/powerpoint/2010/main" val="3798974346"/>
       </p:ext>
     </p:extLst>
   </p:cSld>
@@ -2524,7 +2532,7 @@
           <a:bodyPr/>
           <a:lstStyle/>
           <a:p>
-            <a:endParaRPr lang="en-GB"/>
+            <a:endParaRPr lang="en-GB" dirty="0"/>
           </a:p>
         </p:txBody>
       </p:sp>
@@ -2545,7 +2553,7 @@
           <a:p>
             <a:fld id="{4B3AC914-8EE0-4F94-AD22-ABF5CD3ADD26}" type="slidenum">
               <a:rPr lang="en-GB" smtClean="0"/>
-              <a:t>13</a:t>
+              <a:t>12</a:t>
             </a:fld>
             <a:endParaRPr lang="en-GB"/>
           </a:p>
@@ -2554,7 +2562,7 @@
     </p:spTree>
     <p:extLst>
       <p:ext uri="{BB962C8B-B14F-4D97-AF65-F5344CB8AC3E}">
-        <p14:creationId xmlns:p14="http://schemas.microsoft.com/office/powerpoint/2010/main" val="3607834871"/>
+        <p14:creationId xmlns:p14="http://schemas.microsoft.com/office/powerpoint/2010/main" val="1045829587"/>
       </p:ext>
     </p:extLst>
   </p:cSld>
@@ -2629,7 +2637,7 @@
           <a:p>
             <a:fld id="{4B3AC914-8EE0-4F94-AD22-ABF5CD3ADD26}" type="slidenum">
               <a:rPr lang="en-GB" smtClean="0"/>
-              <a:t>14</a:t>
+              <a:t>13</a:t>
             </a:fld>
             <a:endParaRPr lang="en-GB"/>
           </a:p>
@@ -2638,7 +2646,7 @@
     </p:spTree>
     <p:extLst>
       <p:ext uri="{BB962C8B-B14F-4D97-AF65-F5344CB8AC3E}">
-        <p14:creationId xmlns:p14="http://schemas.microsoft.com/office/powerpoint/2010/main" val="1997591347"/>
+        <p14:creationId xmlns:p14="http://schemas.microsoft.com/office/powerpoint/2010/main" val="3607834871"/>
       </p:ext>
     </p:extLst>
   </p:cSld>
@@ -2713,7 +2721,7 @@
           <a:p>
             <a:fld id="{4B3AC914-8EE0-4F94-AD22-ABF5CD3ADD26}" type="slidenum">
               <a:rPr lang="en-GB" smtClean="0"/>
-              <a:t>15</a:t>
+              <a:t>14</a:t>
             </a:fld>
             <a:endParaRPr lang="en-GB"/>
           </a:p>
@@ -2722,7 +2730,7 @@
     </p:spTree>
     <p:extLst>
       <p:ext uri="{BB962C8B-B14F-4D97-AF65-F5344CB8AC3E}">
-        <p14:creationId xmlns:p14="http://schemas.microsoft.com/office/powerpoint/2010/main" val="1762049308"/>
+        <p14:creationId xmlns:p14="http://schemas.microsoft.com/office/powerpoint/2010/main" val="1997591347"/>
       </p:ext>
     </p:extLst>
   </p:cSld>
@@ -2797,7 +2805,7 @@
           <a:p>
             <a:fld id="{4B3AC914-8EE0-4F94-AD22-ABF5CD3ADD26}" type="slidenum">
               <a:rPr lang="en-GB" smtClean="0"/>
-              <a:t>16</a:t>
+              <a:t>15</a:t>
             </a:fld>
             <a:endParaRPr lang="en-GB"/>
           </a:p>
@@ -2806,7 +2814,7 @@
     </p:spTree>
     <p:extLst>
       <p:ext uri="{BB962C8B-B14F-4D97-AF65-F5344CB8AC3E}">
-        <p14:creationId xmlns:p14="http://schemas.microsoft.com/office/powerpoint/2010/main" val="2045974594"/>
+        <p14:creationId xmlns:p14="http://schemas.microsoft.com/office/powerpoint/2010/main" val="1762049308"/>
       </p:ext>
     </p:extLst>
   </p:cSld>
@@ -2860,35 +2868,7 @@
           <a:bodyPr/>
           <a:lstStyle/>
           <a:p>
-            <a:pPr marL="171450" indent="-171450">
-              <a:buFont typeface="Arial" panose="020B0604020202020204" pitchFamily="34" charset="0"/>
-              <a:buChar char="•"/>
-            </a:pPr>
-            <a:r>
-              <a:rPr lang="en-GB" dirty="0"/>
-              <a:t>can</a:t>
-            </a:r>
-            <a:r>
-              <a:rPr lang="en-GB" baseline="0" dirty="0"/>
-              <a:t> search for drugs to add to list</a:t>
-            </a:r>
-          </a:p>
-          <a:p>
-            <a:pPr marL="171450" indent="-171450">
-              <a:buFont typeface="Arial" panose="020B0604020202020204" pitchFamily="34" charset="0"/>
-              <a:buChar char="•"/>
-            </a:pPr>
-            <a:r>
-              <a:rPr lang="en-GB" baseline="0" dirty="0"/>
-              <a:t>To be used mostly by doctors</a:t>
-            </a:r>
-          </a:p>
-          <a:p>
-            <a:pPr marL="0" indent="0">
-              <a:buFont typeface="Arial" panose="020B0604020202020204" pitchFamily="34" charset="0"/>
-              <a:buNone/>
-            </a:pPr>
-            <a:endParaRPr lang="en-GB" dirty="0"/>
+            <a:endParaRPr lang="en-GB"/>
           </a:p>
         </p:txBody>
       </p:sp>
@@ -2909,7 +2889,7 @@
           <a:p>
             <a:fld id="{4B3AC914-8EE0-4F94-AD22-ABF5CD3ADD26}" type="slidenum">
               <a:rPr lang="en-GB" smtClean="0"/>
-              <a:t>17</a:t>
+              <a:t>16</a:t>
             </a:fld>
             <a:endParaRPr lang="en-GB"/>
           </a:p>
@@ -2918,7 +2898,7 @@
     </p:spTree>
     <p:extLst>
       <p:ext uri="{BB962C8B-B14F-4D97-AF65-F5344CB8AC3E}">
-        <p14:creationId xmlns:p14="http://schemas.microsoft.com/office/powerpoint/2010/main" val="3324245975"/>
+        <p14:creationId xmlns:p14="http://schemas.microsoft.com/office/powerpoint/2010/main" val="2045974594"/>
       </p:ext>
     </p:extLst>
   </p:cSld>
@@ -3021,7 +3001,7 @@
           <a:p>
             <a:fld id="{4B3AC914-8EE0-4F94-AD22-ABF5CD3ADD26}" type="slidenum">
               <a:rPr lang="en-GB" smtClean="0"/>
-              <a:t>18</a:t>
+              <a:t>17</a:t>
             </a:fld>
             <a:endParaRPr lang="en-GB"/>
           </a:p>
@@ -3030,7 +3010,7 @@
     </p:spTree>
     <p:extLst>
       <p:ext uri="{BB962C8B-B14F-4D97-AF65-F5344CB8AC3E}">
-        <p14:creationId xmlns:p14="http://schemas.microsoft.com/office/powerpoint/2010/main" val="1914936213"/>
+        <p14:creationId xmlns:p14="http://schemas.microsoft.com/office/powerpoint/2010/main" val="3324245975"/>
       </p:ext>
     </p:extLst>
   </p:cSld>
@@ -3133,7 +3113,7 @@
           <a:p>
             <a:fld id="{4B3AC914-8EE0-4F94-AD22-ABF5CD3ADD26}" type="slidenum">
               <a:rPr lang="en-GB" smtClean="0"/>
-              <a:t>19</a:t>
+              <a:t>18</a:t>
             </a:fld>
             <a:endParaRPr lang="en-GB"/>
           </a:p>
@@ -3142,7 +3122,7 @@
     </p:spTree>
     <p:extLst>
       <p:ext uri="{BB962C8B-B14F-4D97-AF65-F5344CB8AC3E}">
-        <p14:creationId xmlns:p14="http://schemas.microsoft.com/office/powerpoint/2010/main" val="108629331"/>
+        <p14:creationId xmlns:p14="http://schemas.microsoft.com/office/powerpoint/2010/main" val="1914936213"/>
       </p:ext>
     </p:extLst>
   </p:cSld>
@@ -3202,12 +3182,28 @@
             </a:pPr>
             <a:r>
               <a:rPr lang="en-GB" dirty="0"/>
-              <a:t>Detailed</a:t>
+              <a:t>can</a:t>
             </a:r>
             <a:r>
               <a:rPr lang="en-GB" baseline="0" dirty="0"/>
-              <a:t> notes on medication</a:t>
+              <a:t> search for drugs to add to list</a:t>
             </a:r>
+          </a:p>
+          <a:p>
+            <a:pPr marL="171450" indent="-171450">
+              <a:buFont typeface="Arial" panose="020B0604020202020204" pitchFamily="34" charset="0"/>
+              <a:buChar char="•"/>
+            </a:pPr>
+            <a:r>
+              <a:rPr lang="en-GB" baseline="0" dirty="0"/>
+              <a:t>To be used mostly by doctors</a:t>
+            </a:r>
+          </a:p>
+          <a:p>
+            <a:pPr marL="0" indent="0">
+              <a:buFont typeface="Arial" panose="020B0604020202020204" pitchFamily="34" charset="0"/>
+              <a:buNone/>
+            </a:pPr>
             <a:endParaRPr lang="en-GB" dirty="0"/>
           </a:p>
         </p:txBody>
@@ -3229,7 +3225,7 @@
           <a:p>
             <a:fld id="{4B3AC914-8EE0-4F94-AD22-ABF5CD3ADD26}" type="slidenum">
               <a:rPr lang="en-GB" smtClean="0"/>
-              <a:t>20</a:t>
+              <a:t>19</a:t>
             </a:fld>
             <a:endParaRPr lang="en-GB"/>
           </a:p>
@@ -3238,7 +3234,7 @@
     </p:spTree>
     <p:extLst>
       <p:ext uri="{BB962C8B-B14F-4D97-AF65-F5344CB8AC3E}">
-        <p14:creationId xmlns:p14="http://schemas.microsoft.com/office/powerpoint/2010/main" val="3706537953"/>
+        <p14:creationId xmlns:p14="http://schemas.microsoft.com/office/powerpoint/2010/main" val="108629331"/>
       </p:ext>
     </p:extLst>
   </p:cSld>
@@ -3325,7 +3321,7 @@
           <a:p>
             <a:fld id="{4B3AC914-8EE0-4F94-AD22-ABF5CD3ADD26}" type="slidenum">
               <a:rPr lang="en-GB" smtClean="0"/>
-              <a:t>21</a:t>
+              <a:t>20</a:t>
             </a:fld>
             <a:endParaRPr lang="en-GB"/>
           </a:p>
@@ -3334,7 +3330,7 @@
     </p:spTree>
     <p:extLst>
       <p:ext uri="{BB962C8B-B14F-4D97-AF65-F5344CB8AC3E}">
-        <p14:creationId xmlns:p14="http://schemas.microsoft.com/office/powerpoint/2010/main" val="3687843479"/>
+        <p14:creationId xmlns:p14="http://schemas.microsoft.com/office/powerpoint/2010/main" val="3706537953"/>
       </p:ext>
     </p:extLst>
   </p:cSld>
@@ -3409,7 +3405,7 @@
           <a:p>
             <a:fld id="{4B3AC914-8EE0-4F94-AD22-ABF5CD3ADD26}" type="slidenum">
               <a:rPr lang="en-GB" smtClean="0"/>
-              <a:t>3</a:t>
+              <a:t>2</a:t>
             </a:fld>
             <a:endParaRPr lang="en-GB"/>
           </a:p>
@@ -3418,7 +3414,7 @@
     </p:spTree>
     <p:extLst>
       <p:ext uri="{BB962C8B-B14F-4D97-AF65-F5344CB8AC3E}">
-        <p14:creationId xmlns:p14="http://schemas.microsoft.com/office/powerpoint/2010/main" val="946394572"/>
+        <p14:creationId xmlns:p14="http://schemas.microsoft.com/office/powerpoint/2010/main" val="2821312252"/>
       </p:ext>
     </p:extLst>
   </p:cSld>
@@ -3505,7 +3501,7 @@
           <a:p>
             <a:fld id="{4B3AC914-8EE0-4F94-AD22-ABF5CD3ADD26}" type="slidenum">
               <a:rPr lang="en-GB" smtClean="0"/>
-              <a:t>22</a:t>
+              <a:t>21</a:t>
             </a:fld>
             <a:endParaRPr lang="en-GB"/>
           </a:p>
@@ -3514,7 +3510,7 @@
     </p:spTree>
     <p:extLst>
       <p:ext uri="{BB962C8B-B14F-4D97-AF65-F5344CB8AC3E}">
-        <p14:creationId xmlns:p14="http://schemas.microsoft.com/office/powerpoint/2010/main" val="3912945783"/>
+        <p14:creationId xmlns:p14="http://schemas.microsoft.com/office/powerpoint/2010/main" val="3687843479"/>
       </p:ext>
     </p:extLst>
   </p:cSld>
@@ -3568,6 +3564,102 @@
           <a:bodyPr/>
           <a:lstStyle/>
           <a:p>
+            <a:pPr marL="171450" indent="-171450">
+              <a:buFont typeface="Arial" panose="020B0604020202020204" pitchFamily="34" charset="0"/>
+              <a:buChar char="•"/>
+            </a:pPr>
+            <a:r>
+              <a:rPr lang="en-GB" dirty="0"/>
+              <a:t>Detailed</a:t>
+            </a:r>
+            <a:r>
+              <a:rPr lang="en-GB" baseline="0" dirty="0"/>
+              <a:t> notes on medication</a:t>
+            </a:r>
+            <a:endParaRPr lang="en-GB" dirty="0"/>
+          </a:p>
+        </p:txBody>
+      </p:sp>
+      <p:sp>
+        <p:nvSpPr>
+          <p:cNvPr id="4" name="Slide Number Placeholder 3"/>
+          <p:cNvSpPr>
+            <a:spLocks noGrp="1"/>
+          </p:cNvSpPr>
+          <p:nvPr>
+            <p:ph type="sldNum" sz="quarter" idx="10"/>
+          </p:nvPr>
+        </p:nvSpPr>
+        <p:spPr/>
+        <p:txBody>
+          <a:bodyPr/>
+          <a:lstStyle/>
+          <a:p>
+            <a:fld id="{4B3AC914-8EE0-4F94-AD22-ABF5CD3ADD26}" type="slidenum">
+              <a:rPr lang="en-GB" smtClean="0"/>
+              <a:t>22</a:t>
+            </a:fld>
+            <a:endParaRPr lang="en-GB"/>
+          </a:p>
+        </p:txBody>
+      </p:sp>
+    </p:spTree>
+    <p:extLst>
+      <p:ext uri="{BB962C8B-B14F-4D97-AF65-F5344CB8AC3E}">
+        <p14:creationId xmlns:p14="http://schemas.microsoft.com/office/powerpoint/2010/main" val="3912945783"/>
+      </p:ext>
+    </p:extLst>
+  </p:cSld>
+  <p:clrMapOvr>
+    <a:masterClrMapping/>
+  </p:clrMapOvr>
+</p:notes>
+</file>
+
+<file path=ppt/notesSlides/notesSlide22.xml><?xml version="1.0" encoding="utf-8"?>
+<p:notes xmlns:a="http://schemas.openxmlformats.org/drawingml/2006/main" xmlns:r="http://schemas.openxmlformats.org/officeDocument/2006/relationships" xmlns:p="http://schemas.openxmlformats.org/presentationml/2006/main">
+  <p:cSld>
+    <p:spTree>
+      <p:nvGrpSpPr>
+        <p:cNvPr id="1" name=""/>
+        <p:cNvGrpSpPr/>
+        <p:nvPr/>
+      </p:nvGrpSpPr>
+      <p:grpSpPr>
+        <a:xfrm>
+          <a:off x="0" y="0"/>
+          <a:ext cx="0" cy="0"/>
+          <a:chOff x="0" y="0"/>
+          <a:chExt cx="0" cy="0"/>
+        </a:xfrm>
+      </p:grpSpPr>
+      <p:sp>
+        <p:nvSpPr>
+          <p:cNvPr id="2" name="Slide Image Placeholder 1"/>
+          <p:cNvSpPr>
+            <a:spLocks noGrp="1" noRot="1" noChangeAspect="1"/>
+          </p:cNvSpPr>
+          <p:nvPr>
+            <p:ph type="sldImg"/>
+          </p:nvPr>
+        </p:nvSpPr>
+        <p:spPr/>
+      </p:sp>
+      <p:sp>
+        <p:nvSpPr>
+          <p:cNvPr id="3" name="Notes Placeholder 2"/>
+          <p:cNvSpPr>
+            <a:spLocks noGrp="1"/>
+          </p:cNvSpPr>
+          <p:nvPr>
+            <p:ph type="body" idx="1"/>
+          </p:nvPr>
+        </p:nvSpPr>
+        <p:spPr/>
+        <p:txBody>
+          <a:bodyPr/>
+          <a:lstStyle/>
+          <a:p>
             <a:endParaRPr lang="en-GB"/>
           </a:p>
         </p:txBody>
@@ -3608,7 +3700,7 @@
 </p:notes>
 </file>
 
-<file path=ppt/notesSlides/notesSlide22.xml><?xml version="1.0" encoding="utf-8"?>
+<file path=ppt/notesSlides/notesSlide23.xml><?xml version="1.0" encoding="utf-8"?>
 <p:notes xmlns:a="http://schemas.openxmlformats.org/drawingml/2006/main" xmlns:r="http://schemas.openxmlformats.org/officeDocument/2006/relationships" xmlns:p="http://schemas.openxmlformats.org/presentationml/2006/main">
   <p:cSld>
     <p:spTree>
@@ -3744,34 +3836,7 @@
           <a:bodyPr/>
           <a:lstStyle/>
           <a:p>
-            <a:pPr marL="171450" indent="-171450">
-              <a:buFont typeface="Arial" panose="020B0604020202020204" pitchFamily="34" charset="0"/>
-              <a:buChar char="•"/>
-            </a:pPr>
-            <a:r>
-              <a:rPr lang="en-GB" dirty="0"/>
-              <a:t>Press Exercise button to do that exercise.</a:t>
-            </a:r>
-          </a:p>
-          <a:p>
-            <a:pPr marL="171450" indent="-171450">
-              <a:buFont typeface="Arial" panose="020B0604020202020204" pitchFamily="34" charset="0"/>
-              <a:buChar char="•"/>
-            </a:pPr>
-            <a:r>
-              <a:rPr lang="en-GB" dirty="0"/>
-              <a:t>Press + button to add new exercises to list.</a:t>
-            </a:r>
-          </a:p>
-          <a:p>
-            <a:pPr marL="171450" indent="-171450">
-              <a:buFont typeface="Arial" panose="020B0604020202020204" pitchFamily="34" charset="0"/>
-              <a:buChar char="•"/>
-            </a:pPr>
-            <a:r>
-              <a:rPr lang="en-GB" dirty="0"/>
-              <a:t>Press back button to go back to main page.</a:t>
-            </a:r>
+            <a:endParaRPr lang="en-GB"/>
           </a:p>
         </p:txBody>
       </p:sp>
@@ -3792,7 +3857,7 @@
           <a:p>
             <a:fld id="{4B3AC914-8EE0-4F94-AD22-ABF5CD3ADD26}" type="slidenum">
               <a:rPr lang="en-GB" smtClean="0"/>
-              <a:t>4</a:t>
+              <a:t>3</a:t>
             </a:fld>
             <a:endParaRPr lang="en-GB"/>
           </a:p>
@@ -3801,7 +3866,7 @@
     </p:spTree>
     <p:extLst>
       <p:ext uri="{BB962C8B-B14F-4D97-AF65-F5344CB8AC3E}">
-        <p14:creationId xmlns:p14="http://schemas.microsoft.com/office/powerpoint/2010/main" val="953245122"/>
+        <p14:creationId xmlns:p14="http://schemas.microsoft.com/office/powerpoint/2010/main" val="946394572"/>
       </p:ext>
     </p:extLst>
   </p:cSld>
@@ -3860,8 +3925,8 @@
               <a:buChar char="•"/>
             </a:pPr>
             <a:r>
-              <a:rPr lang="en-GB" b="0" dirty="0"/>
-              <a:t>Press tick box to add to personal exercise list.</a:t>
+              <a:rPr lang="en-GB" dirty="0"/>
+              <a:t>Press Exercise button to do that exercise.</a:t>
             </a:r>
           </a:p>
           <a:p>
@@ -3870,12 +3935,8 @@
               <a:buChar char="•"/>
             </a:pPr>
             <a:r>
-              <a:rPr lang="en-GB" b="0" dirty="0"/>
-              <a:t>Press</a:t>
-            </a:r>
-            <a:r>
-              <a:rPr lang="en-GB" b="0" baseline="0" dirty="0"/>
-              <a:t> exercise button do a run though of the exercise to see if suitable.</a:t>
+              <a:rPr lang="en-GB" dirty="0"/>
+              <a:t>Press + button to add new exercises to list.</a:t>
             </a:r>
           </a:p>
           <a:p>
@@ -3884,10 +3945,9 @@
               <a:buChar char="•"/>
             </a:pPr>
             <a:r>
-              <a:rPr lang="en-GB" b="0" baseline="0" dirty="0"/>
-              <a:t>Back button takes you back to exercise page.</a:t>
+              <a:rPr lang="en-GB" dirty="0"/>
+              <a:t>Press back button to go back to main page.</a:t>
             </a:r>
-            <a:endParaRPr lang="en-GB" b="0" dirty="0"/>
           </a:p>
         </p:txBody>
       </p:sp>
@@ -3908,7 +3968,7 @@
           <a:p>
             <a:fld id="{4B3AC914-8EE0-4F94-AD22-ABF5CD3ADD26}" type="slidenum">
               <a:rPr lang="en-GB" smtClean="0"/>
-              <a:t>5</a:t>
+              <a:t>4</a:t>
             </a:fld>
             <a:endParaRPr lang="en-GB"/>
           </a:p>
@@ -3917,7 +3977,7 @@
     </p:spTree>
     <p:extLst>
       <p:ext uri="{BB962C8B-B14F-4D97-AF65-F5344CB8AC3E}">
-        <p14:creationId xmlns:p14="http://schemas.microsoft.com/office/powerpoint/2010/main" val="3024092846"/>
+        <p14:creationId xmlns:p14="http://schemas.microsoft.com/office/powerpoint/2010/main" val="953245122"/>
       </p:ext>
     </p:extLst>
   </p:cSld>
@@ -4024,7 +4084,7 @@
           <a:p>
             <a:fld id="{4B3AC914-8EE0-4F94-AD22-ABF5CD3ADD26}" type="slidenum">
               <a:rPr lang="en-GB" smtClean="0"/>
-              <a:t>6</a:t>
+              <a:t>5</a:t>
             </a:fld>
             <a:endParaRPr lang="en-GB"/>
           </a:p>
@@ -4033,7 +4093,7 @@
     </p:spTree>
     <p:extLst>
       <p:ext uri="{BB962C8B-B14F-4D97-AF65-F5344CB8AC3E}">
-        <p14:creationId xmlns:p14="http://schemas.microsoft.com/office/powerpoint/2010/main" val="806508448"/>
+        <p14:creationId xmlns:p14="http://schemas.microsoft.com/office/powerpoint/2010/main" val="3024092846"/>
       </p:ext>
     </p:extLst>
   </p:cSld>
@@ -4092,12 +4152,8 @@
               <a:buChar char="•"/>
             </a:pPr>
             <a:r>
-              <a:rPr lang="en-GB" dirty="0"/>
-              <a:t>Has</a:t>
-            </a:r>
-            <a:r>
-              <a:rPr lang="en-GB" baseline="0" dirty="0"/>
-              <a:t> animation showing the exercise with voice over.</a:t>
+              <a:rPr lang="en-GB" b="0" dirty="0"/>
+              <a:t>Press tick box to add to personal exercise list.</a:t>
             </a:r>
           </a:p>
           <a:p>
@@ -4106,8 +4162,12 @@
               <a:buChar char="•"/>
             </a:pPr>
             <a:r>
-              <a:rPr lang="en-GB" baseline="0" dirty="0"/>
-              <a:t>Can pause at any time by pressing the || button.</a:t>
+              <a:rPr lang="en-GB" b="0" dirty="0"/>
+              <a:t>Press</a:t>
+            </a:r>
+            <a:r>
+              <a:rPr lang="en-GB" b="0" baseline="0" dirty="0"/>
+              <a:t> exercise button do a run though of the exercise to see if suitable.</a:t>
             </a:r>
           </a:p>
           <a:p>
@@ -4116,10 +4176,10 @@
               <a:buChar char="•"/>
             </a:pPr>
             <a:r>
-              <a:rPr lang="en-GB" baseline="0" dirty="0"/>
-              <a:t>Can stop exercise by pressing back button.</a:t>
+              <a:rPr lang="en-GB" b="0" baseline="0" dirty="0"/>
+              <a:t>Back button takes you back to exercise page.</a:t>
             </a:r>
-            <a:endParaRPr lang="en-GB" dirty="0"/>
+            <a:endParaRPr lang="en-GB" b="0" dirty="0"/>
           </a:p>
         </p:txBody>
       </p:sp>
@@ -4140,7 +4200,7 @@
           <a:p>
             <a:fld id="{4B3AC914-8EE0-4F94-AD22-ABF5CD3ADD26}" type="slidenum">
               <a:rPr lang="en-GB" smtClean="0"/>
-              <a:t>7</a:t>
+              <a:t>6</a:t>
             </a:fld>
             <a:endParaRPr lang="en-GB"/>
           </a:p>
@@ -4149,7 +4209,7 @@
     </p:spTree>
     <p:extLst>
       <p:ext uri="{BB962C8B-B14F-4D97-AF65-F5344CB8AC3E}">
-        <p14:creationId xmlns:p14="http://schemas.microsoft.com/office/powerpoint/2010/main" val="4022608742"/>
+        <p14:creationId xmlns:p14="http://schemas.microsoft.com/office/powerpoint/2010/main" val="806508448"/>
       </p:ext>
     </p:extLst>
   </p:cSld>
@@ -4209,11 +4269,31 @@
             </a:pPr>
             <a:r>
               <a:rPr lang="en-GB" dirty="0"/>
-              <a:t>Can have countdown</a:t>
+              <a:t>Has</a:t>
             </a:r>
             <a:r>
               <a:rPr lang="en-GB" baseline="0" dirty="0"/>
-              <a:t>. For example when a position should be held for a period of time.</a:t>
+              <a:t> animation showing the exercise with voice over.</a:t>
+            </a:r>
+          </a:p>
+          <a:p>
+            <a:pPr marL="171450" indent="-171450">
+              <a:buFont typeface="Arial" panose="020B0604020202020204" pitchFamily="34" charset="0"/>
+              <a:buChar char="•"/>
+            </a:pPr>
+            <a:r>
+              <a:rPr lang="en-GB" baseline="0" dirty="0"/>
+              <a:t>Can pause at any time by pressing the || button.</a:t>
+            </a:r>
+          </a:p>
+          <a:p>
+            <a:pPr marL="171450" indent="-171450">
+              <a:buFont typeface="Arial" panose="020B0604020202020204" pitchFamily="34" charset="0"/>
+              <a:buChar char="•"/>
+            </a:pPr>
+            <a:r>
+              <a:rPr lang="en-GB" baseline="0" dirty="0"/>
+              <a:t>Can stop exercise by pressing back button.</a:t>
             </a:r>
             <a:endParaRPr lang="en-GB" dirty="0"/>
           </a:p>
@@ -4236,7 +4316,7 @@
           <a:p>
             <a:fld id="{4B3AC914-8EE0-4F94-AD22-ABF5CD3ADD26}" type="slidenum">
               <a:rPr lang="en-GB" smtClean="0"/>
-              <a:t>8</a:t>
+              <a:t>7</a:t>
             </a:fld>
             <a:endParaRPr lang="en-GB"/>
           </a:p>
@@ -4245,7 +4325,7 @@
     </p:spTree>
     <p:extLst>
       <p:ext uri="{BB962C8B-B14F-4D97-AF65-F5344CB8AC3E}">
-        <p14:creationId xmlns:p14="http://schemas.microsoft.com/office/powerpoint/2010/main" val="1103512022"/>
+        <p14:creationId xmlns:p14="http://schemas.microsoft.com/office/powerpoint/2010/main" val="4022608742"/>
       </p:ext>
     </p:extLst>
   </p:cSld>
@@ -4305,31 +4385,11 @@
             </a:pPr>
             <a:r>
               <a:rPr lang="en-GB" dirty="0"/>
-              <a:t>Shows basic</a:t>
+              <a:t>Can have countdown</a:t>
             </a:r>
             <a:r>
               <a:rPr lang="en-GB" baseline="0" dirty="0"/>
-              <a:t> layout of house with information on what lights/appliances are on.</a:t>
-            </a:r>
-          </a:p>
-          <a:p>
-            <a:pPr marL="171450" indent="-171450">
-              <a:buFont typeface="Arial" panose="020B0604020202020204" pitchFamily="34" charset="0"/>
-              <a:buChar char="•"/>
-            </a:pPr>
-            <a:r>
-              <a:rPr lang="en-GB" baseline="0" dirty="0"/>
-              <a:t>Press + button to add/modify room/appliance.</a:t>
-            </a:r>
-          </a:p>
-          <a:p>
-            <a:pPr marL="171450" indent="-171450">
-              <a:buFont typeface="Arial" panose="020B0604020202020204" pitchFamily="34" charset="0"/>
-              <a:buChar char="•"/>
-            </a:pPr>
-            <a:r>
-              <a:rPr lang="en-GB" baseline="0" dirty="0"/>
-              <a:t>Back take user to main menu</a:t>
+              <a:t>. For example when a position should be held for a period of time.</a:t>
             </a:r>
             <a:endParaRPr lang="en-GB" dirty="0"/>
           </a:p>
@@ -4352,7 +4412,7 @@
           <a:p>
             <a:fld id="{4B3AC914-8EE0-4F94-AD22-ABF5CD3ADD26}" type="slidenum">
               <a:rPr lang="en-GB" smtClean="0"/>
-              <a:t>9</a:t>
+              <a:t>8</a:t>
             </a:fld>
             <a:endParaRPr lang="en-GB"/>
           </a:p>
@@ -4361,7 +4421,7 @@
     </p:spTree>
     <p:extLst>
       <p:ext uri="{BB962C8B-B14F-4D97-AF65-F5344CB8AC3E}">
-        <p14:creationId xmlns:p14="http://schemas.microsoft.com/office/powerpoint/2010/main" val="1826485935"/>
+        <p14:creationId xmlns:p14="http://schemas.microsoft.com/office/powerpoint/2010/main" val="1103512022"/>
       </p:ext>
     </p:extLst>
   </p:cSld>
@@ -4415,6 +4475,38 @@
           <a:bodyPr/>
           <a:lstStyle/>
           <a:p>
+            <a:pPr marL="171450" indent="-171450">
+              <a:buFont typeface="Arial" panose="020B0604020202020204" pitchFamily="34" charset="0"/>
+              <a:buChar char="•"/>
+            </a:pPr>
+            <a:r>
+              <a:rPr lang="en-GB" dirty="0"/>
+              <a:t>Shows basic</a:t>
+            </a:r>
+            <a:r>
+              <a:rPr lang="en-GB" baseline="0" dirty="0"/>
+              <a:t> layout of house with information on what lights/appliances are on.</a:t>
+            </a:r>
+          </a:p>
+          <a:p>
+            <a:pPr marL="171450" indent="-171450">
+              <a:buFont typeface="Arial" panose="020B0604020202020204" pitchFamily="34" charset="0"/>
+              <a:buChar char="•"/>
+            </a:pPr>
+            <a:r>
+              <a:rPr lang="en-GB" baseline="0" dirty="0"/>
+              <a:t>Press + button to add/modify room/appliance.</a:t>
+            </a:r>
+          </a:p>
+          <a:p>
+            <a:pPr marL="171450" indent="-171450">
+              <a:buFont typeface="Arial" panose="020B0604020202020204" pitchFamily="34" charset="0"/>
+              <a:buChar char="•"/>
+            </a:pPr>
+            <a:r>
+              <a:rPr lang="en-GB" baseline="0" dirty="0"/>
+              <a:t>Back take user to main menu</a:t>
+            </a:r>
             <a:endParaRPr lang="en-GB" dirty="0"/>
           </a:p>
         </p:txBody>
@@ -4436,7 +4528,7 @@
           <a:p>
             <a:fld id="{4B3AC914-8EE0-4F94-AD22-ABF5CD3ADD26}" type="slidenum">
               <a:rPr lang="en-GB" smtClean="0"/>
-              <a:t>11</a:t>
+              <a:t>9</a:t>
             </a:fld>
             <a:endParaRPr lang="en-GB"/>
           </a:p>
@@ -4445,7 +4537,7 @@
     </p:spTree>
     <p:extLst>
       <p:ext uri="{BB962C8B-B14F-4D97-AF65-F5344CB8AC3E}">
-        <p14:creationId xmlns:p14="http://schemas.microsoft.com/office/powerpoint/2010/main" val="3798974346"/>
+        <p14:creationId xmlns:p14="http://schemas.microsoft.com/office/powerpoint/2010/main" val="1826485935"/>
       </p:ext>
     </p:extLst>
   </p:cSld>
@@ -4636,7 +4728,7 @@
           <a:p>
             <a:fld id="{7DC8C874-F052-4B8F-84BA-ADED70597167}" type="datetimeFigureOut">
               <a:rPr lang="en-GB" smtClean="0"/>
-              <a:t>20/02/2019</a:t>
+              <a:t>21/02/2019</a:t>
             </a:fld>
             <a:endParaRPr lang="en-GB"/>
           </a:p>
@@ -4814,7 +4906,7 @@
           <a:p>
             <a:fld id="{7DC8C874-F052-4B8F-84BA-ADED70597167}" type="datetimeFigureOut">
               <a:rPr lang="en-GB" smtClean="0"/>
-              <a:t>20/02/2019</a:t>
+              <a:t>21/02/2019</a:t>
             </a:fld>
             <a:endParaRPr lang="en-GB"/>
           </a:p>
@@ -5002,7 +5094,7 @@
           <a:p>
             <a:fld id="{7DC8C874-F052-4B8F-84BA-ADED70597167}" type="datetimeFigureOut">
               <a:rPr lang="en-GB" smtClean="0"/>
-              <a:t>20/02/2019</a:t>
+              <a:t>21/02/2019</a:t>
             </a:fld>
             <a:endParaRPr lang="en-GB"/>
           </a:p>
@@ -5180,7 +5272,7 @@
           <a:p>
             <a:fld id="{7DC8C874-F052-4B8F-84BA-ADED70597167}" type="datetimeFigureOut">
               <a:rPr lang="en-GB" smtClean="0"/>
-              <a:t>20/02/2019</a:t>
+              <a:t>21/02/2019</a:t>
             </a:fld>
             <a:endParaRPr lang="en-GB"/>
           </a:p>
@@ -5434,7 +5526,7 @@
           <a:p>
             <a:fld id="{7DC8C874-F052-4B8F-84BA-ADED70597167}" type="datetimeFigureOut">
               <a:rPr lang="en-GB" smtClean="0"/>
-              <a:t>20/02/2019</a:t>
+              <a:t>21/02/2019</a:t>
             </a:fld>
             <a:endParaRPr lang="en-GB"/>
           </a:p>
@@ -5730,7 +5822,7 @@
           <a:p>
             <a:fld id="{7DC8C874-F052-4B8F-84BA-ADED70597167}" type="datetimeFigureOut">
               <a:rPr lang="en-GB" smtClean="0"/>
-              <a:t>20/02/2019</a:t>
+              <a:t>21/02/2019</a:t>
             </a:fld>
             <a:endParaRPr lang="en-GB"/>
           </a:p>
@@ -6160,7 +6252,7 @@
           <a:p>
             <a:fld id="{7DC8C874-F052-4B8F-84BA-ADED70597167}" type="datetimeFigureOut">
               <a:rPr lang="en-GB" smtClean="0"/>
-              <a:t>20/02/2019</a:t>
+              <a:t>21/02/2019</a:t>
             </a:fld>
             <a:endParaRPr lang="en-GB"/>
           </a:p>
@@ -6286,7 +6378,7 @@
           <a:p>
             <a:fld id="{7DC8C874-F052-4B8F-84BA-ADED70597167}" type="datetimeFigureOut">
               <a:rPr lang="en-GB" smtClean="0"/>
-              <a:t>20/02/2019</a:t>
+              <a:t>21/02/2019</a:t>
             </a:fld>
             <a:endParaRPr lang="en-GB"/>
           </a:p>
@@ -6389,7 +6481,7 @@
           <a:p>
             <a:fld id="{7DC8C874-F052-4B8F-84BA-ADED70597167}" type="datetimeFigureOut">
               <a:rPr lang="en-GB" smtClean="0"/>
-              <a:t>20/02/2019</a:t>
+              <a:t>21/02/2019</a:t>
             </a:fld>
             <a:endParaRPr lang="en-GB"/>
           </a:p>
@@ -6674,7 +6766,7 @@
           <a:p>
             <a:fld id="{7DC8C874-F052-4B8F-84BA-ADED70597167}" type="datetimeFigureOut">
               <a:rPr lang="en-GB" smtClean="0"/>
-              <a:t>20/02/2019</a:t>
+              <a:t>21/02/2019</a:t>
             </a:fld>
             <a:endParaRPr lang="en-GB"/>
           </a:p>
@@ -6935,7 +7027,7 @@
           <a:p>
             <a:fld id="{7DC8C874-F052-4B8F-84BA-ADED70597167}" type="datetimeFigureOut">
               <a:rPr lang="en-GB" smtClean="0"/>
-              <a:t>20/02/2019</a:t>
+              <a:t>21/02/2019</a:t>
             </a:fld>
             <a:endParaRPr lang="en-GB"/>
           </a:p>
@@ -7156,7 +7248,7 @@
           <a:p>
             <a:fld id="{7DC8C874-F052-4B8F-84BA-ADED70597167}" type="datetimeFigureOut">
               <a:rPr lang="en-GB" smtClean="0"/>
-              <a:t>20/02/2019</a:t>
+              <a:t>21/02/2019</a:t>
             </a:fld>
             <a:endParaRPr lang="en-GB"/>
           </a:p>
@@ -7555,7 +7647,7 @@
           <p:cNvPr id="5" name="Group 4">
             <a:extLst>
               <a:ext uri="{FF2B5EF4-FFF2-40B4-BE49-F238E27FC236}">
-                <a16:creationId xmlns:a16="http://schemas.microsoft.com/office/drawing/2014/main" id="{D11C589E-7959-4AFE-B96F-301238AFBFE6}"/>
+                <a16:creationId xmlns:a16="http://schemas.microsoft.com/office/drawing/2014/main" xmlns="" id="{D11C589E-7959-4AFE-B96F-301238AFBFE6}"/>
               </a:ext>
             </a:extLst>
           </p:cNvPr>
@@ -7575,7 +7667,7 @@
             <p:cNvPr id="6" name="Rectangle 5">
               <a:extLst>
                 <a:ext uri="{FF2B5EF4-FFF2-40B4-BE49-F238E27FC236}">
-                  <a16:creationId xmlns:a16="http://schemas.microsoft.com/office/drawing/2014/main" id="{53D52752-832D-4418-A72E-08B7416E415D}"/>
+                  <a16:creationId xmlns:a16="http://schemas.microsoft.com/office/drawing/2014/main" xmlns="" id="{53D52752-832D-4418-A72E-08B7416E415D}"/>
                 </a:ext>
               </a:extLst>
             </p:cNvPr>
@@ -7625,7 +7717,7 @@
             <p:cNvPr id="7" name="TextBox 6">
               <a:extLst>
                 <a:ext uri="{FF2B5EF4-FFF2-40B4-BE49-F238E27FC236}">
-                  <a16:creationId xmlns:a16="http://schemas.microsoft.com/office/drawing/2014/main" id="{77BB93C0-0FA8-4C36-AA67-630C733E06D8}"/>
+                  <a16:creationId xmlns:a16="http://schemas.microsoft.com/office/drawing/2014/main" xmlns="" id="{77BB93C0-0FA8-4C36-AA67-630C733E06D8}"/>
                 </a:ext>
               </a:extLst>
             </p:cNvPr>
@@ -7665,7 +7757,7 @@
           <p:cNvPr id="8" name="TextBox 7">
             <a:extLst>
               <a:ext uri="{FF2B5EF4-FFF2-40B4-BE49-F238E27FC236}">
-                <a16:creationId xmlns:a16="http://schemas.microsoft.com/office/drawing/2014/main" id="{B47603E6-EEFB-4D3F-ABFB-C6BA28BBB153}"/>
+                <a16:creationId xmlns:a16="http://schemas.microsoft.com/office/drawing/2014/main" xmlns="" id="{B47603E6-EEFB-4D3F-ABFB-C6BA28BBB153}"/>
               </a:ext>
             </a:extLst>
           </p:cNvPr>
@@ -7701,7 +7793,7 @@
           <p:cNvPr id="9" name="Rectangle 8">
             <a:extLst>
               <a:ext uri="{FF2B5EF4-FFF2-40B4-BE49-F238E27FC236}">
-                <a16:creationId xmlns:a16="http://schemas.microsoft.com/office/drawing/2014/main" id="{58AB00E7-73FB-4206-B0B2-4E714460CCD3}"/>
+                <a16:creationId xmlns:a16="http://schemas.microsoft.com/office/drawing/2014/main" xmlns="" id="{58AB00E7-73FB-4206-B0B2-4E714460CCD3}"/>
               </a:ext>
             </a:extLst>
           </p:cNvPr>
@@ -7750,7 +7842,7 @@
           <p:cNvPr id="10" name="TextBox 9">
             <a:extLst>
               <a:ext uri="{FF2B5EF4-FFF2-40B4-BE49-F238E27FC236}">
-                <a16:creationId xmlns:a16="http://schemas.microsoft.com/office/drawing/2014/main" id="{49ACAC95-38F3-4B54-A8C3-E6D705B11203}"/>
+                <a16:creationId xmlns:a16="http://schemas.microsoft.com/office/drawing/2014/main" xmlns="" id="{49ACAC95-38F3-4B54-A8C3-E6D705B11203}"/>
               </a:ext>
             </a:extLst>
           </p:cNvPr>
@@ -7789,7 +7881,7 @@
           <p:cNvPr id="11" name="Picture 3" descr="C:\Users\Sam\OneDrive\Documents\Heriot Watt\Advanced Interaction design\courswork a\storyboard\page1\button.png">
             <a:extLst>
               <a:ext uri="{FF2B5EF4-FFF2-40B4-BE49-F238E27FC236}">
-                <a16:creationId xmlns:a16="http://schemas.microsoft.com/office/drawing/2014/main" id="{4627CBEA-DE80-4E92-8511-88E4E0F2C273}"/>
+                <a16:creationId xmlns:a16="http://schemas.microsoft.com/office/drawing/2014/main" xmlns="" id="{4627CBEA-DE80-4E92-8511-88E4E0F2C273}"/>
               </a:ext>
             </a:extLst>
           </p:cNvPr>
@@ -7799,7 +7891,7 @@
           <p:nvPr/>
         </p:nvPicPr>
         <p:blipFill>
-          <a:blip r:embed="rId2">
+          <a:blip r:embed="rId3">
             <a:extLst>
               <a:ext uri="{28A0092B-C50C-407E-A947-70E740481C1C}">
                 <a14:useLocalDpi xmlns:a14="http://schemas.microsoft.com/office/drawing/2010/main" val="0"/>
@@ -7836,7 +7928,7 @@
           <p:cNvPr id="12" name="TextBox 11">
             <a:extLst>
               <a:ext uri="{FF2B5EF4-FFF2-40B4-BE49-F238E27FC236}">
-                <a16:creationId xmlns:a16="http://schemas.microsoft.com/office/drawing/2014/main" id="{EA48A7A4-2EA3-4060-AF1E-D073B5499CEB}"/>
+                <a16:creationId xmlns:a16="http://schemas.microsoft.com/office/drawing/2014/main" xmlns="" id="{EA48A7A4-2EA3-4060-AF1E-D073B5499CEB}"/>
               </a:ext>
             </a:extLst>
           </p:cNvPr>
@@ -7869,12 +7961,12 @@
       <p:sp>
         <p:nvSpPr>
           <p:cNvPr id="13" name="Action Button: Blank 12">
-            <a:hlinkClick r:id="rId3" action="ppaction://hlinksldjump" highlightClick="1">
-              <a:snd r:embed="rId4" name="type.wav"/>
+            <a:hlinkClick r:id="rId4" action="ppaction://hlinksldjump" highlightClick="1">
+              <a:snd r:embed="rId5" name="type.wav"/>
             </a:hlinkClick>
             <a:extLst>
               <a:ext uri="{FF2B5EF4-FFF2-40B4-BE49-F238E27FC236}">
-                <a16:creationId xmlns:a16="http://schemas.microsoft.com/office/drawing/2014/main" id="{182E4003-A3CA-4D29-8625-E9666AF3199E}"/>
+                <a16:creationId xmlns:a16="http://schemas.microsoft.com/office/drawing/2014/main" xmlns="" id="{182E4003-A3CA-4D29-8625-E9666AF3199E}"/>
               </a:ext>
             </a:extLst>
           </p:cNvPr>
@@ -7924,7 +8016,7 @@
           <p:cNvPr id="14" name="TextBox 13">
             <a:extLst>
               <a:ext uri="{FF2B5EF4-FFF2-40B4-BE49-F238E27FC236}">
-                <a16:creationId xmlns:a16="http://schemas.microsoft.com/office/drawing/2014/main" id="{587F5DCF-59BE-44FA-8211-8A42D91450C7}"/>
+                <a16:creationId xmlns:a16="http://schemas.microsoft.com/office/drawing/2014/main" xmlns="" id="{587F5DCF-59BE-44FA-8211-8A42D91450C7}"/>
               </a:ext>
             </a:extLst>
           </p:cNvPr>
@@ -7964,7 +8056,7 @@
           <p:cNvPr id="2" name="Picture 1">
             <a:extLst>
               <a:ext uri="{FF2B5EF4-FFF2-40B4-BE49-F238E27FC236}">
-                <a16:creationId xmlns:a16="http://schemas.microsoft.com/office/drawing/2014/main" id="{0DBF2FF7-661C-43EC-99E7-8485BAB7351D}"/>
+                <a16:creationId xmlns:a16="http://schemas.microsoft.com/office/drawing/2014/main" xmlns="" id="{0DBF2FF7-661C-43EC-99E7-8485BAB7351D}"/>
               </a:ext>
             </a:extLst>
           </p:cNvPr>
@@ -7974,7 +8066,7 @@
           <p:nvPr/>
         </p:nvPicPr>
         <p:blipFill>
-          <a:blip r:embed="rId5"/>
+          <a:blip r:embed="rId6"/>
           <a:stretch>
             <a:fillRect/>
           </a:stretch>
@@ -8016,7 +8108,7 @@
     <p:bg>
       <p:bgPr>
         <a:solidFill>
-          <a:srgbClr val="9E0000"/>
+          <a:srgbClr val="A32F2F"/>
         </a:solidFill>
         <a:effectLst/>
       </p:bgPr>
@@ -8040,7 +8132,7 @@
           <p:cNvPr id="5" name="Picture 7">
             <a:extLst>
               <a:ext uri="{FF2B5EF4-FFF2-40B4-BE49-F238E27FC236}">
-                <a16:creationId xmlns:a16="http://schemas.microsoft.com/office/drawing/2014/main" id="{48ABADFC-143B-4519-882E-AD2D24FACC7E}"/>
+                <a16:creationId xmlns:a16="http://schemas.microsoft.com/office/drawing/2014/main" xmlns="" id="{48ABADFC-143B-4519-882E-AD2D24FACC7E}"/>
               </a:ext>
             </a:extLst>
           </p:cNvPr>
@@ -8112,7 +8204,7 @@
             </a:hlinkClick>
             <a:extLst>
               <a:ext uri="{FF2B5EF4-FFF2-40B4-BE49-F238E27FC236}">
-                <a16:creationId xmlns:a16="http://schemas.microsoft.com/office/drawing/2014/main" id="{D149AB38-D7C0-45D9-9035-A3AAE97B1913}"/>
+                <a16:creationId xmlns:a16="http://schemas.microsoft.com/office/drawing/2014/main" xmlns="" id="{D149AB38-D7C0-45D9-9035-A3AAE97B1913}"/>
               </a:ext>
             </a:extLst>
           </p:cNvPr>
@@ -8162,7 +8254,7 @@
           <p:cNvPr id="7" name="Rectangle 6">
             <a:extLst>
               <a:ext uri="{FF2B5EF4-FFF2-40B4-BE49-F238E27FC236}">
-                <a16:creationId xmlns:a16="http://schemas.microsoft.com/office/drawing/2014/main" id="{00644140-C0E0-489D-8B19-52D79E40C071}"/>
+                <a16:creationId xmlns:a16="http://schemas.microsoft.com/office/drawing/2014/main" xmlns="" id="{00644140-C0E0-489D-8B19-52D79E40C071}"/>
               </a:ext>
             </a:extLst>
           </p:cNvPr>
@@ -8212,7 +8304,7 @@
           <p:cNvPr id="9" name="TextBox 8">
             <a:extLst>
               <a:ext uri="{FF2B5EF4-FFF2-40B4-BE49-F238E27FC236}">
-                <a16:creationId xmlns:a16="http://schemas.microsoft.com/office/drawing/2014/main" id="{7ABC3262-3E90-4EDB-A5CC-B4E95C6E8D24}"/>
+                <a16:creationId xmlns:a16="http://schemas.microsoft.com/office/drawing/2014/main" xmlns="" id="{7ABC3262-3E90-4EDB-A5CC-B4E95C6E8D24}"/>
               </a:ext>
             </a:extLst>
           </p:cNvPr>
@@ -8247,7 +8339,7 @@
           <p:cNvPr id="10" name="Rectangle 9">
             <a:extLst>
               <a:ext uri="{FF2B5EF4-FFF2-40B4-BE49-F238E27FC236}">
-                <a16:creationId xmlns:a16="http://schemas.microsoft.com/office/drawing/2014/main" id="{A5E2E7C9-B001-429F-ACC3-F4654DC6AE4E}"/>
+                <a16:creationId xmlns:a16="http://schemas.microsoft.com/office/drawing/2014/main" xmlns="" id="{A5E2E7C9-B001-429F-ACC3-F4654DC6AE4E}"/>
               </a:ext>
             </a:extLst>
           </p:cNvPr>
@@ -8297,7 +8389,7 @@
           <p:cNvPr id="11" name="TextBox 10">
             <a:extLst>
               <a:ext uri="{FF2B5EF4-FFF2-40B4-BE49-F238E27FC236}">
-                <a16:creationId xmlns:a16="http://schemas.microsoft.com/office/drawing/2014/main" id="{5512FF1C-DAD9-49B2-885E-4B2949F26664}"/>
+                <a16:creationId xmlns:a16="http://schemas.microsoft.com/office/drawing/2014/main" xmlns="" id="{5512FF1C-DAD9-49B2-885E-4B2949F26664}"/>
               </a:ext>
             </a:extLst>
           </p:cNvPr>
@@ -8336,7 +8428,7 @@
           <p:cNvPr id="2" name="Picture 1">
             <a:extLst>
               <a:ext uri="{FF2B5EF4-FFF2-40B4-BE49-F238E27FC236}">
-                <a16:creationId xmlns:a16="http://schemas.microsoft.com/office/drawing/2014/main" id="{05C22F62-E204-4896-9096-50BBFDE97DAC}"/>
+                <a16:creationId xmlns:a16="http://schemas.microsoft.com/office/drawing/2014/main" xmlns="" id="{05C22F62-E204-4896-9096-50BBFDE97DAC}"/>
               </a:ext>
             </a:extLst>
           </p:cNvPr>
@@ -8366,7 +8458,7 @@
           <p:cNvPr id="12" name="TextBox 11">
             <a:extLst>
               <a:ext uri="{FF2B5EF4-FFF2-40B4-BE49-F238E27FC236}">
-                <a16:creationId xmlns:a16="http://schemas.microsoft.com/office/drawing/2014/main" id="{4583743E-B0EC-4F23-8679-A9698CB9A04E}"/>
+                <a16:creationId xmlns:a16="http://schemas.microsoft.com/office/drawing/2014/main" xmlns="" id="{4583743E-B0EC-4F23-8679-A9698CB9A04E}"/>
               </a:ext>
             </a:extLst>
           </p:cNvPr>
@@ -8407,7 +8499,7 @@
           <p:cNvPr id="13" name="Rectangle 12">
             <a:extLst>
               <a:ext uri="{FF2B5EF4-FFF2-40B4-BE49-F238E27FC236}">
-                <a16:creationId xmlns:a16="http://schemas.microsoft.com/office/drawing/2014/main" id="{0A02E5AF-A370-4705-B399-11829C01916D}"/>
+                <a16:creationId xmlns:a16="http://schemas.microsoft.com/office/drawing/2014/main" xmlns="" id="{0A02E5AF-A370-4705-B399-11829C01916D}"/>
               </a:ext>
             </a:extLst>
           </p:cNvPr>
@@ -8457,7 +8549,7 @@
           <p:cNvPr id="14" name="TextBox 13">
             <a:extLst>
               <a:ext uri="{FF2B5EF4-FFF2-40B4-BE49-F238E27FC236}">
-                <a16:creationId xmlns:a16="http://schemas.microsoft.com/office/drawing/2014/main" id="{B0FBC60D-A39E-45DE-9161-26D6693F80DE}"/>
+                <a16:creationId xmlns:a16="http://schemas.microsoft.com/office/drawing/2014/main" xmlns="" id="{B0FBC60D-A39E-45DE-9161-26D6693F80DE}"/>
               </a:ext>
             </a:extLst>
           </p:cNvPr>
@@ -8498,7 +8590,7 @@
           <p:cNvPr id="4" name="Picture 3">
             <a:extLst>
               <a:ext uri="{FF2B5EF4-FFF2-40B4-BE49-F238E27FC236}">
-                <a16:creationId xmlns:a16="http://schemas.microsoft.com/office/drawing/2014/main" id="{97134AB8-940F-430C-8E2B-0F0CF2258D53}"/>
+                <a16:creationId xmlns:a16="http://schemas.microsoft.com/office/drawing/2014/main" xmlns="" id="{97134AB8-940F-430C-8E2B-0F0CF2258D53}"/>
               </a:ext>
             </a:extLst>
           </p:cNvPr>
@@ -8527,7 +8619,7 @@
           <p:cNvPr id="16" name="TextBox 15">
             <a:extLst>
               <a:ext uri="{FF2B5EF4-FFF2-40B4-BE49-F238E27FC236}">
-                <a16:creationId xmlns:a16="http://schemas.microsoft.com/office/drawing/2014/main" id="{B53A30FC-0BC1-4BC3-BC01-4FBBC8368304}"/>
+                <a16:creationId xmlns:a16="http://schemas.microsoft.com/office/drawing/2014/main" xmlns="" id="{B53A30FC-0BC1-4BC3-BC01-4FBBC8368304}"/>
               </a:ext>
             </a:extLst>
           </p:cNvPr>
@@ -8567,7 +8659,7 @@
           <p:cNvPr id="17" name="TextBox 16">
             <a:extLst>
               <a:ext uri="{FF2B5EF4-FFF2-40B4-BE49-F238E27FC236}">
-                <a16:creationId xmlns:a16="http://schemas.microsoft.com/office/drawing/2014/main" id="{71C3BEF7-82A5-46EA-B9E8-D5CADCBC41A5}"/>
+                <a16:creationId xmlns:a16="http://schemas.microsoft.com/office/drawing/2014/main" xmlns="" id="{71C3BEF7-82A5-46EA-B9E8-D5CADCBC41A5}"/>
               </a:ext>
             </a:extLst>
           </p:cNvPr>
@@ -8622,7 +8714,7 @@
           <p:cNvPr id="18" name="TextBox 17">
             <a:extLst>
               <a:ext uri="{FF2B5EF4-FFF2-40B4-BE49-F238E27FC236}">
-                <a16:creationId xmlns:a16="http://schemas.microsoft.com/office/drawing/2014/main" id="{EB3DDF7B-C80C-4248-8543-1F3209E0D240}"/>
+                <a16:creationId xmlns:a16="http://schemas.microsoft.com/office/drawing/2014/main" xmlns="" id="{EB3DDF7B-C80C-4248-8543-1F3209E0D240}"/>
               </a:ext>
             </a:extLst>
           </p:cNvPr>
@@ -8677,7 +8769,7 @@
           <p:cNvPr id="19" name="TextBox 18">
             <a:extLst>
               <a:ext uri="{FF2B5EF4-FFF2-40B4-BE49-F238E27FC236}">
-                <a16:creationId xmlns:a16="http://schemas.microsoft.com/office/drawing/2014/main" id="{1A192ADF-9519-4D09-9140-893ADDA6A65B}"/>
+                <a16:creationId xmlns:a16="http://schemas.microsoft.com/office/drawing/2014/main" xmlns="" id="{1A192ADF-9519-4D09-9140-893ADDA6A65B}"/>
               </a:ext>
             </a:extLst>
           </p:cNvPr>
@@ -9308,7 +9400,7 @@
           <p:cNvPr id="50" name="Picture 2">
             <a:extLst>
               <a:ext uri="{FF2B5EF4-FFF2-40B4-BE49-F238E27FC236}">
-                <a16:creationId xmlns:a16="http://schemas.microsoft.com/office/drawing/2014/main" id="{5DE2B882-3C88-4F7E-B0BD-522F76D3B620}"/>
+                <a16:creationId xmlns:a16="http://schemas.microsoft.com/office/drawing/2014/main" xmlns="" id="{5DE2B882-3C88-4F7E-B0BD-522F76D3B620}"/>
               </a:ext>
             </a:extLst>
           </p:cNvPr>
@@ -9381,7 +9473,7 @@
             </a:hlinkClick>
             <a:extLst>
               <a:ext uri="{FF2B5EF4-FFF2-40B4-BE49-F238E27FC236}">
-                <a16:creationId xmlns:a16="http://schemas.microsoft.com/office/drawing/2014/main" id="{A08B6F86-6658-49A4-8D9F-43101483AE11}"/>
+                <a16:creationId xmlns:a16="http://schemas.microsoft.com/office/drawing/2014/main" xmlns="" id="{A08B6F86-6658-49A4-8D9F-43101483AE11}"/>
               </a:ext>
             </a:extLst>
           </p:cNvPr>
@@ -9521,7 +9613,7 @@
             </a:hlinkClick>
             <a:extLst>
               <a:ext uri="{FF2B5EF4-FFF2-40B4-BE49-F238E27FC236}">
-                <a16:creationId xmlns:a16="http://schemas.microsoft.com/office/drawing/2014/main" id="{CAB965D9-A169-49D6-9248-8FB251808475}"/>
+                <a16:creationId xmlns:a16="http://schemas.microsoft.com/office/drawing/2014/main" xmlns="" id="{CAB965D9-A169-49D6-9248-8FB251808475}"/>
               </a:ext>
             </a:extLst>
           </p:cNvPr>
@@ -9574,7 +9666,7 @@
             </a:hlinkClick>
             <a:extLst>
               <a:ext uri="{FF2B5EF4-FFF2-40B4-BE49-F238E27FC236}">
-                <a16:creationId xmlns:a16="http://schemas.microsoft.com/office/drawing/2014/main" id="{A1E530DE-E7C2-454C-93D4-AEE01114665C}"/>
+                <a16:creationId xmlns:a16="http://schemas.microsoft.com/office/drawing/2014/main" xmlns="" id="{A1E530DE-E7C2-454C-93D4-AEE01114665C}"/>
               </a:ext>
             </a:extLst>
           </p:cNvPr>
@@ -9624,7 +9716,7 @@
           <p:cNvPr id="2" name="Table 1">
             <a:extLst>
               <a:ext uri="{FF2B5EF4-FFF2-40B4-BE49-F238E27FC236}">
-                <a16:creationId xmlns:a16="http://schemas.microsoft.com/office/drawing/2014/main" id="{DBFE473C-505F-41C3-B6D2-5A98B20F7C89}"/>
+                <a16:creationId xmlns:a16="http://schemas.microsoft.com/office/drawing/2014/main" xmlns="" id="{DBFE473C-505F-41C3-B6D2-5A98B20F7C89}"/>
               </a:ext>
             </a:extLst>
           </p:cNvPr>
@@ -9634,7 +9726,7 @@
           <p:nvPr>
             <p:extLst>
               <p:ext uri="{D42A27DB-BD31-4B8C-83A1-F6EECF244321}">
-                <p14:modId xmlns:p14="http://schemas.microsoft.com/office/powerpoint/2010/main" val="4160480356"/>
+                <p14:modId xmlns:p14="http://schemas.microsoft.com/office/powerpoint/2010/main" val="3324820663"/>
               </p:ext>
             </p:extLst>
           </p:nvPr>
@@ -9653,7 +9745,7 @@
                 <a:gridCol w="3210520">
                   <a:extLst>
                     <a:ext uri="{9D8B030D-6E8A-4147-A177-3AD203B41FA5}">
-                      <a16:colId xmlns:a16="http://schemas.microsoft.com/office/drawing/2014/main" val="3931857695"/>
+                      <a16:colId xmlns:a16="http://schemas.microsoft.com/office/drawing/2014/main" xmlns="" val="3931857695"/>
                     </a:ext>
                   </a:extLst>
                 </a:gridCol>
@@ -9670,23 +9762,7 @@
                             <a:schemeClr val="bg1"/>
                           </a:solidFill>
                         </a:rPr>
-                        <a:t>IOT </a:t>
-                      </a:r>
-                      <a:r>
-                        <a:rPr lang="en-GB" sz="1200" dirty="0" err="1">
-                          <a:solidFill>
-                            <a:schemeClr val="bg1"/>
-                          </a:solidFill>
-                        </a:rPr>
-                        <a:t>Boch</a:t>
-                      </a:r>
-                      <a:r>
-                        <a:rPr lang="en-GB" sz="1200" dirty="0">
-                          <a:solidFill>
-                            <a:schemeClr val="bg1"/>
-                          </a:solidFill>
-                        </a:rPr>
-                        <a:t> Water Heater</a:t>
+                        <a:t>IOT Bosch Water Heater</a:t>
                       </a:r>
                     </a:p>
                   </a:txBody>
@@ -9716,7 +9792,7 @@
                 </a:tc>
                 <a:extLst>
                   <a:ext uri="{0D108BD9-81ED-4DB2-BD59-A6C34878D82A}">
-                    <a16:rowId xmlns:a16="http://schemas.microsoft.com/office/drawing/2014/main" val="2777157054"/>
+                    <a16:rowId xmlns:a16="http://schemas.microsoft.com/office/drawing/2014/main" xmlns="" val="2777157054"/>
                   </a:ext>
                 </a:extLst>
               </a:tr>
@@ -9755,7 +9831,7 @@
                 </a:tc>
                 <a:extLst>
                   <a:ext uri="{0D108BD9-81ED-4DB2-BD59-A6C34878D82A}">
-                    <a16:rowId xmlns:a16="http://schemas.microsoft.com/office/drawing/2014/main" val="2199983833"/>
+                    <a16:rowId xmlns:a16="http://schemas.microsoft.com/office/drawing/2014/main" xmlns="" val="2199983833"/>
                   </a:ext>
                 </a:extLst>
               </a:tr>
@@ -9794,7 +9870,7 @@
                 </a:tc>
                 <a:extLst>
                   <a:ext uri="{0D108BD9-81ED-4DB2-BD59-A6C34878D82A}">
-                    <a16:rowId xmlns:a16="http://schemas.microsoft.com/office/drawing/2014/main" val="829821980"/>
+                    <a16:rowId xmlns:a16="http://schemas.microsoft.com/office/drawing/2014/main" xmlns="" val="829821980"/>
                   </a:ext>
                 </a:extLst>
               </a:tr>
@@ -9833,7 +9909,7 @@
                 </a:tc>
                 <a:extLst>
                   <a:ext uri="{0D108BD9-81ED-4DB2-BD59-A6C34878D82A}">
-                    <a16:rowId xmlns:a16="http://schemas.microsoft.com/office/drawing/2014/main" val="1087732476"/>
+                    <a16:rowId xmlns:a16="http://schemas.microsoft.com/office/drawing/2014/main" xmlns="" val="1087732476"/>
                   </a:ext>
                 </a:extLst>
               </a:tr>
@@ -9872,7 +9948,7 @@
                 </a:tc>
                 <a:extLst>
                   <a:ext uri="{0D108BD9-81ED-4DB2-BD59-A6C34878D82A}">
-                    <a16:rowId xmlns:a16="http://schemas.microsoft.com/office/drawing/2014/main" val="3244315226"/>
+                    <a16:rowId xmlns:a16="http://schemas.microsoft.com/office/drawing/2014/main" xmlns="" val="3244315226"/>
                   </a:ext>
                 </a:extLst>
               </a:tr>
@@ -9885,7 +9961,7 @@
           <p:cNvPr id="21" name="Table 20">
             <a:extLst>
               <a:ext uri="{FF2B5EF4-FFF2-40B4-BE49-F238E27FC236}">
-                <a16:creationId xmlns:a16="http://schemas.microsoft.com/office/drawing/2014/main" id="{6C614971-4AC9-4E9B-B219-EA0C881F86EA}"/>
+                <a16:creationId xmlns:a16="http://schemas.microsoft.com/office/drawing/2014/main" xmlns="" id="{6C614971-4AC9-4E9B-B219-EA0C881F86EA}"/>
               </a:ext>
             </a:extLst>
           </p:cNvPr>
@@ -9914,7 +9990,7 @@
                 <a:gridCol w="3210520">
                   <a:extLst>
                     <a:ext uri="{9D8B030D-6E8A-4147-A177-3AD203B41FA5}">
-                      <a16:colId xmlns:a16="http://schemas.microsoft.com/office/drawing/2014/main" val="3931857695"/>
+                      <a16:colId xmlns:a16="http://schemas.microsoft.com/office/drawing/2014/main" xmlns="" val="3931857695"/>
                     </a:ext>
                   </a:extLst>
                 </a:gridCol>
@@ -9961,7 +10037,7 @@
                 </a:tc>
                 <a:extLst>
                   <a:ext uri="{0D108BD9-81ED-4DB2-BD59-A6C34878D82A}">
-                    <a16:rowId xmlns:a16="http://schemas.microsoft.com/office/drawing/2014/main" val="1686482274"/>
+                    <a16:rowId xmlns:a16="http://schemas.microsoft.com/office/drawing/2014/main" xmlns="" val="1686482274"/>
                   </a:ext>
                 </a:extLst>
               </a:tr>
@@ -10003,7 +10079,7 @@
                 </a:tc>
                 <a:extLst>
                   <a:ext uri="{0D108BD9-81ED-4DB2-BD59-A6C34878D82A}">
-                    <a16:rowId xmlns:a16="http://schemas.microsoft.com/office/drawing/2014/main" val="2350454254"/>
+                    <a16:rowId xmlns:a16="http://schemas.microsoft.com/office/drawing/2014/main" xmlns="" val="2350454254"/>
                   </a:ext>
                 </a:extLst>
               </a:tr>
@@ -10042,7 +10118,7 @@
                 </a:tc>
                 <a:extLst>
                   <a:ext uri="{0D108BD9-81ED-4DB2-BD59-A6C34878D82A}">
-                    <a16:rowId xmlns:a16="http://schemas.microsoft.com/office/drawing/2014/main" val="2777157054"/>
+                    <a16:rowId xmlns:a16="http://schemas.microsoft.com/office/drawing/2014/main" xmlns="" val="2777157054"/>
                   </a:ext>
                 </a:extLst>
               </a:tr>
@@ -10081,7 +10157,7 @@
                 </a:tc>
                 <a:extLst>
                   <a:ext uri="{0D108BD9-81ED-4DB2-BD59-A6C34878D82A}">
-                    <a16:rowId xmlns:a16="http://schemas.microsoft.com/office/drawing/2014/main" val="2199983833"/>
+                    <a16:rowId xmlns:a16="http://schemas.microsoft.com/office/drawing/2014/main" xmlns="" val="2199983833"/>
                   </a:ext>
                 </a:extLst>
               </a:tr>
@@ -10120,7 +10196,7 @@
                 </a:tc>
                 <a:extLst>
                   <a:ext uri="{0D108BD9-81ED-4DB2-BD59-A6C34878D82A}">
-                    <a16:rowId xmlns:a16="http://schemas.microsoft.com/office/drawing/2014/main" val="829821980"/>
+                    <a16:rowId xmlns:a16="http://schemas.microsoft.com/office/drawing/2014/main" xmlns="" val="829821980"/>
                   </a:ext>
                 </a:extLst>
               </a:tr>
@@ -10159,7 +10235,7 @@
                 </a:tc>
                 <a:extLst>
                   <a:ext uri="{0D108BD9-81ED-4DB2-BD59-A6C34878D82A}">
-                    <a16:rowId xmlns:a16="http://schemas.microsoft.com/office/drawing/2014/main" val="1087732476"/>
+                    <a16:rowId xmlns:a16="http://schemas.microsoft.com/office/drawing/2014/main" xmlns="" val="1087732476"/>
                   </a:ext>
                 </a:extLst>
               </a:tr>
@@ -10198,7 +10274,7 @@
                 </a:tc>
                 <a:extLst>
                   <a:ext uri="{0D108BD9-81ED-4DB2-BD59-A6C34878D82A}">
-                    <a16:rowId xmlns:a16="http://schemas.microsoft.com/office/drawing/2014/main" val="3244315226"/>
+                    <a16:rowId xmlns:a16="http://schemas.microsoft.com/office/drawing/2014/main" xmlns="" val="3244315226"/>
                   </a:ext>
                 </a:extLst>
               </a:tr>
@@ -10777,7 +10853,7 @@
           <p:cNvPr id="50" name="Picture 2">
             <a:extLst>
               <a:ext uri="{FF2B5EF4-FFF2-40B4-BE49-F238E27FC236}">
-                <a16:creationId xmlns:a16="http://schemas.microsoft.com/office/drawing/2014/main" id="{5DE2B882-3C88-4F7E-B0BD-522F76D3B620}"/>
+                <a16:creationId xmlns:a16="http://schemas.microsoft.com/office/drawing/2014/main" xmlns="" id="{5DE2B882-3C88-4F7E-B0BD-522F76D3B620}"/>
               </a:ext>
             </a:extLst>
           </p:cNvPr>
@@ -10850,7 +10926,7 @@
             </a:hlinkClick>
             <a:extLst>
               <a:ext uri="{FF2B5EF4-FFF2-40B4-BE49-F238E27FC236}">
-                <a16:creationId xmlns:a16="http://schemas.microsoft.com/office/drawing/2014/main" id="{A08B6F86-6658-49A4-8D9F-43101483AE11}"/>
+                <a16:creationId xmlns:a16="http://schemas.microsoft.com/office/drawing/2014/main" xmlns="" id="{A08B6F86-6658-49A4-8D9F-43101483AE11}"/>
               </a:ext>
             </a:extLst>
           </p:cNvPr>
@@ -10990,7 +11066,7 @@
             </a:hlinkClick>
             <a:extLst>
               <a:ext uri="{FF2B5EF4-FFF2-40B4-BE49-F238E27FC236}">
-                <a16:creationId xmlns:a16="http://schemas.microsoft.com/office/drawing/2014/main" id="{CAB965D9-A169-49D6-9248-8FB251808475}"/>
+                <a16:creationId xmlns:a16="http://schemas.microsoft.com/office/drawing/2014/main" xmlns="" id="{CAB965D9-A169-49D6-9248-8FB251808475}"/>
               </a:ext>
             </a:extLst>
           </p:cNvPr>
@@ -11043,7 +11119,7 @@
             </a:hlinkClick>
             <a:extLst>
               <a:ext uri="{FF2B5EF4-FFF2-40B4-BE49-F238E27FC236}">
-                <a16:creationId xmlns:a16="http://schemas.microsoft.com/office/drawing/2014/main" id="{A1E530DE-E7C2-454C-93D4-AEE01114665C}"/>
+                <a16:creationId xmlns:a16="http://schemas.microsoft.com/office/drawing/2014/main" xmlns="" id="{A1E530DE-E7C2-454C-93D4-AEE01114665C}"/>
               </a:ext>
             </a:extLst>
           </p:cNvPr>
@@ -11093,7 +11169,7 @@
           <p:cNvPr id="21" name="Table 20">
             <a:extLst>
               <a:ext uri="{FF2B5EF4-FFF2-40B4-BE49-F238E27FC236}">
-                <a16:creationId xmlns:a16="http://schemas.microsoft.com/office/drawing/2014/main" id="{7EF2B29A-B61E-47BC-9988-DCF743D470E0}"/>
+                <a16:creationId xmlns:a16="http://schemas.microsoft.com/office/drawing/2014/main" xmlns="" id="{7EF2B29A-B61E-47BC-9988-DCF743D470E0}"/>
               </a:ext>
             </a:extLst>
           </p:cNvPr>
@@ -11122,7 +11198,7 @@
                 <a:gridCol w="3210520">
                   <a:extLst>
                     <a:ext uri="{9D8B030D-6E8A-4147-A177-3AD203B41FA5}">
-                      <a16:colId xmlns:a16="http://schemas.microsoft.com/office/drawing/2014/main" val="3931857695"/>
+                      <a16:colId xmlns:a16="http://schemas.microsoft.com/office/drawing/2014/main" xmlns="" val="3931857695"/>
                     </a:ext>
                   </a:extLst>
                 </a:gridCol>
@@ -11166,7 +11242,7 @@
                 </a:tc>
                 <a:extLst>
                   <a:ext uri="{0D108BD9-81ED-4DB2-BD59-A6C34878D82A}">
-                    <a16:rowId xmlns:a16="http://schemas.microsoft.com/office/drawing/2014/main" val="2777157054"/>
+                    <a16:rowId xmlns:a16="http://schemas.microsoft.com/office/drawing/2014/main" xmlns="" val="2777157054"/>
                   </a:ext>
                 </a:extLst>
               </a:tr>
@@ -11205,7 +11281,7 @@
                 </a:tc>
                 <a:extLst>
                   <a:ext uri="{0D108BD9-81ED-4DB2-BD59-A6C34878D82A}">
-                    <a16:rowId xmlns:a16="http://schemas.microsoft.com/office/drawing/2014/main" val="2199983833"/>
+                    <a16:rowId xmlns:a16="http://schemas.microsoft.com/office/drawing/2014/main" xmlns="" val="2199983833"/>
                   </a:ext>
                 </a:extLst>
               </a:tr>
@@ -11244,7 +11320,7 @@
                 </a:tc>
                 <a:extLst>
                   <a:ext uri="{0D108BD9-81ED-4DB2-BD59-A6C34878D82A}">
-                    <a16:rowId xmlns:a16="http://schemas.microsoft.com/office/drawing/2014/main" val="829821980"/>
+                    <a16:rowId xmlns:a16="http://schemas.microsoft.com/office/drawing/2014/main" xmlns="" val="829821980"/>
                   </a:ext>
                 </a:extLst>
               </a:tr>
@@ -11283,7 +11359,7 @@
                 </a:tc>
                 <a:extLst>
                   <a:ext uri="{0D108BD9-81ED-4DB2-BD59-A6C34878D82A}">
-                    <a16:rowId xmlns:a16="http://schemas.microsoft.com/office/drawing/2014/main" val="1087732476"/>
+                    <a16:rowId xmlns:a16="http://schemas.microsoft.com/office/drawing/2014/main" xmlns="" val="1087732476"/>
                   </a:ext>
                 </a:extLst>
               </a:tr>
@@ -11322,7 +11398,7 @@
                 </a:tc>
                 <a:extLst>
                   <a:ext uri="{0D108BD9-81ED-4DB2-BD59-A6C34878D82A}">
-                    <a16:rowId xmlns:a16="http://schemas.microsoft.com/office/drawing/2014/main" val="3244315226"/>
+                    <a16:rowId xmlns:a16="http://schemas.microsoft.com/office/drawing/2014/main" xmlns="" val="3244315226"/>
                   </a:ext>
                 </a:extLst>
               </a:tr>
@@ -11335,7 +11411,7 @@
           <p:cNvPr id="22" name="Table 21">
             <a:extLst>
               <a:ext uri="{FF2B5EF4-FFF2-40B4-BE49-F238E27FC236}">
-                <a16:creationId xmlns:a16="http://schemas.microsoft.com/office/drawing/2014/main" id="{AE76DBA3-CEC6-4A6E-ADA9-C4777130A68D}"/>
+                <a16:creationId xmlns:a16="http://schemas.microsoft.com/office/drawing/2014/main" xmlns="" id="{AE76DBA3-CEC6-4A6E-ADA9-C4777130A68D}"/>
               </a:ext>
             </a:extLst>
           </p:cNvPr>
@@ -11364,7 +11440,7 @@
                 <a:gridCol w="3210520">
                   <a:extLst>
                     <a:ext uri="{9D8B030D-6E8A-4147-A177-3AD203B41FA5}">
-                      <a16:colId xmlns:a16="http://schemas.microsoft.com/office/drawing/2014/main" val="3931857695"/>
+                      <a16:colId xmlns:a16="http://schemas.microsoft.com/office/drawing/2014/main" xmlns="" val="3931857695"/>
                     </a:ext>
                   </a:extLst>
                 </a:gridCol>
@@ -11411,7 +11487,7 @@
                 </a:tc>
                 <a:extLst>
                   <a:ext uri="{0D108BD9-81ED-4DB2-BD59-A6C34878D82A}">
-                    <a16:rowId xmlns:a16="http://schemas.microsoft.com/office/drawing/2014/main" val="1686482274"/>
+                    <a16:rowId xmlns:a16="http://schemas.microsoft.com/office/drawing/2014/main" xmlns="" val="1686482274"/>
                   </a:ext>
                 </a:extLst>
               </a:tr>
@@ -11453,7 +11529,7 @@
                 </a:tc>
                 <a:extLst>
                   <a:ext uri="{0D108BD9-81ED-4DB2-BD59-A6C34878D82A}">
-                    <a16:rowId xmlns:a16="http://schemas.microsoft.com/office/drawing/2014/main" val="2350454254"/>
+                    <a16:rowId xmlns:a16="http://schemas.microsoft.com/office/drawing/2014/main" xmlns="" val="2350454254"/>
                   </a:ext>
                 </a:extLst>
               </a:tr>
@@ -11535,7 +11611,7 @@
                 </a:tc>
                 <a:extLst>
                   <a:ext uri="{0D108BD9-81ED-4DB2-BD59-A6C34878D82A}">
-                    <a16:rowId xmlns:a16="http://schemas.microsoft.com/office/drawing/2014/main" val="2777157054"/>
+                    <a16:rowId xmlns:a16="http://schemas.microsoft.com/office/drawing/2014/main" xmlns="" val="2777157054"/>
                   </a:ext>
                 </a:extLst>
               </a:tr>
@@ -11574,7 +11650,7 @@
                 </a:tc>
                 <a:extLst>
                   <a:ext uri="{0D108BD9-81ED-4DB2-BD59-A6C34878D82A}">
-                    <a16:rowId xmlns:a16="http://schemas.microsoft.com/office/drawing/2014/main" val="2199983833"/>
+                    <a16:rowId xmlns:a16="http://schemas.microsoft.com/office/drawing/2014/main" xmlns="" val="2199983833"/>
                   </a:ext>
                 </a:extLst>
               </a:tr>
@@ -11613,7 +11689,7 @@
                 </a:tc>
                 <a:extLst>
                   <a:ext uri="{0D108BD9-81ED-4DB2-BD59-A6C34878D82A}">
-                    <a16:rowId xmlns:a16="http://schemas.microsoft.com/office/drawing/2014/main" val="829821980"/>
+                    <a16:rowId xmlns:a16="http://schemas.microsoft.com/office/drawing/2014/main" xmlns="" val="829821980"/>
                   </a:ext>
                 </a:extLst>
               </a:tr>
@@ -11652,7 +11728,7 @@
                 </a:tc>
                 <a:extLst>
                   <a:ext uri="{0D108BD9-81ED-4DB2-BD59-A6C34878D82A}">
-                    <a16:rowId xmlns:a16="http://schemas.microsoft.com/office/drawing/2014/main" val="1087732476"/>
+                    <a16:rowId xmlns:a16="http://schemas.microsoft.com/office/drawing/2014/main" xmlns="" val="1087732476"/>
                   </a:ext>
                 </a:extLst>
               </a:tr>
@@ -11691,7 +11767,7 @@
                 </a:tc>
                 <a:extLst>
                   <a:ext uri="{0D108BD9-81ED-4DB2-BD59-A6C34878D82A}">
-                    <a16:rowId xmlns:a16="http://schemas.microsoft.com/office/drawing/2014/main" val="3244315226"/>
+                    <a16:rowId xmlns:a16="http://schemas.microsoft.com/office/drawing/2014/main" xmlns="" val="3244315226"/>
                   </a:ext>
                 </a:extLst>
               </a:tr>
@@ -14035,7 +14111,7 @@
             </a:hlinkClick>
             <a:extLst>
               <a:ext uri="{FF2B5EF4-FFF2-40B4-BE49-F238E27FC236}">
-                <a16:creationId xmlns:a16="http://schemas.microsoft.com/office/drawing/2014/main" id="{C2EEBB1C-AD2C-4EAD-9C53-F2CA30248477}"/>
+                <a16:creationId xmlns:a16="http://schemas.microsoft.com/office/drawing/2014/main" xmlns="" id="{C2EEBB1C-AD2C-4EAD-9C53-F2CA30248477}"/>
               </a:ext>
             </a:extLst>
           </p:cNvPr>
@@ -14088,7 +14164,7 @@
             </a:hlinkClick>
             <a:extLst>
               <a:ext uri="{FF2B5EF4-FFF2-40B4-BE49-F238E27FC236}">
-                <a16:creationId xmlns:a16="http://schemas.microsoft.com/office/drawing/2014/main" id="{77619A0B-C747-464D-AC14-A0090124E1C9}"/>
+                <a16:creationId xmlns:a16="http://schemas.microsoft.com/office/drawing/2014/main" xmlns="" id="{77619A0B-C747-464D-AC14-A0090124E1C9}"/>
               </a:ext>
             </a:extLst>
           </p:cNvPr>
@@ -14141,7 +14217,7 @@
             </a:hlinkClick>
             <a:extLst>
               <a:ext uri="{FF2B5EF4-FFF2-40B4-BE49-F238E27FC236}">
-                <a16:creationId xmlns:a16="http://schemas.microsoft.com/office/drawing/2014/main" id="{6DA16045-A00D-4061-8DD8-5AB521BAD202}"/>
+                <a16:creationId xmlns:a16="http://schemas.microsoft.com/office/drawing/2014/main" xmlns="" id="{6DA16045-A00D-4061-8DD8-5AB521BAD202}"/>
               </a:ext>
             </a:extLst>
           </p:cNvPr>
@@ -14194,7 +14270,7 @@
             </a:hlinkClick>
             <a:extLst>
               <a:ext uri="{FF2B5EF4-FFF2-40B4-BE49-F238E27FC236}">
-                <a16:creationId xmlns:a16="http://schemas.microsoft.com/office/drawing/2014/main" id="{3B8B5210-9446-4F9A-988A-110457B32169}"/>
+                <a16:creationId xmlns:a16="http://schemas.microsoft.com/office/drawing/2014/main" xmlns="" id="{3B8B5210-9446-4F9A-988A-110457B32169}"/>
               </a:ext>
             </a:extLst>
           </p:cNvPr>
@@ -14247,7 +14323,7 @@
             </a:hlinkClick>
             <a:extLst>
               <a:ext uri="{FF2B5EF4-FFF2-40B4-BE49-F238E27FC236}">
-                <a16:creationId xmlns:a16="http://schemas.microsoft.com/office/drawing/2014/main" id="{BB6A75F3-5EE7-4E05-B2F8-9573356522F1}"/>
+                <a16:creationId xmlns:a16="http://schemas.microsoft.com/office/drawing/2014/main" xmlns="" id="{BB6A75F3-5EE7-4E05-B2F8-9573356522F1}"/>
               </a:ext>
             </a:extLst>
           </p:cNvPr>
@@ -14300,7 +14376,7 @@
             </a:hlinkClick>
             <a:extLst>
               <a:ext uri="{FF2B5EF4-FFF2-40B4-BE49-F238E27FC236}">
-                <a16:creationId xmlns:a16="http://schemas.microsoft.com/office/drawing/2014/main" id="{5BBDAEF7-AFAB-45DC-952E-DF06C9BD43BB}"/>
+                <a16:creationId xmlns:a16="http://schemas.microsoft.com/office/drawing/2014/main" xmlns="" id="{5BBDAEF7-AFAB-45DC-952E-DF06C9BD43BB}"/>
               </a:ext>
             </a:extLst>
           </p:cNvPr>
@@ -14353,7 +14429,7 @@
             </a:hlinkClick>
             <a:extLst>
               <a:ext uri="{FF2B5EF4-FFF2-40B4-BE49-F238E27FC236}">
-                <a16:creationId xmlns:a16="http://schemas.microsoft.com/office/drawing/2014/main" id="{B3B1F074-C672-4499-AE0E-B465F1F4992E}"/>
+                <a16:creationId xmlns:a16="http://schemas.microsoft.com/office/drawing/2014/main" xmlns="" id="{B3B1F074-C672-4499-AE0E-B465F1F4992E}"/>
               </a:ext>
             </a:extLst>
           </p:cNvPr>
@@ -14403,7 +14479,7 @@
           <p:cNvPr id="3" name="Picture 2">
             <a:extLst>
               <a:ext uri="{FF2B5EF4-FFF2-40B4-BE49-F238E27FC236}">
-                <a16:creationId xmlns:a16="http://schemas.microsoft.com/office/drawing/2014/main" id="{23BA02EF-64E5-4658-A94B-D6558E735982}"/>
+                <a16:creationId xmlns:a16="http://schemas.microsoft.com/office/drawing/2014/main" xmlns="" id="{23BA02EF-64E5-4658-A94B-D6558E735982}"/>
               </a:ext>
             </a:extLst>
           </p:cNvPr>
@@ -16764,7 +16840,7 @@
             </a:hlinkClick>
             <a:extLst>
               <a:ext uri="{FF2B5EF4-FFF2-40B4-BE49-F238E27FC236}">
-                <a16:creationId xmlns:a16="http://schemas.microsoft.com/office/drawing/2014/main" id="{C2EEBB1C-AD2C-4EAD-9C53-F2CA30248477}"/>
+                <a16:creationId xmlns:a16="http://schemas.microsoft.com/office/drawing/2014/main" xmlns="" id="{C2EEBB1C-AD2C-4EAD-9C53-F2CA30248477}"/>
               </a:ext>
             </a:extLst>
           </p:cNvPr>
@@ -16817,7 +16893,7 @@
             </a:hlinkClick>
             <a:extLst>
               <a:ext uri="{FF2B5EF4-FFF2-40B4-BE49-F238E27FC236}">
-                <a16:creationId xmlns:a16="http://schemas.microsoft.com/office/drawing/2014/main" id="{77619A0B-C747-464D-AC14-A0090124E1C9}"/>
+                <a16:creationId xmlns:a16="http://schemas.microsoft.com/office/drawing/2014/main" xmlns="" id="{77619A0B-C747-464D-AC14-A0090124E1C9}"/>
               </a:ext>
             </a:extLst>
           </p:cNvPr>
@@ -16870,7 +16946,7 @@
             </a:hlinkClick>
             <a:extLst>
               <a:ext uri="{FF2B5EF4-FFF2-40B4-BE49-F238E27FC236}">
-                <a16:creationId xmlns:a16="http://schemas.microsoft.com/office/drawing/2014/main" id="{6DA16045-A00D-4061-8DD8-5AB521BAD202}"/>
+                <a16:creationId xmlns:a16="http://schemas.microsoft.com/office/drawing/2014/main" xmlns="" id="{6DA16045-A00D-4061-8DD8-5AB521BAD202}"/>
               </a:ext>
             </a:extLst>
           </p:cNvPr>
@@ -16923,7 +16999,7 @@
             </a:hlinkClick>
             <a:extLst>
               <a:ext uri="{FF2B5EF4-FFF2-40B4-BE49-F238E27FC236}">
-                <a16:creationId xmlns:a16="http://schemas.microsoft.com/office/drawing/2014/main" id="{3B8B5210-9446-4F9A-988A-110457B32169}"/>
+                <a16:creationId xmlns:a16="http://schemas.microsoft.com/office/drawing/2014/main" xmlns="" id="{3B8B5210-9446-4F9A-988A-110457B32169}"/>
               </a:ext>
             </a:extLst>
           </p:cNvPr>
@@ -16976,7 +17052,7 @@
             </a:hlinkClick>
             <a:extLst>
               <a:ext uri="{FF2B5EF4-FFF2-40B4-BE49-F238E27FC236}">
-                <a16:creationId xmlns:a16="http://schemas.microsoft.com/office/drawing/2014/main" id="{BB6A75F3-5EE7-4E05-B2F8-9573356522F1}"/>
+                <a16:creationId xmlns:a16="http://schemas.microsoft.com/office/drawing/2014/main" xmlns="" id="{BB6A75F3-5EE7-4E05-B2F8-9573356522F1}"/>
               </a:ext>
             </a:extLst>
           </p:cNvPr>
@@ -17029,7 +17105,7 @@
             </a:hlinkClick>
             <a:extLst>
               <a:ext uri="{FF2B5EF4-FFF2-40B4-BE49-F238E27FC236}">
-                <a16:creationId xmlns:a16="http://schemas.microsoft.com/office/drawing/2014/main" id="{5BBDAEF7-AFAB-45DC-952E-DF06C9BD43BB}"/>
+                <a16:creationId xmlns:a16="http://schemas.microsoft.com/office/drawing/2014/main" xmlns="" id="{5BBDAEF7-AFAB-45DC-952E-DF06C9BD43BB}"/>
               </a:ext>
             </a:extLst>
           </p:cNvPr>
@@ -17079,7 +17155,7 @@
           <p:cNvPr id="76" name="Rectangle 75">
             <a:extLst>
               <a:ext uri="{FF2B5EF4-FFF2-40B4-BE49-F238E27FC236}">
-                <a16:creationId xmlns:a16="http://schemas.microsoft.com/office/drawing/2014/main" id="{D86B4E39-9FEA-4F63-AD49-482B27637093}"/>
+                <a16:creationId xmlns:a16="http://schemas.microsoft.com/office/drawing/2014/main" xmlns="" id="{D86B4E39-9FEA-4F63-AD49-482B27637093}"/>
               </a:ext>
             </a:extLst>
           </p:cNvPr>
@@ -17126,7 +17202,7 @@
           <p:cNvPr id="3" name="TextBox 2">
             <a:extLst>
               <a:ext uri="{FF2B5EF4-FFF2-40B4-BE49-F238E27FC236}">
-                <a16:creationId xmlns:a16="http://schemas.microsoft.com/office/drawing/2014/main" id="{627A86BC-3D5D-42E1-A265-6B6B744399B5}"/>
+                <a16:creationId xmlns:a16="http://schemas.microsoft.com/office/drawing/2014/main" xmlns="" id="{627A86BC-3D5D-42E1-A265-6B6B744399B5}"/>
               </a:ext>
             </a:extLst>
           </p:cNvPr>
@@ -17210,7 +17286,7 @@
             </a:hlinkClick>
             <a:extLst>
               <a:ext uri="{FF2B5EF4-FFF2-40B4-BE49-F238E27FC236}">
-                <a16:creationId xmlns:a16="http://schemas.microsoft.com/office/drawing/2014/main" id="{5C53D297-3078-47F2-B176-BB1576AABA47}"/>
+                <a16:creationId xmlns:a16="http://schemas.microsoft.com/office/drawing/2014/main" xmlns="" id="{5C53D297-3078-47F2-B176-BB1576AABA47}"/>
               </a:ext>
             </a:extLst>
           </p:cNvPr>
@@ -17260,7 +17336,7 @@
           <p:cNvPr id="86" name="Picture 85">
             <a:extLst>
               <a:ext uri="{FF2B5EF4-FFF2-40B4-BE49-F238E27FC236}">
-                <a16:creationId xmlns:a16="http://schemas.microsoft.com/office/drawing/2014/main" id="{35641A9C-9FB5-417D-9CB2-3F75C8DCFF7B}"/>
+                <a16:creationId xmlns:a16="http://schemas.microsoft.com/office/drawing/2014/main" xmlns="" id="{35641A9C-9FB5-417D-9CB2-3F75C8DCFF7B}"/>
               </a:ext>
             </a:extLst>
           </p:cNvPr>
@@ -19621,7 +19697,7 @@
             </a:hlinkClick>
             <a:extLst>
               <a:ext uri="{FF2B5EF4-FFF2-40B4-BE49-F238E27FC236}">
-                <a16:creationId xmlns:a16="http://schemas.microsoft.com/office/drawing/2014/main" id="{C2EEBB1C-AD2C-4EAD-9C53-F2CA30248477}"/>
+                <a16:creationId xmlns:a16="http://schemas.microsoft.com/office/drawing/2014/main" xmlns="" id="{C2EEBB1C-AD2C-4EAD-9C53-F2CA30248477}"/>
               </a:ext>
             </a:extLst>
           </p:cNvPr>
@@ -19674,7 +19750,7 @@
             </a:hlinkClick>
             <a:extLst>
               <a:ext uri="{FF2B5EF4-FFF2-40B4-BE49-F238E27FC236}">
-                <a16:creationId xmlns:a16="http://schemas.microsoft.com/office/drawing/2014/main" id="{77619A0B-C747-464D-AC14-A0090124E1C9}"/>
+                <a16:creationId xmlns:a16="http://schemas.microsoft.com/office/drawing/2014/main" xmlns="" id="{77619A0B-C747-464D-AC14-A0090124E1C9}"/>
               </a:ext>
             </a:extLst>
           </p:cNvPr>
@@ -19727,7 +19803,7 @@
             </a:hlinkClick>
             <a:extLst>
               <a:ext uri="{FF2B5EF4-FFF2-40B4-BE49-F238E27FC236}">
-                <a16:creationId xmlns:a16="http://schemas.microsoft.com/office/drawing/2014/main" id="{6DA16045-A00D-4061-8DD8-5AB521BAD202}"/>
+                <a16:creationId xmlns:a16="http://schemas.microsoft.com/office/drawing/2014/main" xmlns="" id="{6DA16045-A00D-4061-8DD8-5AB521BAD202}"/>
               </a:ext>
             </a:extLst>
           </p:cNvPr>
@@ -19780,7 +19856,7 @@
             </a:hlinkClick>
             <a:extLst>
               <a:ext uri="{FF2B5EF4-FFF2-40B4-BE49-F238E27FC236}">
-                <a16:creationId xmlns:a16="http://schemas.microsoft.com/office/drawing/2014/main" id="{3B8B5210-9446-4F9A-988A-110457B32169}"/>
+                <a16:creationId xmlns:a16="http://schemas.microsoft.com/office/drawing/2014/main" xmlns="" id="{3B8B5210-9446-4F9A-988A-110457B32169}"/>
               </a:ext>
             </a:extLst>
           </p:cNvPr>
@@ -19833,7 +19909,7 @@
             </a:hlinkClick>
             <a:extLst>
               <a:ext uri="{FF2B5EF4-FFF2-40B4-BE49-F238E27FC236}">
-                <a16:creationId xmlns:a16="http://schemas.microsoft.com/office/drawing/2014/main" id="{BB6A75F3-5EE7-4E05-B2F8-9573356522F1}"/>
+                <a16:creationId xmlns:a16="http://schemas.microsoft.com/office/drawing/2014/main" xmlns="" id="{BB6A75F3-5EE7-4E05-B2F8-9573356522F1}"/>
               </a:ext>
             </a:extLst>
           </p:cNvPr>
@@ -19886,7 +19962,7 @@
             </a:hlinkClick>
             <a:extLst>
               <a:ext uri="{FF2B5EF4-FFF2-40B4-BE49-F238E27FC236}">
-                <a16:creationId xmlns:a16="http://schemas.microsoft.com/office/drawing/2014/main" id="{5BBDAEF7-AFAB-45DC-952E-DF06C9BD43BB}"/>
+                <a16:creationId xmlns:a16="http://schemas.microsoft.com/office/drawing/2014/main" xmlns="" id="{5BBDAEF7-AFAB-45DC-952E-DF06C9BD43BB}"/>
               </a:ext>
             </a:extLst>
           </p:cNvPr>
@@ -19936,7 +20012,7 @@
           <p:cNvPr id="85" name="Picture 7" descr="C:\Users\Sam\OneDrive\Documents\Heriot Watt\Advanced Interaction design\courswork a\storyboard\Pill_page\Taken_button.png">
             <a:extLst>
               <a:ext uri="{FF2B5EF4-FFF2-40B4-BE49-F238E27FC236}">
-                <a16:creationId xmlns:a16="http://schemas.microsoft.com/office/drawing/2014/main" id="{F039827E-9452-461E-896E-1F37577D6EB6}"/>
+                <a16:creationId xmlns:a16="http://schemas.microsoft.com/office/drawing/2014/main" xmlns="" id="{F039827E-9452-461E-896E-1F37577D6EB6}"/>
               </a:ext>
             </a:extLst>
           </p:cNvPr>
@@ -19992,7 +20068,7 @@
           <p:cNvPr id="86" name="Picture 8" descr="C:\Users\Sam\OneDrive\Documents\Heriot Watt\Advanced Interaction design\courswork a\storyboard\Pill_page\tick.png">
             <a:extLst>
               <a:ext uri="{FF2B5EF4-FFF2-40B4-BE49-F238E27FC236}">
-                <a16:creationId xmlns:a16="http://schemas.microsoft.com/office/drawing/2014/main" id="{6F7E67BC-F4FA-458C-BC6D-6D3D6AD4976D}"/>
+                <a16:creationId xmlns:a16="http://schemas.microsoft.com/office/drawing/2014/main" xmlns="" id="{6F7E67BC-F4FA-458C-BC6D-6D3D6AD4976D}"/>
               </a:ext>
             </a:extLst>
           </p:cNvPr>
@@ -20039,7 +20115,7 @@
           <p:cNvPr id="76" name="Rectangle 75">
             <a:extLst>
               <a:ext uri="{FF2B5EF4-FFF2-40B4-BE49-F238E27FC236}">
-                <a16:creationId xmlns:a16="http://schemas.microsoft.com/office/drawing/2014/main" id="{D86B4E39-9FEA-4F63-AD49-482B27637093}"/>
+                <a16:creationId xmlns:a16="http://schemas.microsoft.com/office/drawing/2014/main" xmlns="" id="{D86B4E39-9FEA-4F63-AD49-482B27637093}"/>
               </a:ext>
             </a:extLst>
           </p:cNvPr>
@@ -20086,7 +20162,7 @@
           <p:cNvPr id="3" name="TextBox 2">
             <a:extLst>
               <a:ext uri="{FF2B5EF4-FFF2-40B4-BE49-F238E27FC236}">
-                <a16:creationId xmlns:a16="http://schemas.microsoft.com/office/drawing/2014/main" id="{627A86BC-3D5D-42E1-A265-6B6B744399B5}"/>
+                <a16:creationId xmlns:a16="http://schemas.microsoft.com/office/drawing/2014/main" xmlns="" id="{627A86BC-3D5D-42E1-A265-6B6B744399B5}"/>
               </a:ext>
             </a:extLst>
           </p:cNvPr>
@@ -20170,7 +20246,7 @@
             </a:hlinkClick>
             <a:extLst>
               <a:ext uri="{FF2B5EF4-FFF2-40B4-BE49-F238E27FC236}">
-                <a16:creationId xmlns:a16="http://schemas.microsoft.com/office/drawing/2014/main" id="{B22FE511-A2F6-4A95-8603-B43D0BA431B4}"/>
+                <a16:creationId xmlns:a16="http://schemas.microsoft.com/office/drawing/2014/main" xmlns="" id="{B22FE511-A2F6-4A95-8603-B43D0BA431B4}"/>
               </a:ext>
             </a:extLst>
           </p:cNvPr>
@@ -20220,7 +20296,7 @@
           <p:cNvPr id="92" name="Picture 91">
             <a:extLst>
               <a:ext uri="{FF2B5EF4-FFF2-40B4-BE49-F238E27FC236}">
-                <a16:creationId xmlns:a16="http://schemas.microsoft.com/office/drawing/2014/main" id="{68E66DE1-9705-4388-88B2-4289D2A1E2F4}"/>
+                <a16:creationId xmlns:a16="http://schemas.microsoft.com/office/drawing/2014/main" xmlns="" id="{68E66DE1-9705-4388-88B2-4289D2A1E2F4}"/>
               </a:ext>
             </a:extLst>
           </p:cNvPr>
@@ -22581,7 +22657,7 @@
             </a:hlinkClick>
             <a:extLst>
               <a:ext uri="{FF2B5EF4-FFF2-40B4-BE49-F238E27FC236}">
-                <a16:creationId xmlns:a16="http://schemas.microsoft.com/office/drawing/2014/main" id="{C2EEBB1C-AD2C-4EAD-9C53-F2CA30248477}"/>
+                <a16:creationId xmlns:a16="http://schemas.microsoft.com/office/drawing/2014/main" xmlns="" id="{C2EEBB1C-AD2C-4EAD-9C53-F2CA30248477}"/>
               </a:ext>
             </a:extLst>
           </p:cNvPr>
@@ -22634,7 +22710,7 @@
             </a:hlinkClick>
             <a:extLst>
               <a:ext uri="{FF2B5EF4-FFF2-40B4-BE49-F238E27FC236}">
-                <a16:creationId xmlns:a16="http://schemas.microsoft.com/office/drawing/2014/main" id="{77619A0B-C747-464D-AC14-A0090124E1C9}"/>
+                <a16:creationId xmlns:a16="http://schemas.microsoft.com/office/drawing/2014/main" xmlns="" id="{77619A0B-C747-464D-AC14-A0090124E1C9}"/>
               </a:ext>
             </a:extLst>
           </p:cNvPr>
@@ -22687,7 +22763,7 @@
             </a:hlinkClick>
             <a:extLst>
               <a:ext uri="{FF2B5EF4-FFF2-40B4-BE49-F238E27FC236}">
-                <a16:creationId xmlns:a16="http://schemas.microsoft.com/office/drawing/2014/main" id="{3F5692AD-1A34-466F-9D48-F010C0CAC9B0}"/>
+                <a16:creationId xmlns:a16="http://schemas.microsoft.com/office/drawing/2014/main" xmlns="" id="{3F5692AD-1A34-466F-9D48-F010C0CAC9B0}"/>
               </a:ext>
             </a:extLst>
           </p:cNvPr>
@@ -22740,7 +22816,7 @@
             </a:hlinkClick>
             <a:extLst>
               <a:ext uri="{FF2B5EF4-FFF2-40B4-BE49-F238E27FC236}">
-                <a16:creationId xmlns:a16="http://schemas.microsoft.com/office/drawing/2014/main" id="{E6354ECD-BD03-4424-A948-855DE3241B03}"/>
+                <a16:creationId xmlns:a16="http://schemas.microsoft.com/office/drawing/2014/main" xmlns="" id="{E6354ECD-BD03-4424-A948-855DE3241B03}"/>
               </a:ext>
             </a:extLst>
           </p:cNvPr>
@@ -22793,7 +22869,7 @@
             </a:hlinkClick>
             <a:extLst>
               <a:ext uri="{FF2B5EF4-FFF2-40B4-BE49-F238E27FC236}">
-                <a16:creationId xmlns:a16="http://schemas.microsoft.com/office/drawing/2014/main" id="{007D8844-EAA8-4890-9027-0325A7166457}"/>
+                <a16:creationId xmlns:a16="http://schemas.microsoft.com/office/drawing/2014/main" xmlns="" id="{007D8844-EAA8-4890-9027-0325A7166457}"/>
               </a:ext>
             </a:extLst>
           </p:cNvPr>
@@ -22843,7 +22919,7 @@
           <p:cNvPr id="87" name="Picture 7" descr="C:\Users\Sam\OneDrive\Documents\Heriot Watt\Advanced Interaction design\courswork a\storyboard\Pill_page\Taken_button.png">
             <a:extLst>
               <a:ext uri="{FF2B5EF4-FFF2-40B4-BE49-F238E27FC236}">
-                <a16:creationId xmlns:a16="http://schemas.microsoft.com/office/drawing/2014/main" id="{C16164E3-7478-4D88-806C-1F3E00A3D164}"/>
+                <a16:creationId xmlns:a16="http://schemas.microsoft.com/office/drawing/2014/main" xmlns="" id="{C16164E3-7478-4D88-806C-1F3E00A3D164}"/>
               </a:ext>
             </a:extLst>
           </p:cNvPr>
@@ -22899,7 +22975,7 @@
           <p:cNvPr id="88" name="Picture 8" descr="C:\Users\Sam\OneDrive\Documents\Heriot Watt\Advanced Interaction design\courswork a\storyboard\Pill_page\tick.png">
             <a:extLst>
               <a:ext uri="{FF2B5EF4-FFF2-40B4-BE49-F238E27FC236}">
-                <a16:creationId xmlns:a16="http://schemas.microsoft.com/office/drawing/2014/main" id="{4C0FE170-08DF-4F5E-9CB6-FB1CA7C132D1}"/>
+                <a16:creationId xmlns:a16="http://schemas.microsoft.com/office/drawing/2014/main" xmlns="" id="{4C0FE170-08DF-4F5E-9CB6-FB1CA7C132D1}"/>
               </a:ext>
             </a:extLst>
           </p:cNvPr>
@@ -22949,7 +23025,7 @@
             </a:hlinkClick>
             <a:extLst>
               <a:ext uri="{FF2B5EF4-FFF2-40B4-BE49-F238E27FC236}">
-                <a16:creationId xmlns:a16="http://schemas.microsoft.com/office/drawing/2014/main" id="{AF98615F-22D0-41B7-93BD-89C586826904}"/>
+                <a16:creationId xmlns:a16="http://schemas.microsoft.com/office/drawing/2014/main" xmlns="" id="{AF98615F-22D0-41B7-93BD-89C586826904}"/>
               </a:ext>
             </a:extLst>
           </p:cNvPr>
@@ -22999,7 +23075,7 @@
           <p:cNvPr id="90" name="Picture 89">
             <a:extLst>
               <a:ext uri="{FF2B5EF4-FFF2-40B4-BE49-F238E27FC236}">
-                <a16:creationId xmlns:a16="http://schemas.microsoft.com/office/drawing/2014/main" id="{C8D2871B-3D0A-4857-BA21-708B8A4C7997}"/>
+                <a16:creationId xmlns:a16="http://schemas.microsoft.com/office/drawing/2014/main" xmlns="" id="{C8D2871B-3D0A-4857-BA21-708B8A4C7997}"/>
               </a:ext>
             </a:extLst>
           </p:cNvPr>
@@ -23708,7 +23784,7 @@
           <p:cNvPr id="20" name="Rectangle 19">
             <a:extLst>
               <a:ext uri="{FF2B5EF4-FFF2-40B4-BE49-F238E27FC236}">
-                <a16:creationId xmlns:a16="http://schemas.microsoft.com/office/drawing/2014/main" id="{6AF6B6E6-311A-4AA0-A7DC-FB8F412FF06F}"/>
+                <a16:creationId xmlns:a16="http://schemas.microsoft.com/office/drawing/2014/main" xmlns="" id="{6AF6B6E6-311A-4AA0-A7DC-FB8F412FF06F}"/>
               </a:ext>
             </a:extLst>
           </p:cNvPr>
@@ -23768,7 +23844,7 @@
             </a:hlinkClick>
             <a:extLst>
               <a:ext uri="{FF2B5EF4-FFF2-40B4-BE49-F238E27FC236}">
-                <a16:creationId xmlns:a16="http://schemas.microsoft.com/office/drawing/2014/main" id="{4AA3B42C-54DF-49AF-A73F-A57362F66F8D}"/>
+                <a16:creationId xmlns:a16="http://schemas.microsoft.com/office/drawing/2014/main" xmlns="" id="{4AA3B42C-54DF-49AF-A73F-A57362F66F8D}"/>
               </a:ext>
             </a:extLst>
           </p:cNvPr>
@@ -23821,7 +23897,7 @@
             </a:hlinkClick>
             <a:extLst>
               <a:ext uri="{FF2B5EF4-FFF2-40B4-BE49-F238E27FC236}">
-                <a16:creationId xmlns:a16="http://schemas.microsoft.com/office/drawing/2014/main" id="{27486E3F-8891-4563-9FA0-24A2057D06F9}"/>
+                <a16:creationId xmlns:a16="http://schemas.microsoft.com/office/drawing/2014/main" xmlns="" id="{27486E3F-8891-4563-9FA0-24A2057D06F9}"/>
               </a:ext>
             </a:extLst>
           </p:cNvPr>
@@ -23874,7 +23950,7 @@
             </a:hlinkClick>
             <a:extLst>
               <a:ext uri="{FF2B5EF4-FFF2-40B4-BE49-F238E27FC236}">
-                <a16:creationId xmlns:a16="http://schemas.microsoft.com/office/drawing/2014/main" id="{8498C84C-3059-4F2E-8CB0-5053686F39C1}"/>
+                <a16:creationId xmlns:a16="http://schemas.microsoft.com/office/drawing/2014/main" xmlns="" id="{8498C84C-3059-4F2E-8CB0-5053686F39C1}"/>
               </a:ext>
             </a:extLst>
           </p:cNvPr>
@@ -24603,7 +24679,7 @@
           <p:cNvPr id="20" name="Rectangle 19">
             <a:extLst>
               <a:ext uri="{FF2B5EF4-FFF2-40B4-BE49-F238E27FC236}">
-                <a16:creationId xmlns:a16="http://schemas.microsoft.com/office/drawing/2014/main" id="{6AF6B6E6-311A-4AA0-A7DC-FB8F412FF06F}"/>
+                <a16:creationId xmlns:a16="http://schemas.microsoft.com/office/drawing/2014/main" xmlns="" id="{6AF6B6E6-311A-4AA0-A7DC-FB8F412FF06F}"/>
               </a:ext>
             </a:extLst>
           </p:cNvPr>
@@ -24663,7 +24739,7 @@
             </a:hlinkClick>
             <a:extLst>
               <a:ext uri="{FF2B5EF4-FFF2-40B4-BE49-F238E27FC236}">
-                <a16:creationId xmlns:a16="http://schemas.microsoft.com/office/drawing/2014/main" id="{4AA3B42C-54DF-49AF-A73F-A57362F66F8D}"/>
+                <a16:creationId xmlns:a16="http://schemas.microsoft.com/office/drawing/2014/main" xmlns="" id="{4AA3B42C-54DF-49AF-A73F-A57362F66F8D}"/>
               </a:ext>
             </a:extLst>
           </p:cNvPr>
@@ -24716,7 +24792,7 @@
             </a:hlinkClick>
             <a:extLst>
               <a:ext uri="{FF2B5EF4-FFF2-40B4-BE49-F238E27FC236}">
-                <a16:creationId xmlns:a16="http://schemas.microsoft.com/office/drawing/2014/main" id="{27486E3F-8891-4563-9FA0-24A2057D06F9}"/>
+                <a16:creationId xmlns:a16="http://schemas.microsoft.com/office/drawing/2014/main" xmlns="" id="{27486E3F-8891-4563-9FA0-24A2057D06F9}"/>
               </a:ext>
             </a:extLst>
           </p:cNvPr>
@@ -24769,7 +24845,7 @@
             </a:hlinkClick>
             <a:extLst>
               <a:ext uri="{FF2B5EF4-FFF2-40B4-BE49-F238E27FC236}">
-                <a16:creationId xmlns:a16="http://schemas.microsoft.com/office/drawing/2014/main" id="{8498C84C-3059-4F2E-8CB0-5053686F39C1}"/>
+                <a16:creationId xmlns:a16="http://schemas.microsoft.com/office/drawing/2014/main" xmlns="" id="{8498C84C-3059-4F2E-8CB0-5053686F39C1}"/>
               </a:ext>
             </a:extLst>
           </p:cNvPr>
@@ -25576,7 +25652,7 @@
           <p:cNvPr id="9" name="Rectangle 8">
             <a:extLst>
               <a:ext uri="{FF2B5EF4-FFF2-40B4-BE49-F238E27FC236}">
-                <a16:creationId xmlns:a16="http://schemas.microsoft.com/office/drawing/2014/main" id="{792A0054-799F-420D-8E07-B5894D444E00}"/>
+                <a16:creationId xmlns:a16="http://schemas.microsoft.com/office/drawing/2014/main" xmlns="" id="{792A0054-799F-420D-8E07-B5894D444E00}"/>
               </a:ext>
             </a:extLst>
           </p:cNvPr>
@@ -25631,7 +25707,7 @@
           <p:cNvPr id="22" name="Rectangle 21">
             <a:extLst>
               <a:ext uri="{FF2B5EF4-FFF2-40B4-BE49-F238E27FC236}">
-                <a16:creationId xmlns:a16="http://schemas.microsoft.com/office/drawing/2014/main" id="{E5F496BB-66AE-4CEB-A093-BC16826E305F}"/>
+                <a16:creationId xmlns:a16="http://schemas.microsoft.com/office/drawing/2014/main" xmlns="" id="{E5F496BB-66AE-4CEB-A093-BC16826E305F}"/>
               </a:ext>
             </a:extLst>
           </p:cNvPr>
@@ -25783,7 +25859,7 @@
             </a:hlinkClick>
             <a:extLst>
               <a:ext uri="{FF2B5EF4-FFF2-40B4-BE49-F238E27FC236}">
-                <a16:creationId xmlns:a16="http://schemas.microsoft.com/office/drawing/2014/main" id="{79455E14-8E30-4144-B3CB-B937C041A050}"/>
+                <a16:creationId xmlns:a16="http://schemas.microsoft.com/office/drawing/2014/main" xmlns="" id="{79455E14-8E30-4144-B3CB-B937C041A050}"/>
               </a:ext>
             </a:extLst>
           </p:cNvPr>
@@ -25836,7 +25912,7 @@
             </a:hlinkClick>
             <a:extLst>
               <a:ext uri="{FF2B5EF4-FFF2-40B4-BE49-F238E27FC236}">
-                <a16:creationId xmlns:a16="http://schemas.microsoft.com/office/drawing/2014/main" id="{2F24E391-4BA0-4975-9715-7F4DE417BB9E}"/>
+                <a16:creationId xmlns:a16="http://schemas.microsoft.com/office/drawing/2014/main" xmlns="" id="{2F24E391-4BA0-4975-9715-7F4DE417BB9E}"/>
               </a:ext>
             </a:extLst>
           </p:cNvPr>
@@ -26419,7 +26495,7 @@
             </a:hlinkClick>
             <a:extLst>
               <a:ext uri="{FF2B5EF4-FFF2-40B4-BE49-F238E27FC236}">
-                <a16:creationId xmlns:a16="http://schemas.microsoft.com/office/drawing/2014/main" id="{B3CF360F-A609-49A2-87C2-B3BE00860A0E}"/>
+                <a16:creationId xmlns:a16="http://schemas.microsoft.com/office/drawing/2014/main" xmlns="" id="{B3CF360F-A609-49A2-87C2-B3BE00860A0E}"/>
               </a:ext>
             </a:extLst>
           </p:cNvPr>
@@ -26472,7 +26548,7 @@
             </a:hlinkClick>
             <a:extLst>
               <a:ext uri="{FF2B5EF4-FFF2-40B4-BE49-F238E27FC236}">
-                <a16:creationId xmlns:a16="http://schemas.microsoft.com/office/drawing/2014/main" id="{61CED129-D60E-47C1-9A94-717079205673}"/>
+                <a16:creationId xmlns:a16="http://schemas.microsoft.com/office/drawing/2014/main" xmlns="" id="{61CED129-D60E-47C1-9A94-717079205673}"/>
               </a:ext>
             </a:extLst>
           </p:cNvPr>
@@ -26525,7 +26601,7 @@
             </a:hlinkClick>
             <a:extLst>
               <a:ext uri="{FF2B5EF4-FFF2-40B4-BE49-F238E27FC236}">
-                <a16:creationId xmlns:a16="http://schemas.microsoft.com/office/drawing/2014/main" id="{413FEA9C-3162-481C-92BA-06D9ED36E7B8}"/>
+                <a16:creationId xmlns:a16="http://schemas.microsoft.com/office/drawing/2014/main" xmlns="" id="{413FEA9C-3162-481C-92BA-06D9ED36E7B8}"/>
               </a:ext>
             </a:extLst>
           </p:cNvPr>
@@ -26578,7 +26654,7 @@
             </a:hlinkClick>
             <a:extLst>
               <a:ext uri="{FF2B5EF4-FFF2-40B4-BE49-F238E27FC236}">
-                <a16:creationId xmlns:a16="http://schemas.microsoft.com/office/drawing/2014/main" id="{F94E281F-7AC6-40DE-865A-6AA06DAA6D41}"/>
+                <a16:creationId xmlns:a16="http://schemas.microsoft.com/office/drawing/2014/main" xmlns="" id="{F94E281F-7AC6-40DE-865A-6AA06DAA6D41}"/>
               </a:ext>
             </a:extLst>
           </p:cNvPr>
@@ -26631,7 +26707,7 @@
             </a:hlinkClick>
             <a:extLst>
               <a:ext uri="{FF2B5EF4-FFF2-40B4-BE49-F238E27FC236}">
-                <a16:creationId xmlns:a16="http://schemas.microsoft.com/office/drawing/2014/main" id="{BA74CBE2-6BBF-4884-8B04-26B82A8AC1B0}"/>
+                <a16:creationId xmlns:a16="http://schemas.microsoft.com/office/drawing/2014/main" xmlns="" id="{BA74CBE2-6BBF-4884-8B04-26B82A8AC1B0}"/>
               </a:ext>
             </a:extLst>
           </p:cNvPr>
@@ -27535,7 +27611,7 @@
             </a:hlinkClick>
             <a:extLst>
               <a:ext uri="{FF2B5EF4-FFF2-40B4-BE49-F238E27FC236}">
-                <a16:creationId xmlns:a16="http://schemas.microsoft.com/office/drawing/2014/main" id="{DFC4B1F2-9E47-450D-ACBC-9E721A8B3EA4}"/>
+                <a16:creationId xmlns:a16="http://schemas.microsoft.com/office/drawing/2014/main" xmlns="" id="{DFC4B1F2-9E47-450D-ACBC-9E721A8B3EA4}"/>
               </a:ext>
             </a:extLst>
           </p:cNvPr>
@@ -27588,7 +27664,7 @@
             </a:hlinkClick>
             <a:extLst>
               <a:ext uri="{FF2B5EF4-FFF2-40B4-BE49-F238E27FC236}">
-                <a16:creationId xmlns:a16="http://schemas.microsoft.com/office/drawing/2014/main" id="{83D68B8B-6B0C-482A-B969-7858BB4F609F}"/>
+                <a16:creationId xmlns:a16="http://schemas.microsoft.com/office/drawing/2014/main" xmlns="" id="{83D68B8B-6B0C-482A-B969-7858BB4F609F}"/>
               </a:ext>
             </a:extLst>
           </p:cNvPr>
@@ -28446,7 +28522,7 @@
             </a:hlinkClick>
             <a:extLst>
               <a:ext uri="{FF2B5EF4-FFF2-40B4-BE49-F238E27FC236}">
-                <a16:creationId xmlns:a16="http://schemas.microsoft.com/office/drawing/2014/main" id="{DFC4B1F2-9E47-450D-ACBC-9E721A8B3EA4}"/>
+                <a16:creationId xmlns:a16="http://schemas.microsoft.com/office/drawing/2014/main" xmlns="" id="{DFC4B1F2-9E47-450D-ACBC-9E721A8B3EA4}"/>
               </a:ext>
             </a:extLst>
           </p:cNvPr>
@@ -28499,7 +28575,7 @@
             </a:hlinkClick>
             <a:extLst>
               <a:ext uri="{FF2B5EF4-FFF2-40B4-BE49-F238E27FC236}">
-                <a16:creationId xmlns:a16="http://schemas.microsoft.com/office/drawing/2014/main" id="{83D68B8B-6B0C-482A-B969-7858BB4F609F}"/>
+                <a16:creationId xmlns:a16="http://schemas.microsoft.com/office/drawing/2014/main" xmlns="" id="{83D68B8B-6B0C-482A-B969-7858BB4F609F}"/>
               </a:ext>
             </a:extLst>
           </p:cNvPr>
@@ -28549,7 +28625,7 @@
           <p:cNvPr id="25" name="Picture 3" descr="C:\Users\Sam\OneDrive\Documents\Heriot Watt\Advanced Interaction design\courswork a\storyboard\Pill_page\pill_1.png">
             <a:extLst>
               <a:ext uri="{FF2B5EF4-FFF2-40B4-BE49-F238E27FC236}">
-                <a16:creationId xmlns:a16="http://schemas.microsoft.com/office/drawing/2014/main" id="{F9C4B7FC-B0CE-46AD-82EA-D1CFF8B4B09D}"/>
+                <a16:creationId xmlns:a16="http://schemas.microsoft.com/office/drawing/2014/main" xmlns="" id="{F9C4B7FC-B0CE-46AD-82EA-D1CFF8B4B09D}"/>
               </a:ext>
             </a:extLst>
           </p:cNvPr>
@@ -29402,7 +29478,7 @@
             </a:hlinkClick>
             <a:extLst>
               <a:ext uri="{FF2B5EF4-FFF2-40B4-BE49-F238E27FC236}">
-                <a16:creationId xmlns:a16="http://schemas.microsoft.com/office/drawing/2014/main" id="{DFC4B1F2-9E47-450D-ACBC-9E721A8B3EA4}"/>
+                <a16:creationId xmlns:a16="http://schemas.microsoft.com/office/drawing/2014/main" xmlns="" id="{DFC4B1F2-9E47-450D-ACBC-9E721A8B3EA4}"/>
               </a:ext>
             </a:extLst>
           </p:cNvPr>
@@ -29455,7 +29531,7 @@
             </a:hlinkClick>
             <a:extLst>
               <a:ext uri="{FF2B5EF4-FFF2-40B4-BE49-F238E27FC236}">
-                <a16:creationId xmlns:a16="http://schemas.microsoft.com/office/drawing/2014/main" id="{83D68B8B-6B0C-482A-B969-7858BB4F609F}"/>
+                <a16:creationId xmlns:a16="http://schemas.microsoft.com/office/drawing/2014/main" xmlns="" id="{83D68B8B-6B0C-482A-B969-7858BB4F609F}"/>
               </a:ext>
             </a:extLst>
           </p:cNvPr>
@@ -29505,7 +29581,7 @@
           <p:cNvPr id="25" name="Picture 4" descr="C:\Users\Sam\OneDrive\Documents\Heriot Watt\Advanced Interaction design\courswork a\storyboard\Pill_page\pill_2.png">
             <a:extLst>
               <a:ext uri="{FF2B5EF4-FFF2-40B4-BE49-F238E27FC236}">
-                <a16:creationId xmlns:a16="http://schemas.microsoft.com/office/drawing/2014/main" id="{B347D0B0-F7E2-41AF-84D8-02E6E10677E0}"/>
+                <a16:creationId xmlns:a16="http://schemas.microsoft.com/office/drawing/2014/main" xmlns="" id="{B347D0B0-F7E2-41AF-84D8-02E6E10677E0}"/>
               </a:ext>
             </a:extLst>
           </p:cNvPr>
@@ -29832,7 +29908,7 @@
           <p:nvPr/>
         </p:nvPicPr>
         <p:blipFill>
-          <a:blip r:embed="rId4">
+          <a:blip r:embed="rId4" cstate="print">
             <a:extLst>
               <a:ext uri="{28A0092B-C50C-407E-A947-70E740481C1C}">
                 <a14:useLocalDpi xmlns:a14="http://schemas.microsoft.com/office/drawing/2010/main" val="0"/>
@@ -29954,7 +30030,7 @@
           <p:nvPr/>
         </p:nvPicPr>
         <p:blipFill>
-          <a:blip r:embed="rId6">
+          <a:blip r:embed="rId6" cstate="print">
             <a:extLst>
               <a:ext uri="{28A0092B-C50C-407E-A947-70E740481C1C}">
                 <a14:useLocalDpi xmlns:a14="http://schemas.microsoft.com/office/drawing/2010/main" val="0"/>
@@ -30076,7 +30152,7 @@
           <p:nvPr/>
         </p:nvPicPr>
         <p:blipFill>
-          <a:blip r:embed="rId7">
+          <a:blip r:embed="rId7" cstate="print">
             <a:extLst>
               <a:ext uri="{28A0092B-C50C-407E-A947-70E740481C1C}">
                 <a14:useLocalDpi xmlns:a14="http://schemas.microsoft.com/office/drawing/2010/main" val="0"/>
@@ -30278,7 +30354,7 @@
             </a:hlinkClick>
             <a:extLst>
               <a:ext uri="{FF2B5EF4-FFF2-40B4-BE49-F238E27FC236}">
-                <a16:creationId xmlns:a16="http://schemas.microsoft.com/office/drawing/2014/main" id="{86A4F21F-1E2C-43FB-8E48-EF23921D9165}"/>
+                <a16:creationId xmlns:a16="http://schemas.microsoft.com/office/drawing/2014/main" xmlns="" id="{86A4F21F-1E2C-43FB-8E48-EF23921D9165}"/>
               </a:ext>
             </a:extLst>
           </p:cNvPr>
@@ -30328,7 +30404,7 @@
           <p:cNvPr id="22" name="Picture 21">
             <a:extLst>
               <a:ext uri="{FF2B5EF4-FFF2-40B4-BE49-F238E27FC236}">
-                <a16:creationId xmlns:a16="http://schemas.microsoft.com/office/drawing/2014/main" id="{34992A89-40F2-4229-BDDF-83588E400EED}"/>
+                <a16:creationId xmlns:a16="http://schemas.microsoft.com/office/drawing/2014/main" xmlns="" id="{34992A89-40F2-4229-BDDF-83588E400EED}"/>
               </a:ext>
             </a:extLst>
           </p:cNvPr>
@@ -30364,7 +30440,7 @@
           <p:cNvPr id="25" name="Picture 24">
             <a:extLst>
               <a:ext uri="{FF2B5EF4-FFF2-40B4-BE49-F238E27FC236}">
-                <a16:creationId xmlns:a16="http://schemas.microsoft.com/office/drawing/2014/main" id="{6D8C9C8B-95E2-405C-BF37-3DCD4805C2F8}"/>
+                <a16:creationId xmlns:a16="http://schemas.microsoft.com/office/drawing/2014/main" xmlns="" id="{6D8C9C8B-95E2-405C-BF37-3DCD4805C2F8}"/>
               </a:ext>
             </a:extLst>
           </p:cNvPr>
@@ -30374,7 +30450,7 @@
           <p:nvPr/>
         </p:nvPicPr>
         <p:blipFill>
-          <a:blip r:embed="rId14">
+          <a:blip r:embed="rId14" cstate="print">
             <a:extLst>
               <a:ext uri="{28A0092B-C50C-407E-A947-70E740481C1C}">
                 <a14:useLocalDpi xmlns:a14="http://schemas.microsoft.com/office/drawing/2010/main" val="0"/>
@@ -30403,7 +30479,7 @@
             </a:hlinkClick>
             <a:extLst>
               <a:ext uri="{FF2B5EF4-FFF2-40B4-BE49-F238E27FC236}">
-                <a16:creationId xmlns:a16="http://schemas.microsoft.com/office/drawing/2014/main" id="{972C10E7-4F98-438F-BF6E-AE7E03617402}"/>
+                <a16:creationId xmlns:a16="http://schemas.microsoft.com/office/drawing/2014/main" xmlns="" id="{972C10E7-4F98-438F-BF6E-AE7E03617402}"/>
               </a:ext>
             </a:extLst>
           </p:cNvPr>
@@ -30456,7 +30532,7 @@
             </a:hlinkClick>
             <a:extLst>
               <a:ext uri="{FF2B5EF4-FFF2-40B4-BE49-F238E27FC236}">
-                <a16:creationId xmlns:a16="http://schemas.microsoft.com/office/drawing/2014/main" id="{09D3EB13-2CF4-44A2-9D4F-7E72BAA34415}"/>
+                <a16:creationId xmlns:a16="http://schemas.microsoft.com/office/drawing/2014/main" xmlns="" id="{09D3EB13-2CF4-44A2-9D4F-7E72BAA34415}"/>
               </a:ext>
             </a:extLst>
           </p:cNvPr>
@@ -30509,7 +30585,7 @@
             </a:hlinkClick>
             <a:extLst>
               <a:ext uri="{FF2B5EF4-FFF2-40B4-BE49-F238E27FC236}">
-                <a16:creationId xmlns:a16="http://schemas.microsoft.com/office/drawing/2014/main" id="{9D00AFD6-43A6-429A-9C96-DDF2EE2B2A6E}"/>
+                <a16:creationId xmlns:a16="http://schemas.microsoft.com/office/drawing/2014/main" xmlns="" id="{9D00AFD6-43A6-429A-9C96-DDF2EE2B2A6E}"/>
               </a:ext>
             </a:extLst>
           </p:cNvPr>
@@ -31210,7 +31286,7 @@
             </a:hlinkClick>
             <a:extLst>
               <a:ext uri="{FF2B5EF4-FFF2-40B4-BE49-F238E27FC236}">
-                <a16:creationId xmlns:a16="http://schemas.microsoft.com/office/drawing/2014/main" id="{9F2D152D-B26A-4547-AC03-84C55886A7BC}"/>
+                <a16:creationId xmlns:a16="http://schemas.microsoft.com/office/drawing/2014/main" xmlns="" id="{9F2D152D-B26A-4547-AC03-84C55886A7BC}"/>
               </a:ext>
             </a:extLst>
           </p:cNvPr>
@@ -31263,7 +31339,7 @@
             </a:hlinkClick>
             <a:extLst>
               <a:ext uri="{FF2B5EF4-FFF2-40B4-BE49-F238E27FC236}">
-                <a16:creationId xmlns:a16="http://schemas.microsoft.com/office/drawing/2014/main" id="{CB0AD973-845B-4A00-938C-1DF76F1F92A0}"/>
+                <a16:creationId xmlns:a16="http://schemas.microsoft.com/office/drawing/2014/main" xmlns="" id="{CB0AD973-845B-4A00-938C-1DF76F1F92A0}"/>
               </a:ext>
             </a:extLst>
           </p:cNvPr>
@@ -31719,7 +31795,7 @@
             </a:hlinkClick>
             <a:extLst>
               <a:ext uri="{FF2B5EF4-FFF2-40B4-BE49-F238E27FC236}">
-                <a16:creationId xmlns:a16="http://schemas.microsoft.com/office/drawing/2014/main" id="{B3CF360F-A609-49A2-87C2-B3BE00860A0E}"/>
+                <a16:creationId xmlns:a16="http://schemas.microsoft.com/office/drawing/2014/main" xmlns="" id="{B3CF360F-A609-49A2-87C2-B3BE00860A0E}"/>
               </a:ext>
             </a:extLst>
           </p:cNvPr>
@@ -31772,7 +31848,7 @@
             </a:hlinkClick>
             <a:extLst>
               <a:ext uri="{FF2B5EF4-FFF2-40B4-BE49-F238E27FC236}">
-                <a16:creationId xmlns:a16="http://schemas.microsoft.com/office/drawing/2014/main" id="{61CED129-D60E-47C1-9A94-717079205673}"/>
+                <a16:creationId xmlns:a16="http://schemas.microsoft.com/office/drawing/2014/main" xmlns="" id="{61CED129-D60E-47C1-9A94-717079205673}"/>
               </a:ext>
             </a:extLst>
           </p:cNvPr>
@@ -31825,7 +31901,7 @@
             </a:hlinkClick>
             <a:extLst>
               <a:ext uri="{FF2B5EF4-FFF2-40B4-BE49-F238E27FC236}">
-                <a16:creationId xmlns:a16="http://schemas.microsoft.com/office/drawing/2014/main" id="{413FEA9C-3162-481C-92BA-06D9ED36E7B8}"/>
+                <a16:creationId xmlns:a16="http://schemas.microsoft.com/office/drawing/2014/main" xmlns="" id="{413FEA9C-3162-481C-92BA-06D9ED36E7B8}"/>
               </a:ext>
             </a:extLst>
           </p:cNvPr>
@@ -31878,7 +31954,7 @@
             </a:hlinkClick>
             <a:extLst>
               <a:ext uri="{FF2B5EF4-FFF2-40B4-BE49-F238E27FC236}">
-                <a16:creationId xmlns:a16="http://schemas.microsoft.com/office/drawing/2014/main" id="{F94E281F-7AC6-40DE-865A-6AA06DAA6D41}"/>
+                <a16:creationId xmlns:a16="http://schemas.microsoft.com/office/drawing/2014/main" xmlns="" id="{F94E281F-7AC6-40DE-865A-6AA06DAA6D41}"/>
               </a:ext>
             </a:extLst>
           </p:cNvPr>
@@ -31931,7 +32007,7 @@
             </a:hlinkClick>
             <a:extLst>
               <a:ext uri="{FF2B5EF4-FFF2-40B4-BE49-F238E27FC236}">
-                <a16:creationId xmlns:a16="http://schemas.microsoft.com/office/drawing/2014/main" id="{BA74CBE2-6BBF-4884-8B04-26B82A8AC1B0}"/>
+                <a16:creationId xmlns:a16="http://schemas.microsoft.com/office/drawing/2014/main" xmlns="" id="{BA74CBE2-6BBF-4884-8B04-26B82A8AC1B0}"/>
               </a:ext>
             </a:extLst>
           </p:cNvPr>
@@ -32470,7 +32546,7 @@
           <a:p>
             <a:r>
               <a:rPr lang="en-GB" sz="2800" dirty="0"/>
-              <a:t>Add</a:t>
+              <a:t>Edit</a:t>
             </a:r>
           </a:p>
         </p:txBody>
@@ -32483,7 +32559,7 @@
             </a:hlinkClick>
             <a:extLst>
               <a:ext uri="{FF2B5EF4-FFF2-40B4-BE49-F238E27FC236}">
-                <a16:creationId xmlns:a16="http://schemas.microsoft.com/office/drawing/2014/main" id="{45D1980A-E335-402A-B904-08F9451E97D5}"/>
+                <a16:creationId xmlns:a16="http://schemas.microsoft.com/office/drawing/2014/main" xmlns="" id="{45D1980A-E335-402A-B904-08F9451E97D5}"/>
               </a:ext>
             </a:extLst>
           </p:cNvPr>
@@ -32492,7 +32568,7 @@
         </p:nvSpPr>
         <p:spPr>
           <a:xfrm>
-            <a:off x="6625108" y="4449739"/>
+            <a:off x="6625108" y="4423440"/>
             <a:ext cx="1187945" cy="529384"/>
           </a:xfrm>
           <a:prstGeom prst="actionButtonBlank">
@@ -32533,7 +32609,7 @@
           <p:cNvPr id="3" name="Group 2">
             <a:extLst>
               <a:ext uri="{FF2B5EF4-FFF2-40B4-BE49-F238E27FC236}">
-                <a16:creationId xmlns:a16="http://schemas.microsoft.com/office/drawing/2014/main" id="{65697F9B-BA33-459B-9830-6E76C082019B}"/>
+                <a16:creationId xmlns:a16="http://schemas.microsoft.com/office/drawing/2014/main" xmlns="" id="{65697F9B-BA33-459B-9830-6E76C082019B}"/>
               </a:ext>
             </a:extLst>
           </p:cNvPr>
@@ -33334,7 +33410,7 @@
               </a:hlinkClick>
               <a:extLst>
                 <a:ext uri="{FF2B5EF4-FFF2-40B4-BE49-F238E27FC236}">
-                  <a16:creationId xmlns:a16="http://schemas.microsoft.com/office/drawing/2014/main" id="{34195E87-30B1-46ED-A1B8-CE2E21EC8304}"/>
+                  <a16:creationId xmlns:a16="http://schemas.microsoft.com/office/drawing/2014/main" xmlns="" id="{34195E87-30B1-46ED-A1B8-CE2E21EC8304}"/>
                 </a:ext>
               </a:extLst>
             </p:cNvPr>
@@ -33387,7 +33463,7 @@
               </a:hlinkClick>
               <a:extLst>
                 <a:ext uri="{FF2B5EF4-FFF2-40B4-BE49-F238E27FC236}">
-                  <a16:creationId xmlns:a16="http://schemas.microsoft.com/office/drawing/2014/main" id="{7BC4D1B2-89FA-4D74-B707-D570055EF199}"/>
+                  <a16:creationId xmlns:a16="http://schemas.microsoft.com/office/drawing/2014/main" xmlns="" id="{7BC4D1B2-89FA-4D74-B707-D570055EF199}"/>
                 </a:ext>
               </a:extLst>
             </p:cNvPr>
@@ -33440,7 +33516,7 @@
               </a:hlinkClick>
               <a:extLst>
                 <a:ext uri="{FF2B5EF4-FFF2-40B4-BE49-F238E27FC236}">
-                  <a16:creationId xmlns:a16="http://schemas.microsoft.com/office/drawing/2014/main" id="{806AC169-FFE4-4FA4-A831-AF6A831F3A73}"/>
+                  <a16:creationId xmlns:a16="http://schemas.microsoft.com/office/drawing/2014/main" xmlns="" id="{806AC169-FFE4-4FA4-A831-AF6A831F3A73}"/>
                 </a:ext>
               </a:extLst>
             </p:cNvPr>
@@ -33493,7 +33569,7 @@
               </a:hlinkClick>
               <a:extLst>
                 <a:ext uri="{FF2B5EF4-FFF2-40B4-BE49-F238E27FC236}">
-                  <a16:creationId xmlns:a16="http://schemas.microsoft.com/office/drawing/2014/main" id="{B1694BAB-5427-4C03-98D0-D9C23ACED08B}"/>
+                  <a16:creationId xmlns:a16="http://schemas.microsoft.com/office/drawing/2014/main" xmlns="" id="{B1694BAB-5427-4C03-98D0-D9C23ACED08B}"/>
                 </a:ext>
               </a:extLst>
             </p:cNvPr>
@@ -33547,7 +33623,7 @@
             </a:hlinkClick>
             <a:extLst>
               <a:ext uri="{FF2B5EF4-FFF2-40B4-BE49-F238E27FC236}">
-                <a16:creationId xmlns:a16="http://schemas.microsoft.com/office/drawing/2014/main" id="{475B1B93-7323-4B81-9B3E-A373D4C947E4}"/>
+                <a16:creationId xmlns:a16="http://schemas.microsoft.com/office/drawing/2014/main" xmlns="" id="{475B1B93-7323-4B81-9B3E-A373D4C947E4}"/>
               </a:ext>
             </a:extLst>
           </p:cNvPr>
@@ -33661,7 +33737,7 @@
           <p:cNvPr id="47" name="Picture 6">
             <a:extLst>
               <a:ext uri="{FF2B5EF4-FFF2-40B4-BE49-F238E27FC236}">
-                <a16:creationId xmlns:a16="http://schemas.microsoft.com/office/drawing/2014/main" id="{B53AA50D-86EC-4B6C-91D2-D23884FE965F}"/>
+                <a16:creationId xmlns:a16="http://schemas.microsoft.com/office/drawing/2014/main" xmlns="" id="{B53AA50D-86EC-4B6C-91D2-D23884FE965F}"/>
               </a:ext>
             </a:extLst>
           </p:cNvPr>
@@ -36220,7 +36296,7 @@
             </a:hlinkClick>
             <a:extLst>
               <a:ext uri="{FF2B5EF4-FFF2-40B4-BE49-F238E27FC236}">
-                <a16:creationId xmlns:a16="http://schemas.microsoft.com/office/drawing/2014/main" id="{879453EB-7551-4B07-A89B-9838D8BEB326}"/>
+                <a16:creationId xmlns:a16="http://schemas.microsoft.com/office/drawing/2014/main" xmlns="" id="{879453EB-7551-4B07-A89B-9838D8BEB326}"/>
               </a:ext>
             </a:extLst>
           </p:cNvPr>
@@ -36273,7 +36349,7 @@
             </a:hlinkClick>
             <a:extLst>
               <a:ext uri="{FF2B5EF4-FFF2-40B4-BE49-F238E27FC236}">
-                <a16:creationId xmlns:a16="http://schemas.microsoft.com/office/drawing/2014/main" id="{E2F56528-1ED9-4E90-9E72-B64C600A74EF}"/>
+                <a16:creationId xmlns:a16="http://schemas.microsoft.com/office/drawing/2014/main" xmlns="" id="{E2F56528-1ED9-4E90-9E72-B64C600A74EF}"/>
               </a:ext>
             </a:extLst>
           </p:cNvPr>
@@ -36326,7 +36402,7 @@
             </a:hlinkClick>
             <a:extLst>
               <a:ext uri="{FF2B5EF4-FFF2-40B4-BE49-F238E27FC236}">
-                <a16:creationId xmlns:a16="http://schemas.microsoft.com/office/drawing/2014/main" id="{E623E239-C0EB-416B-A7B3-0D9BBBB245E3}"/>
+                <a16:creationId xmlns:a16="http://schemas.microsoft.com/office/drawing/2014/main" xmlns="" id="{E623E239-C0EB-416B-A7B3-0D9BBBB245E3}"/>
               </a:ext>
             </a:extLst>
           </p:cNvPr>
@@ -36379,7 +36455,7 @@
             </a:hlinkClick>
             <a:extLst>
               <a:ext uri="{FF2B5EF4-FFF2-40B4-BE49-F238E27FC236}">
-                <a16:creationId xmlns:a16="http://schemas.microsoft.com/office/drawing/2014/main" id="{F0D4854F-D2B7-4FE7-A2E7-67FD17C3C43A}"/>
+                <a16:creationId xmlns:a16="http://schemas.microsoft.com/office/drawing/2014/main" xmlns="" id="{F0D4854F-D2B7-4FE7-A2E7-67FD17C3C43A}"/>
               </a:ext>
             </a:extLst>
           </p:cNvPr>
@@ -36432,7 +36508,7 @@
             </a:hlinkClick>
             <a:extLst>
               <a:ext uri="{FF2B5EF4-FFF2-40B4-BE49-F238E27FC236}">
-                <a16:creationId xmlns:a16="http://schemas.microsoft.com/office/drawing/2014/main" id="{895437F7-3E67-4564-B29F-C964C27741D7}"/>
+                <a16:creationId xmlns:a16="http://schemas.microsoft.com/office/drawing/2014/main" xmlns="" id="{895437F7-3E67-4564-B29F-C964C27741D7}"/>
               </a:ext>
             </a:extLst>
           </p:cNvPr>
@@ -36485,7 +36561,7 @@
             </a:hlinkClick>
             <a:extLst>
               <a:ext uri="{FF2B5EF4-FFF2-40B4-BE49-F238E27FC236}">
-                <a16:creationId xmlns:a16="http://schemas.microsoft.com/office/drawing/2014/main" id="{104C8416-6384-4228-A7BD-4B52CE3EAF83}"/>
+                <a16:creationId xmlns:a16="http://schemas.microsoft.com/office/drawing/2014/main" xmlns="" id="{104C8416-6384-4228-A7BD-4B52CE3EAF83}"/>
               </a:ext>
             </a:extLst>
           </p:cNvPr>
@@ -38830,7 +38906,7 @@
             </a:hlinkClick>
             <a:extLst>
               <a:ext uri="{FF2B5EF4-FFF2-40B4-BE49-F238E27FC236}">
-                <a16:creationId xmlns:a16="http://schemas.microsoft.com/office/drawing/2014/main" id="{879453EB-7551-4B07-A89B-9838D8BEB326}"/>
+                <a16:creationId xmlns:a16="http://schemas.microsoft.com/office/drawing/2014/main" xmlns="" id="{879453EB-7551-4B07-A89B-9838D8BEB326}"/>
               </a:ext>
             </a:extLst>
           </p:cNvPr>
@@ -38883,7 +38959,7 @@
             </a:hlinkClick>
             <a:extLst>
               <a:ext uri="{FF2B5EF4-FFF2-40B4-BE49-F238E27FC236}">
-                <a16:creationId xmlns:a16="http://schemas.microsoft.com/office/drawing/2014/main" id="{E2F56528-1ED9-4E90-9E72-B64C600A74EF}"/>
+                <a16:creationId xmlns:a16="http://schemas.microsoft.com/office/drawing/2014/main" xmlns="" id="{E2F56528-1ED9-4E90-9E72-B64C600A74EF}"/>
               </a:ext>
             </a:extLst>
           </p:cNvPr>
@@ -38936,7 +39012,7 @@
             </a:hlinkClick>
             <a:extLst>
               <a:ext uri="{FF2B5EF4-FFF2-40B4-BE49-F238E27FC236}">
-                <a16:creationId xmlns:a16="http://schemas.microsoft.com/office/drawing/2014/main" id="{E623E239-C0EB-416B-A7B3-0D9BBBB245E3}"/>
+                <a16:creationId xmlns:a16="http://schemas.microsoft.com/office/drawing/2014/main" xmlns="" id="{E623E239-C0EB-416B-A7B3-0D9BBBB245E3}"/>
               </a:ext>
             </a:extLst>
           </p:cNvPr>
@@ -38989,7 +39065,7 @@
             </a:hlinkClick>
             <a:extLst>
               <a:ext uri="{FF2B5EF4-FFF2-40B4-BE49-F238E27FC236}">
-                <a16:creationId xmlns:a16="http://schemas.microsoft.com/office/drawing/2014/main" id="{F0D4854F-D2B7-4FE7-A2E7-67FD17C3C43A}"/>
+                <a16:creationId xmlns:a16="http://schemas.microsoft.com/office/drawing/2014/main" xmlns="" id="{F0D4854F-D2B7-4FE7-A2E7-67FD17C3C43A}"/>
               </a:ext>
             </a:extLst>
           </p:cNvPr>
@@ -39042,7 +39118,7 @@
             </a:hlinkClick>
             <a:extLst>
               <a:ext uri="{FF2B5EF4-FFF2-40B4-BE49-F238E27FC236}">
-                <a16:creationId xmlns:a16="http://schemas.microsoft.com/office/drawing/2014/main" id="{895437F7-3E67-4564-B29F-C964C27741D7}"/>
+                <a16:creationId xmlns:a16="http://schemas.microsoft.com/office/drawing/2014/main" xmlns="" id="{895437F7-3E67-4564-B29F-C964C27741D7}"/>
               </a:ext>
             </a:extLst>
           </p:cNvPr>
@@ -39095,7 +39171,7 @@
             </a:hlinkClick>
             <a:extLst>
               <a:ext uri="{FF2B5EF4-FFF2-40B4-BE49-F238E27FC236}">
-                <a16:creationId xmlns:a16="http://schemas.microsoft.com/office/drawing/2014/main" id="{C912B329-6AFE-491C-ADD6-485A218ED20A}"/>
+                <a16:creationId xmlns:a16="http://schemas.microsoft.com/office/drawing/2014/main" xmlns="" id="{C912B329-6AFE-491C-ADD6-485A218ED20A}"/>
               </a:ext>
             </a:extLst>
           </p:cNvPr>
@@ -39145,7 +39221,7 @@
           <p:cNvPr id="107" name="Group 106">
             <a:extLst>
               <a:ext uri="{FF2B5EF4-FFF2-40B4-BE49-F238E27FC236}">
-                <a16:creationId xmlns:a16="http://schemas.microsoft.com/office/drawing/2014/main" id="{E74400F0-CBA5-4EBC-B75F-F02FCD022A05}"/>
+                <a16:creationId xmlns:a16="http://schemas.microsoft.com/office/drawing/2014/main" xmlns="" id="{E74400F0-CBA5-4EBC-B75F-F02FCD022A05}"/>
               </a:ext>
             </a:extLst>
           </p:cNvPr>
@@ -39165,7 +39241,7 @@
             <p:cNvPr id="108" name="Picture 2" descr="C:\Users\Sam\OneDrive\Documents\Heriot Watt\Advanced Interaction design\courswork a\storyboard\Pill_page\button.png">
               <a:extLst>
                 <a:ext uri="{FF2B5EF4-FFF2-40B4-BE49-F238E27FC236}">
-                  <a16:creationId xmlns:a16="http://schemas.microsoft.com/office/drawing/2014/main" id="{F6ECF7ED-12C0-4D4F-A892-65CD89E65684}"/>
+                  <a16:creationId xmlns:a16="http://schemas.microsoft.com/office/drawing/2014/main" xmlns="" id="{F6ECF7ED-12C0-4D4F-A892-65CD89E65684}"/>
                 </a:ext>
               </a:extLst>
             </p:cNvPr>
@@ -39221,7 +39297,7 @@
             <p:cNvPr id="109" name="Picture 2">
               <a:extLst>
                 <a:ext uri="{FF2B5EF4-FFF2-40B4-BE49-F238E27FC236}">
-                  <a16:creationId xmlns:a16="http://schemas.microsoft.com/office/drawing/2014/main" id="{BF3EC4F7-21D1-41EA-A5D2-F66F756FB5E7}"/>
+                  <a16:creationId xmlns:a16="http://schemas.microsoft.com/office/drawing/2014/main" xmlns="" id="{BF3EC4F7-21D1-41EA-A5D2-F66F756FB5E7}"/>
                 </a:ext>
               </a:extLst>
             </p:cNvPr>
@@ -39267,7 +39343,7 @@
             <p:cNvPr id="110" name="TextBox 109">
               <a:extLst>
                 <a:ext uri="{FF2B5EF4-FFF2-40B4-BE49-F238E27FC236}">
-                  <a16:creationId xmlns:a16="http://schemas.microsoft.com/office/drawing/2014/main" id="{7953EE78-AFDC-4F26-95B7-E64FCAC2C76F}"/>
+                  <a16:creationId xmlns:a16="http://schemas.microsoft.com/office/drawing/2014/main" xmlns="" id="{7953EE78-AFDC-4F26-95B7-E64FCAC2C76F}"/>
                 </a:ext>
               </a:extLst>
             </p:cNvPr>
@@ -39308,7 +39384,7 @@
             <p:cNvPr id="112" name="TextBox 111">
               <a:extLst>
                 <a:ext uri="{FF2B5EF4-FFF2-40B4-BE49-F238E27FC236}">
-                  <a16:creationId xmlns:a16="http://schemas.microsoft.com/office/drawing/2014/main" id="{2090ADCD-BFE7-481E-965F-2EA25CAFE311}"/>
+                  <a16:creationId xmlns:a16="http://schemas.microsoft.com/office/drawing/2014/main" xmlns="" id="{2090ADCD-BFE7-481E-965F-2EA25CAFE311}"/>
                 </a:ext>
               </a:extLst>
             </p:cNvPr>
@@ -39347,7 +39423,7 @@
             </a:hlinkClick>
             <a:extLst>
               <a:ext uri="{FF2B5EF4-FFF2-40B4-BE49-F238E27FC236}">
-                <a16:creationId xmlns:a16="http://schemas.microsoft.com/office/drawing/2014/main" id="{04F50EB0-C98E-41C4-89A2-8EAD59778A51}"/>
+                <a16:creationId xmlns:a16="http://schemas.microsoft.com/office/drawing/2014/main" xmlns="" id="{04F50EB0-C98E-41C4-89A2-8EAD59778A51}"/>
               </a:ext>
             </a:extLst>
           </p:cNvPr>
@@ -40680,7 +40756,7 @@
             </a:hlinkClick>
             <a:extLst>
               <a:ext uri="{FF2B5EF4-FFF2-40B4-BE49-F238E27FC236}">
-                <a16:creationId xmlns:a16="http://schemas.microsoft.com/office/drawing/2014/main" id="{F2F7C2CC-EA8C-42EA-A2F8-C870EC5162DA}"/>
+                <a16:creationId xmlns:a16="http://schemas.microsoft.com/office/drawing/2014/main" xmlns="" id="{F2F7C2CC-EA8C-42EA-A2F8-C870EC5162DA}"/>
               </a:ext>
             </a:extLst>
           </p:cNvPr>
@@ -40730,7 +40806,7 @@
           <p:cNvPr id="2" name="TextBox 1">
             <a:extLst>
               <a:ext uri="{FF2B5EF4-FFF2-40B4-BE49-F238E27FC236}">
-                <a16:creationId xmlns:a16="http://schemas.microsoft.com/office/drawing/2014/main" id="{C954F45B-D85E-4D60-95A5-696AF42597B0}"/>
+                <a16:creationId xmlns:a16="http://schemas.microsoft.com/office/drawing/2014/main" xmlns="" id="{C954F45B-D85E-4D60-95A5-696AF42597B0}"/>
               </a:ext>
             </a:extLst>
           </p:cNvPr>
@@ -40775,7 +40851,7 @@
             </a:hlinkClick>
             <a:extLst>
               <a:ext uri="{FF2B5EF4-FFF2-40B4-BE49-F238E27FC236}">
-                <a16:creationId xmlns:a16="http://schemas.microsoft.com/office/drawing/2014/main" id="{B776595C-5389-4545-8821-0C7D8B1BF443}"/>
+                <a16:creationId xmlns:a16="http://schemas.microsoft.com/office/drawing/2014/main" xmlns="" id="{B776595C-5389-4545-8821-0C7D8B1BF443}"/>
               </a:ext>
             </a:extLst>
           </p:cNvPr>
@@ -40830,6 +40906,14 @@
   <p:clrMapOvr>
     <a:masterClrMapping/>
   </p:clrMapOvr>
+  <mc:AlternateContent xmlns:mc="http://schemas.openxmlformats.org/markup-compatibility/2006">
+    <mc:Choice xmlns:p14="http://schemas.microsoft.com/office/powerpoint/2010/main" Requires="p14">
+      <p:transition spd="slow" p14:dur="2000"/>
+    </mc:Choice>
+    <mc:Fallback>
+      <p:transition spd="slow"/>
+    </mc:Fallback>
+  </mc:AlternateContent>
   <p:timing>
     <p:tnLst>
       <p:par>
@@ -42312,7 +42396,7 @@
             </a:hlinkClick>
             <a:extLst>
               <a:ext uri="{FF2B5EF4-FFF2-40B4-BE49-F238E27FC236}">
-                <a16:creationId xmlns:a16="http://schemas.microsoft.com/office/drawing/2014/main" id="{5B04BC79-1093-4CE3-9A35-3D5B52385299}"/>
+                <a16:creationId xmlns:a16="http://schemas.microsoft.com/office/drawing/2014/main" xmlns="" id="{5B04BC79-1093-4CE3-9A35-3D5B52385299}"/>
               </a:ext>
             </a:extLst>
           </p:cNvPr>
@@ -42365,7 +42449,7 @@
             </a:hlinkClick>
             <a:extLst>
               <a:ext uri="{FF2B5EF4-FFF2-40B4-BE49-F238E27FC236}">
-                <a16:creationId xmlns:a16="http://schemas.microsoft.com/office/drawing/2014/main" id="{8E13E50B-50EE-4570-BA17-F7C82D2CED80}"/>
+                <a16:creationId xmlns:a16="http://schemas.microsoft.com/office/drawing/2014/main" xmlns="" id="{8E13E50B-50EE-4570-BA17-F7C82D2CED80}"/>
               </a:ext>
             </a:extLst>
           </p:cNvPr>
@@ -42747,7 +42831,7 @@
             </a:hlinkClick>
             <a:extLst>
               <a:ext uri="{FF2B5EF4-FFF2-40B4-BE49-F238E27FC236}">
-                <a16:creationId xmlns:a16="http://schemas.microsoft.com/office/drawing/2014/main" id="{AAB2819E-0FA2-42AD-9FC0-A7D0FD02E561}"/>
+                <a16:creationId xmlns:a16="http://schemas.microsoft.com/office/drawing/2014/main" xmlns="" id="{AAB2819E-0FA2-42AD-9FC0-A7D0FD02E561}"/>
               </a:ext>
             </a:extLst>
           </p:cNvPr>
@@ -42800,7 +42884,7 @@
             </a:hlinkClick>
             <a:extLst>
               <a:ext uri="{FF2B5EF4-FFF2-40B4-BE49-F238E27FC236}">
-                <a16:creationId xmlns:a16="http://schemas.microsoft.com/office/drawing/2014/main" id="{FBD98265-A8E1-4D86-88D8-760E0766F23E}"/>
+                <a16:creationId xmlns:a16="http://schemas.microsoft.com/office/drawing/2014/main" xmlns="" id="{FBD98265-A8E1-4D86-88D8-760E0766F23E}"/>
               </a:ext>
             </a:extLst>
           </p:cNvPr>
@@ -43302,7 +43386,7 @@
             </a:hlinkClick>
             <a:extLst>
               <a:ext uri="{FF2B5EF4-FFF2-40B4-BE49-F238E27FC236}">
-                <a16:creationId xmlns:a16="http://schemas.microsoft.com/office/drawing/2014/main" id="{C67323E3-BD28-4BA0-845D-EEB86B6C96F7}"/>
+                <a16:creationId xmlns:a16="http://schemas.microsoft.com/office/drawing/2014/main" xmlns="" id="{C67323E3-BD28-4BA0-845D-EEB86B6C96F7}"/>
               </a:ext>
             </a:extLst>
           </p:cNvPr>
@@ -43355,7 +43439,7 @@
             </a:hlinkClick>
             <a:extLst>
               <a:ext uri="{FF2B5EF4-FFF2-40B4-BE49-F238E27FC236}">
-                <a16:creationId xmlns:a16="http://schemas.microsoft.com/office/drawing/2014/main" id="{77E69458-9277-4A8F-8979-F4EC53D84DB9}"/>
+                <a16:creationId xmlns:a16="http://schemas.microsoft.com/office/drawing/2014/main" xmlns="" id="{77E69458-9277-4A8F-8979-F4EC53D84DB9}"/>
               </a:ext>
             </a:extLst>
           </p:cNvPr>
@@ -43408,7 +43492,7 @@
             </a:hlinkClick>
             <a:extLst>
               <a:ext uri="{FF2B5EF4-FFF2-40B4-BE49-F238E27FC236}">
-                <a16:creationId xmlns:a16="http://schemas.microsoft.com/office/drawing/2014/main" id="{4AE0001F-0EE3-400B-9DF5-718E6DB59A55}"/>
+                <a16:creationId xmlns:a16="http://schemas.microsoft.com/office/drawing/2014/main" xmlns="" id="{4AE0001F-0EE3-400B-9DF5-718E6DB59A55}"/>
               </a:ext>
             </a:extLst>
           </p:cNvPr>
@@ -43461,7 +43545,7 @@
             </a:hlinkClick>
             <a:extLst>
               <a:ext uri="{FF2B5EF4-FFF2-40B4-BE49-F238E27FC236}">
-                <a16:creationId xmlns:a16="http://schemas.microsoft.com/office/drawing/2014/main" id="{B79255EC-ECA8-49CB-AD9D-C1E4AC2EAE8F}"/>
+                <a16:creationId xmlns:a16="http://schemas.microsoft.com/office/drawing/2014/main" xmlns="" id="{B79255EC-ECA8-49CB-AD9D-C1E4AC2EAE8F}"/>
               </a:ext>
             </a:extLst>
           </p:cNvPr>
@@ -43514,7 +43598,7 @@
             </a:hlinkClick>
             <a:extLst>
               <a:ext uri="{FF2B5EF4-FFF2-40B4-BE49-F238E27FC236}">
-                <a16:creationId xmlns:a16="http://schemas.microsoft.com/office/drawing/2014/main" id="{A55D4F3E-0542-4F0F-B53F-CB6A47A2099A}"/>
+                <a16:creationId xmlns:a16="http://schemas.microsoft.com/office/drawing/2014/main" xmlns="" id="{A55D4F3E-0542-4F0F-B53F-CB6A47A2099A}"/>
               </a:ext>
             </a:extLst>
           </p:cNvPr>
@@ -43567,7 +43651,7 @@
             </a:hlinkClick>
             <a:extLst>
               <a:ext uri="{FF2B5EF4-FFF2-40B4-BE49-F238E27FC236}">
-                <a16:creationId xmlns:a16="http://schemas.microsoft.com/office/drawing/2014/main" id="{ED95F20C-9905-43C2-A281-8C7CE8B45146}"/>
+                <a16:creationId xmlns:a16="http://schemas.microsoft.com/office/drawing/2014/main" xmlns="" id="{ED95F20C-9905-43C2-A281-8C7CE8B45146}"/>
               </a:ext>
             </a:extLst>
           </p:cNvPr>
@@ -43620,7 +43704,7 @@
             </a:hlinkClick>
             <a:extLst>
               <a:ext uri="{FF2B5EF4-FFF2-40B4-BE49-F238E27FC236}">
-                <a16:creationId xmlns:a16="http://schemas.microsoft.com/office/drawing/2014/main" id="{B74BD421-C41E-4432-BA6E-17F8095E8B13}"/>
+                <a16:creationId xmlns:a16="http://schemas.microsoft.com/office/drawing/2014/main" xmlns="" id="{B74BD421-C41E-4432-BA6E-17F8095E8B13}"/>
               </a:ext>
             </a:extLst>
           </p:cNvPr>
@@ -43662,6 +43746,164 @@
           <a:p>
             <a:pPr algn="ctr"/>
             <a:endParaRPr lang="en-GB"/>
+          </a:p>
+        </p:txBody>
+      </p:sp>
+      <p:cxnSp>
+        <p:nvCxnSpPr>
+          <p:cNvPr id="11" name="Straight Arrow Connector 10"/>
+          <p:cNvCxnSpPr/>
+          <p:nvPr/>
+        </p:nvCxnSpPr>
+        <p:spPr>
+          <a:xfrm flipH="1">
+            <a:off x="6409084" y="1800075"/>
+            <a:ext cx="421435" cy="1"/>
+          </a:xfrm>
+          <a:prstGeom prst="straightConnector1">
+            <a:avLst/>
+          </a:prstGeom>
+          <a:ln w="38100">
+            <a:tailEnd type="arrow"/>
+          </a:ln>
+        </p:spPr>
+        <p:style>
+          <a:lnRef idx="1">
+            <a:schemeClr val="accent3"/>
+          </a:lnRef>
+          <a:fillRef idx="0">
+            <a:schemeClr val="accent3"/>
+          </a:fillRef>
+          <a:effectRef idx="0">
+            <a:schemeClr val="accent3"/>
+          </a:effectRef>
+          <a:fontRef idx="minor">
+            <a:schemeClr val="tx1"/>
+          </a:fontRef>
+        </p:style>
+      </p:cxnSp>
+      <p:sp>
+        <p:nvSpPr>
+          <p:cNvPr id="37" name="TextBox 36"/>
+          <p:cNvSpPr txBox="1"/>
+          <p:nvPr/>
+        </p:nvSpPr>
+        <p:spPr>
+          <a:xfrm>
+            <a:off x="6769124" y="1584052"/>
+            <a:ext cx="1080120" cy="461665"/>
+          </a:xfrm>
+          <a:prstGeom prst="rect">
+            <a:avLst/>
+          </a:prstGeom>
+          <a:noFill/>
+        </p:spPr>
+        <p:txBody>
+          <a:bodyPr wrap="square" rtlCol="0">
+            <a:spAutoFit/>
+          </a:bodyPr>
+          <a:lstStyle/>
+          <a:p>
+            <a:r>
+              <a:rPr lang="en-GB" sz="1200" dirty="0" smtClean="0">
+                <a:solidFill>
+                  <a:schemeClr val="bg1"/>
+                </a:solidFill>
+              </a:rPr>
+              <a:t>Total daily energy usage</a:t>
+            </a:r>
+            <a:endParaRPr lang="en-GB" sz="1200" dirty="0">
+              <a:solidFill>
+                <a:schemeClr val="bg1"/>
+              </a:solidFill>
+            </a:endParaRPr>
+          </a:p>
+        </p:txBody>
+      </p:sp>
+      <p:cxnSp>
+        <p:nvCxnSpPr>
+          <p:cNvPr id="38" name="Straight Arrow Connector 37"/>
+          <p:cNvCxnSpPr/>
+          <p:nvPr/>
+        </p:nvCxnSpPr>
+        <p:spPr>
+          <a:xfrm flipH="1">
+            <a:off x="6409084" y="2808187"/>
+            <a:ext cx="421435" cy="1"/>
+          </a:xfrm>
+          <a:prstGeom prst="straightConnector1">
+            <a:avLst/>
+          </a:prstGeom>
+          <a:ln w="38100">
+            <a:tailEnd type="arrow"/>
+          </a:ln>
+        </p:spPr>
+        <p:style>
+          <a:lnRef idx="1">
+            <a:schemeClr val="accent3"/>
+          </a:lnRef>
+          <a:fillRef idx="0">
+            <a:schemeClr val="accent3"/>
+          </a:fillRef>
+          <a:effectRef idx="0">
+            <a:schemeClr val="accent3"/>
+          </a:effectRef>
+          <a:fontRef idx="minor">
+            <a:schemeClr val="tx1"/>
+          </a:fontRef>
+        </p:style>
+      </p:cxnSp>
+      <p:sp>
+        <p:nvSpPr>
+          <p:cNvPr id="40" name="TextBox 39"/>
+          <p:cNvSpPr txBox="1"/>
+          <p:nvPr/>
+        </p:nvSpPr>
+        <p:spPr>
+          <a:xfrm>
+            <a:off x="6769124" y="2577355"/>
+            <a:ext cx="1080120" cy="461665"/>
+          </a:xfrm>
+          <a:prstGeom prst="rect">
+            <a:avLst/>
+          </a:prstGeom>
+          <a:noFill/>
+        </p:spPr>
+        <p:txBody>
+          <a:bodyPr wrap="square" rtlCol="0">
+            <a:spAutoFit/>
+          </a:bodyPr>
+          <a:lstStyle/>
+          <a:p>
+            <a:r>
+              <a:rPr lang="en-GB" sz="1200" dirty="0" smtClean="0">
+                <a:solidFill>
+                  <a:schemeClr val="bg1"/>
+                </a:solidFill>
+              </a:rPr>
+              <a:t>Equivalent energy </a:t>
+            </a:r>
+            <a:r>
+              <a:rPr lang="en-GB" sz="1200" dirty="0">
+                <a:solidFill>
+                  <a:schemeClr val="bg1"/>
+                </a:solidFill>
+              </a:rPr>
+              <a:t>u</a:t>
+            </a:r>
+            <a:r>
+              <a:rPr lang="en-GB" sz="1200" dirty="0" smtClean="0">
+                <a:solidFill>
+                  <a:schemeClr val="bg1"/>
+                </a:solidFill>
+              </a:rPr>
+              <a:t>sage </a:t>
+            </a:r>
+            <a:endParaRPr lang="en-GB" sz="1200" dirty="0">
+              <a:solidFill>
+                <a:schemeClr val="bg1"/>
+              </a:solidFill>
+            </a:endParaRPr>
           </a:p>
         </p:txBody>
       </p:sp>

--- a/story_board_buttonAction2.pptx
+++ b/story_board_buttonAction2.pptx
@@ -132,7 +132,7 @@
   </p:defaultTextStyle>
   <p:extLst>
     <p:ext uri="{EFAFB233-063F-42B5-8137-9DF3F51BA10A}">
-      <p15:sldGuideLst xmlns:p15="http://schemas.microsoft.com/office/powerpoint/2012/main" xmlns="">
+      <p15:sldGuideLst xmlns:p15="http://schemas.microsoft.com/office/powerpoint/2012/main">
         <p15:guide id="1" orient="horz" pos="1588">
           <p15:clr>
             <a:srgbClr val="A4A3A4"/>
@@ -154,7 +154,7 @@
   <pc:docChgLst>
     <pc:chgData name="Sam Haley" userId="2921b71b9664ecdd" providerId="LiveId" clId="{7556E154-CE5E-4B44-A7C2-9363C2E0DDDB}"/>
     <pc:docChg chg="undo custSel addSld delSld modSld sldOrd modMainMaster">
-      <pc:chgData name="Sam Haley" userId="2921b71b9664ecdd" providerId="LiveId" clId="{7556E154-CE5E-4B44-A7C2-9363C2E0DDDB}" dt="2019-02-21T19:25:27.505" v="1489" actId="1076"/>
+      <pc:chgData name="Sam Haley" userId="2921b71b9664ecdd" providerId="LiveId" clId="{7556E154-CE5E-4B44-A7C2-9363C2E0DDDB}" dt="2019-02-22T09:47:16.015" v="1516" actId="1076"/>
       <pc:docMkLst>
         <pc:docMk/>
       </pc:docMkLst>
@@ -965,11 +965,19 @@
         </pc:spChg>
       </pc:sldChg>
       <pc:sldChg chg="addSp delSp modSp modTransition">
-        <pc:chgData name="Sam Haley" userId="2921b71b9664ecdd" providerId="LiveId" clId="{7556E154-CE5E-4B44-A7C2-9363C2E0DDDB}" dt="2019-02-19T13:15:57.816" v="1323" actId="1076"/>
+        <pc:chgData name="Sam Haley" userId="2921b71b9664ecdd" providerId="LiveId" clId="{7556E154-CE5E-4B44-A7C2-9363C2E0DDDB}" dt="2019-02-22T09:47:16.015" v="1516" actId="1076"/>
         <pc:sldMkLst>
           <pc:docMk/>
           <pc:sldMk cId="1062007345" sldId="266"/>
         </pc:sldMkLst>
+        <pc:spChg chg="mod">
+          <ac:chgData name="Sam Haley" userId="2921b71b9664ecdd" providerId="LiveId" clId="{7556E154-CE5E-4B44-A7C2-9363C2E0DDDB}" dt="2019-02-22T09:47:14.249" v="1514" actId="1076"/>
+          <ac:spMkLst>
+            <pc:docMk/>
+            <pc:sldMk cId="1062007345" sldId="266"/>
+            <ac:spMk id="2" creationId="{00000000-0000-0000-0000-000000000000}"/>
+          </ac:spMkLst>
+        </pc:spChg>
         <pc:spChg chg="mod">
           <ac:chgData name="Sam Haley" userId="2921b71b9664ecdd" providerId="LiveId" clId="{7556E154-CE5E-4B44-A7C2-9363C2E0DDDB}" dt="2019-02-17T17:12:08.976" v="701" actId="207"/>
           <ac:spMkLst>
@@ -979,7 +987,7 @@
           </ac:spMkLst>
         </pc:spChg>
         <pc:spChg chg="add mod">
-          <ac:chgData name="Sam Haley" userId="2921b71b9664ecdd" providerId="LiveId" clId="{7556E154-CE5E-4B44-A7C2-9363C2E0DDDB}" dt="2019-02-19T13:15:57.816" v="1323" actId="1076"/>
+          <ac:chgData name="Sam Haley" userId="2921b71b9664ecdd" providerId="LiveId" clId="{7556E154-CE5E-4B44-A7C2-9363C2E0DDDB}" dt="2019-02-22T09:07:27.776" v="1494" actId="1076"/>
           <ac:spMkLst>
             <pc:docMk/>
             <pc:sldMk cId="1062007345" sldId="266"/>
@@ -987,7 +995,7 @@
           </ac:spMkLst>
         </pc:spChg>
         <pc:spChg chg="add mod">
-          <ac:chgData name="Sam Haley" userId="2921b71b9664ecdd" providerId="LiveId" clId="{7556E154-CE5E-4B44-A7C2-9363C2E0DDDB}" dt="2019-02-17T17:12:01.383" v="699" actId="207"/>
+          <ac:chgData name="Sam Haley" userId="2921b71b9664ecdd" providerId="LiveId" clId="{7556E154-CE5E-4B44-A7C2-9363C2E0DDDB}" dt="2019-02-22T09:45:20.375" v="1504" actId="1076"/>
           <ac:spMkLst>
             <pc:docMk/>
             <pc:sldMk cId="1062007345" sldId="266"/>
@@ -1051,7 +1059,7 @@
           </ac:picMkLst>
         </pc:picChg>
         <pc:picChg chg="mod topLvl">
-          <ac:chgData name="Sam Haley" userId="2921b71b9664ecdd" providerId="LiveId" clId="{7556E154-CE5E-4B44-A7C2-9363C2E0DDDB}" dt="2019-02-17T13:35:37.410" v="3" actId="14826"/>
+          <ac:chgData name="Sam Haley" userId="2921b71b9664ecdd" providerId="LiveId" clId="{7556E154-CE5E-4B44-A7C2-9363C2E0DDDB}" dt="2019-02-22T09:47:15.343" v="1515" actId="14826"/>
           <ac:picMkLst>
             <pc:docMk/>
             <pc:sldMk cId="1062007345" sldId="266"/>
@@ -1059,7 +1067,7 @@
           </ac:picMkLst>
         </pc:picChg>
         <pc:picChg chg="mod topLvl">
-          <ac:chgData name="Sam Haley" userId="2921b71b9664ecdd" providerId="LiveId" clId="{7556E154-CE5E-4B44-A7C2-9363C2E0DDDB}" dt="2019-02-17T13:35:04.667" v="0" actId="165"/>
+          <ac:chgData name="Sam Haley" userId="2921b71b9664ecdd" providerId="LiveId" clId="{7556E154-CE5E-4B44-A7C2-9363C2E0DDDB}" dt="2019-02-22T09:45:12.076" v="1503" actId="1076"/>
           <ac:picMkLst>
             <pc:docMk/>
             <pc:sldMk cId="1062007345" sldId="266"/>
@@ -1099,7 +1107,7 @@
           </ac:picMkLst>
         </pc:picChg>
         <pc:picChg chg="add mod">
-          <ac:chgData name="Sam Haley" userId="2921b71b9664ecdd" providerId="LiveId" clId="{7556E154-CE5E-4B44-A7C2-9363C2E0DDDB}" dt="2019-02-17T14:33:13.417" v="171" actId="1038"/>
+          <ac:chgData name="Sam Haley" userId="2921b71b9664ecdd" providerId="LiveId" clId="{7556E154-CE5E-4B44-A7C2-9363C2E0DDDB}" dt="2019-02-22T09:47:16.015" v="1516" actId="1076"/>
           <ac:picMkLst>
             <pc:docMk/>
             <pc:sldMk cId="1062007345" sldId="266"/>
@@ -1120,6 +1128,14 @@
             <pc:docMk/>
             <pc:sldMk cId="1062007345" sldId="266"/>
             <ac:picMk id="9218" creationId="{00000000-0000-0000-0000-000000000000}"/>
+          </ac:picMkLst>
+        </pc:picChg>
+        <pc:picChg chg="mod">
+          <ac:chgData name="Sam Haley" userId="2921b71b9664ecdd" providerId="LiveId" clId="{7556E154-CE5E-4B44-A7C2-9363C2E0DDDB}" dt="2019-02-22T09:07:27.572" v="1493" actId="1076"/>
+          <ac:picMkLst>
+            <pc:docMk/>
+            <pc:sldMk cId="1062007345" sldId="266"/>
+            <ac:picMk id="9220" creationId="{00000000-0000-0000-0000-000000000000}"/>
           </ac:picMkLst>
         </pc:picChg>
       </pc:sldChg>
@@ -1178,7 +1194,7 @@
         </pc:spChg>
       </pc:sldChg>
       <pc:sldChg chg="addSp delSp modSp add ord modTransition setBg">
-        <pc:chgData name="Sam Haley" userId="2921b71b9664ecdd" providerId="LiveId" clId="{7556E154-CE5E-4B44-A7C2-9363C2E0DDDB}" dt="2019-02-20T10:12:56.129" v="1475" actId="1038"/>
+        <pc:chgData name="Sam Haley" userId="2921b71b9664ecdd" providerId="LiveId" clId="{7556E154-CE5E-4B44-A7C2-9363C2E0DDDB}" dt="2019-02-22T09:32:43.850" v="1497" actId="1037"/>
         <pc:sldMkLst>
           <pc:docMk/>
           <pc:sldMk cId="1364166553" sldId="270"/>
@@ -1240,7 +1256,7 @@
           </ac:spMkLst>
         </pc:spChg>
         <pc:spChg chg="add mod">
-          <ac:chgData name="Sam Haley" userId="2921b71b9664ecdd" providerId="LiveId" clId="{7556E154-CE5E-4B44-A7C2-9363C2E0DDDB}" dt="2019-02-20T10:10:35.944" v="1429" actId="1036"/>
+          <ac:chgData name="Sam Haley" userId="2921b71b9664ecdd" providerId="LiveId" clId="{7556E154-CE5E-4B44-A7C2-9363C2E0DDDB}" dt="2019-02-22T09:32:43.850" v="1497" actId="1037"/>
           <ac:spMkLst>
             <pc:docMk/>
             <pc:sldMk cId="1364166553" sldId="270"/>
@@ -2052,7 +2068,7 @@
           <a:p>
             <a:fld id="{3A7B8944-D729-4870-9941-0AB49AD46049}" type="datetimeFigureOut">
               <a:rPr lang="en-GB" smtClean="0"/>
-              <a:t>21/02/2019</a:t>
+              <a:t>22/02/2019</a:t>
             </a:fld>
             <a:endParaRPr lang="en-GB"/>
           </a:p>
@@ -4728,7 +4744,7 @@
           <a:p>
             <a:fld id="{7DC8C874-F052-4B8F-84BA-ADED70597167}" type="datetimeFigureOut">
               <a:rPr lang="en-GB" smtClean="0"/>
-              <a:t>21/02/2019</a:t>
+              <a:t>22/02/2019</a:t>
             </a:fld>
             <a:endParaRPr lang="en-GB"/>
           </a:p>
@@ -4906,7 +4922,7 @@
           <a:p>
             <a:fld id="{7DC8C874-F052-4B8F-84BA-ADED70597167}" type="datetimeFigureOut">
               <a:rPr lang="en-GB" smtClean="0"/>
-              <a:t>21/02/2019</a:t>
+              <a:t>22/02/2019</a:t>
             </a:fld>
             <a:endParaRPr lang="en-GB"/>
           </a:p>
@@ -5094,7 +5110,7 @@
           <a:p>
             <a:fld id="{7DC8C874-F052-4B8F-84BA-ADED70597167}" type="datetimeFigureOut">
               <a:rPr lang="en-GB" smtClean="0"/>
-              <a:t>21/02/2019</a:t>
+              <a:t>22/02/2019</a:t>
             </a:fld>
             <a:endParaRPr lang="en-GB"/>
           </a:p>
@@ -5272,7 +5288,7 @@
           <a:p>
             <a:fld id="{7DC8C874-F052-4B8F-84BA-ADED70597167}" type="datetimeFigureOut">
               <a:rPr lang="en-GB" smtClean="0"/>
-              <a:t>21/02/2019</a:t>
+              <a:t>22/02/2019</a:t>
             </a:fld>
             <a:endParaRPr lang="en-GB"/>
           </a:p>
@@ -5526,7 +5542,7 @@
           <a:p>
             <a:fld id="{7DC8C874-F052-4B8F-84BA-ADED70597167}" type="datetimeFigureOut">
               <a:rPr lang="en-GB" smtClean="0"/>
-              <a:t>21/02/2019</a:t>
+              <a:t>22/02/2019</a:t>
             </a:fld>
             <a:endParaRPr lang="en-GB"/>
           </a:p>
@@ -5822,7 +5838,7 @@
           <a:p>
             <a:fld id="{7DC8C874-F052-4B8F-84BA-ADED70597167}" type="datetimeFigureOut">
               <a:rPr lang="en-GB" smtClean="0"/>
-              <a:t>21/02/2019</a:t>
+              <a:t>22/02/2019</a:t>
             </a:fld>
             <a:endParaRPr lang="en-GB"/>
           </a:p>
@@ -6252,7 +6268,7 @@
           <a:p>
             <a:fld id="{7DC8C874-F052-4B8F-84BA-ADED70597167}" type="datetimeFigureOut">
               <a:rPr lang="en-GB" smtClean="0"/>
-              <a:t>21/02/2019</a:t>
+              <a:t>22/02/2019</a:t>
             </a:fld>
             <a:endParaRPr lang="en-GB"/>
           </a:p>
@@ -6378,7 +6394,7 @@
           <a:p>
             <a:fld id="{7DC8C874-F052-4B8F-84BA-ADED70597167}" type="datetimeFigureOut">
               <a:rPr lang="en-GB" smtClean="0"/>
-              <a:t>21/02/2019</a:t>
+              <a:t>22/02/2019</a:t>
             </a:fld>
             <a:endParaRPr lang="en-GB"/>
           </a:p>
@@ -6481,7 +6497,7 @@
           <a:p>
             <a:fld id="{7DC8C874-F052-4B8F-84BA-ADED70597167}" type="datetimeFigureOut">
               <a:rPr lang="en-GB" smtClean="0"/>
-              <a:t>21/02/2019</a:t>
+              <a:t>22/02/2019</a:t>
             </a:fld>
             <a:endParaRPr lang="en-GB"/>
           </a:p>
@@ -6766,7 +6782,7 @@
           <a:p>
             <a:fld id="{7DC8C874-F052-4B8F-84BA-ADED70597167}" type="datetimeFigureOut">
               <a:rPr lang="en-GB" smtClean="0"/>
-              <a:t>21/02/2019</a:t>
+              <a:t>22/02/2019</a:t>
             </a:fld>
             <a:endParaRPr lang="en-GB"/>
           </a:p>
@@ -7027,7 +7043,7 @@
           <a:p>
             <a:fld id="{7DC8C874-F052-4B8F-84BA-ADED70597167}" type="datetimeFigureOut">
               <a:rPr lang="en-GB" smtClean="0"/>
-              <a:t>21/02/2019</a:t>
+              <a:t>22/02/2019</a:t>
             </a:fld>
             <a:endParaRPr lang="en-GB"/>
           </a:p>
@@ -7248,7 +7264,7 @@
           <a:p>
             <a:fld id="{7DC8C874-F052-4B8F-84BA-ADED70597167}" type="datetimeFigureOut">
               <a:rPr lang="en-GB" smtClean="0"/>
-              <a:t>21/02/2019</a:t>
+              <a:t>22/02/2019</a:t>
             </a:fld>
             <a:endParaRPr lang="en-GB"/>
           </a:p>
@@ -7647,7 +7663,7 @@
           <p:cNvPr id="5" name="Group 4">
             <a:extLst>
               <a:ext uri="{FF2B5EF4-FFF2-40B4-BE49-F238E27FC236}">
-                <a16:creationId xmlns:a16="http://schemas.microsoft.com/office/drawing/2014/main" xmlns="" id="{D11C589E-7959-4AFE-B96F-301238AFBFE6}"/>
+                <a16:creationId xmlns:a16="http://schemas.microsoft.com/office/drawing/2014/main" id="{D11C589E-7959-4AFE-B96F-301238AFBFE6}"/>
               </a:ext>
             </a:extLst>
           </p:cNvPr>
@@ -7667,7 +7683,7 @@
             <p:cNvPr id="6" name="Rectangle 5">
               <a:extLst>
                 <a:ext uri="{FF2B5EF4-FFF2-40B4-BE49-F238E27FC236}">
-                  <a16:creationId xmlns:a16="http://schemas.microsoft.com/office/drawing/2014/main" xmlns="" id="{53D52752-832D-4418-A72E-08B7416E415D}"/>
+                  <a16:creationId xmlns:a16="http://schemas.microsoft.com/office/drawing/2014/main" id="{53D52752-832D-4418-A72E-08B7416E415D}"/>
                 </a:ext>
               </a:extLst>
             </p:cNvPr>
@@ -7717,7 +7733,7 @@
             <p:cNvPr id="7" name="TextBox 6">
               <a:extLst>
                 <a:ext uri="{FF2B5EF4-FFF2-40B4-BE49-F238E27FC236}">
-                  <a16:creationId xmlns:a16="http://schemas.microsoft.com/office/drawing/2014/main" xmlns="" id="{77BB93C0-0FA8-4C36-AA67-630C733E06D8}"/>
+                  <a16:creationId xmlns:a16="http://schemas.microsoft.com/office/drawing/2014/main" id="{77BB93C0-0FA8-4C36-AA67-630C733E06D8}"/>
                 </a:ext>
               </a:extLst>
             </p:cNvPr>
@@ -7757,7 +7773,7 @@
           <p:cNvPr id="8" name="TextBox 7">
             <a:extLst>
               <a:ext uri="{FF2B5EF4-FFF2-40B4-BE49-F238E27FC236}">
-                <a16:creationId xmlns:a16="http://schemas.microsoft.com/office/drawing/2014/main" xmlns="" id="{B47603E6-EEFB-4D3F-ABFB-C6BA28BBB153}"/>
+                <a16:creationId xmlns:a16="http://schemas.microsoft.com/office/drawing/2014/main" id="{B47603E6-EEFB-4D3F-ABFB-C6BA28BBB153}"/>
               </a:ext>
             </a:extLst>
           </p:cNvPr>
@@ -7793,7 +7809,7 @@
           <p:cNvPr id="9" name="Rectangle 8">
             <a:extLst>
               <a:ext uri="{FF2B5EF4-FFF2-40B4-BE49-F238E27FC236}">
-                <a16:creationId xmlns:a16="http://schemas.microsoft.com/office/drawing/2014/main" xmlns="" id="{58AB00E7-73FB-4206-B0B2-4E714460CCD3}"/>
+                <a16:creationId xmlns:a16="http://schemas.microsoft.com/office/drawing/2014/main" id="{58AB00E7-73FB-4206-B0B2-4E714460CCD3}"/>
               </a:ext>
             </a:extLst>
           </p:cNvPr>
@@ -7842,7 +7858,7 @@
           <p:cNvPr id="10" name="TextBox 9">
             <a:extLst>
               <a:ext uri="{FF2B5EF4-FFF2-40B4-BE49-F238E27FC236}">
-                <a16:creationId xmlns:a16="http://schemas.microsoft.com/office/drawing/2014/main" xmlns="" id="{49ACAC95-38F3-4B54-A8C3-E6D705B11203}"/>
+                <a16:creationId xmlns:a16="http://schemas.microsoft.com/office/drawing/2014/main" id="{49ACAC95-38F3-4B54-A8C3-E6D705B11203}"/>
               </a:ext>
             </a:extLst>
           </p:cNvPr>
@@ -7881,7 +7897,7 @@
           <p:cNvPr id="11" name="Picture 3" descr="C:\Users\Sam\OneDrive\Documents\Heriot Watt\Advanced Interaction design\courswork a\storyboard\page1\button.png">
             <a:extLst>
               <a:ext uri="{FF2B5EF4-FFF2-40B4-BE49-F238E27FC236}">
-                <a16:creationId xmlns:a16="http://schemas.microsoft.com/office/drawing/2014/main" xmlns="" id="{4627CBEA-DE80-4E92-8511-88E4E0F2C273}"/>
+                <a16:creationId xmlns:a16="http://schemas.microsoft.com/office/drawing/2014/main" id="{4627CBEA-DE80-4E92-8511-88E4E0F2C273}"/>
               </a:ext>
             </a:extLst>
           </p:cNvPr>
@@ -7928,7 +7944,7 @@
           <p:cNvPr id="12" name="TextBox 11">
             <a:extLst>
               <a:ext uri="{FF2B5EF4-FFF2-40B4-BE49-F238E27FC236}">
-                <a16:creationId xmlns:a16="http://schemas.microsoft.com/office/drawing/2014/main" xmlns="" id="{EA48A7A4-2EA3-4060-AF1E-D073B5499CEB}"/>
+                <a16:creationId xmlns:a16="http://schemas.microsoft.com/office/drawing/2014/main" id="{EA48A7A4-2EA3-4060-AF1E-D073B5499CEB}"/>
               </a:ext>
             </a:extLst>
           </p:cNvPr>
@@ -7966,7 +7982,7 @@
             </a:hlinkClick>
             <a:extLst>
               <a:ext uri="{FF2B5EF4-FFF2-40B4-BE49-F238E27FC236}">
-                <a16:creationId xmlns:a16="http://schemas.microsoft.com/office/drawing/2014/main" xmlns="" id="{182E4003-A3CA-4D29-8625-E9666AF3199E}"/>
+                <a16:creationId xmlns:a16="http://schemas.microsoft.com/office/drawing/2014/main" id="{182E4003-A3CA-4D29-8625-E9666AF3199E}"/>
               </a:ext>
             </a:extLst>
           </p:cNvPr>
@@ -7975,7 +7991,7 @@
         </p:nvSpPr>
         <p:spPr>
           <a:xfrm>
-            <a:off x="3111572" y="3611689"/>
+            <a:off x="3096716" y="3646956"/>
             <a:ext cx="1584176" cy="529384"/>
           </a:xfrm>
           <a:prstGeom prst="actionButtonBlank">
@@ -8016,7 +8032,7 @@
           <p:cNvPr id="14" name="TextBox 13">
             <a:extLst>
               <a:ext uri="{FF2B5EF4-FFF2-40B4-BE49-F238E27FC236}">
-                <a16:creationId xmlns:a16="http://schemas.microsoft.com/office/drawing/2014/main" xmlns="" id="{587F5DCF-59BE-44FA-8211-8A42D91450C7}"/>
+                <a16:creationId xmlns:a16="http://schemas.microsoft.com/office/drawing/2014/main" id="{587F5DCF-59BE-44FA-8211-8A42D91450C7}"/>
               </a:ext>
             </a:extLst>
           </p:cNvPr>
@@ -8056,7 +8072,7 @@
           <p:cNvPr id="2" name="Picture 1">
             <a:extLst>
               <a:ext uri="{FF2B5EF4-FFF2-40B4-BE49-F238E27FC236}">
-                <a16:creationId xmlns:a16="http://schemas.microsoft.com/office/drawing/2014/main" xmlns="" id="{0DBF2FF7-661C-43EC-99E7-8485BAB7351D}"/>
+                <a16:creationId xmlns:a16="http://schemas.microsoft.com/office/drawing/2014/main" id="{0DBF2FF7-661C-43EC-99E7-8485BAB7351D}"/>
               </a:ext>
             </a:extLst>
           </p:cNvPr>
@@ -8132,7 +8148,7 @@
           <p:cNvPr id="5" name="Picture 7">
             <a:extLst>
               <a:ext uri="{FF2B5EF4-FFF2-40B4-BE49-F238E27FC236}">
-                <a16:creationId xmlns:a16="http://schemas.microsoft.com/office/drawing/2014/main" xmlns="" id="{48ABADFC-143B-4519-882E-AD2D24FACC7E}"/>
+                <a16:creationId xmlns:a16="http://schemas.microsoft.com/office/drawing/2014/main" id="{48ABADFC-143B-4519-882E-AD2D24FACC7E}"/>
               </a:ext>
             </a:extLst>
           </p:cNvPr>
@@ -8204,7 +8220,7 @@
             </a:hlinkClick>
             <a:extLst>
               <a:ext uri="{FF2B5EF4-FFF2-40B4-BE49-F238E27FC236}">
-                <a16:creationId xmlns:a16="http://schemas.microsoft.com/office/drawing/2014/main" xmlns="" id="{D149AB38-D7C0-45D9-9035-A3AAE97B1913}"/>
+                <a16:creationId xmlns:a16="http://schemas.microsoft.com/office/drawing/2014/main" id="{D149AB38-D7C0-45D9-9035-A3AAE97B1913}"/>
               </a:ext>
             </a:extLst>
           </p:cNvPr>
@@ -8254,7 +8270,7 @@
           <p:cNvPr id="7" name="Rectangle 6">
             <a:extLst>
               <a:ext uri="{FF2B5EF4-FFF2-40B4-BE49-F238E27FC236}">
-                <a16:creationId xmlns:a16="http://schemas.microsoft.com/office/drawing/2014/main" xmlns="" id="{00644140-C0E0-489D-8B19-52D79E40C071}"/>
+                <a16:creationId xmlns:a16="http://schemas.microsoft.com/office/drawing/2014/main" id="{00644140-C0E0-489D-8B19-52D79E40C071}"/>
               </a:ext>
             </a:extLst>
           </p:cNvPr>
@@ -8304,7 +8320,7 @@
           <p:cNvPr id="9" name="TextBox 8">
             <a:extLst>
               <a:ext uri="{FF2B5EF4-FFF2-40B4-BE49-F238E27FC236}">
-                <a16:creationId xmlns:a16="http://schemas.microsoft.com/office/drawing/2014/main" xmlns="" id="{7ABC3262-3E90-4EDB-A5CC-B4E95C6E8D24}"/>
+                <a16:creationId xmlns:a16="http://schemas.microsoft.com/office/drawing/2014/main" id="{7ABC3262-3E90-4EDB-A5CC-B4E95C6E8D24}"/>
               </a:ext>
             </a:extLst>
           </p:cNvPr>
@@ -8339,7 +8355,7 @@
           <p:cNvPr id="10" name="Rectangle 9">
             <a:extLst>
               <a:ext uri="{FF2B5EF4-FFF2-40B4-BE49-F238E27FC236}">
-                <a16:creationId xmlns:a16="http://schemas.microsoft.com/office/drawing/2014/main" xmlns="" id="{A5E2E7C9-B001-429F-ACC3-F4654DC6AE4E}"/>
+                <a16:creationId xmlns:a16="http://schemas.microsoft.com/office/drawing/2014/main" id="{A5E2E7C9-B001-429F-ACC3-F4654DC6AE4E}"/>
               </a:ext>
             </a:extLst>
           </p:cNvPr>
@@ -8389,7 +8405,7 @@
           <p:cNvPr id="11" name="TextBox 10">
             <a:extLst>
               <a:ext uri="{FF2B5EF4-FFF2-40B4-BE49-F238E27FC236}">
-                <a16:creationId xmlns:a16="http://schemas.microsoft.com/office/drawing/2014/main" xmlns="" id="{5512FF1C-DAD9-49B2-885E-4B2949F26664}"/>
+                <a16:creationId xmlns:a16="http://schemas.microsoft.com/office/drawing/2014/main" id="{5512FF1C-DAD9-49B2-885E-4B2949F26664}"/>
               </a:ext>
             </a:extLst>
           </p:cNvPr>
@@ -8428,7 +8444,7 @@
           <p:cNvPr id="2" name="Picture 1">
             <a:extLst>
               <a:ext uri="{FF2B5EF4-FFF2-40B4-BE49-F238E27FC236}">
-                <a16:creationId xmlns:a16="http://schemas.microsoft.com/office/drawing/2014/main" xmlns="" id="{05C22F62-E204-4896-9096-50BBFDE97DAC}"/>
+                <a16:creationId xmlns:a16="http://schemas.microsoft.com/office/drawing/2014/main" id="{05C22F62-E204-4896-9096-50BBFDE97DAC}"/>
               </a:ext>
             </a:extLst>
           </p:cNvPr>
@@ -8458,7 +8474,7 @@
           <p:cNvPr id="12" name="TextBox 11">
             <a:extLst>
               <a:ext uri="{FF2B5EF4-FFF2-40B4-BE49-F238E27FC236}">
-                <a16:creationId xmlns:a16="http://schemas.microsoft.com/office/drawing/2014/main" xmlns="" id="{4583743E-B0EC-4F23-8679-A9698CB9A04E}"/>
+                <a16:creationId xmlns:a16="http://schemas.microsoft.com/office/drawing/2014/main" id="{4583743E-B0EC-4F23-8679-A9698CB9A04E}"/>
               </a:ext>
             </a:extLst>
           </p:cNvPr>
@@ -8499,7 +8515,7 @@
           <p:cNvPr id="13" name="Rectangle 12">
             <a:extLst>
               <a:ext uri="{FF2B5EF4-FFF2-40B4-BE49-F238E27FC236}">
-                <a16:creationId xmlns:a16="http://schemas.microsoft.com/office/drawing/2014/main" xmlns="" id="{0A02E5AF-A370-4705-B399-11829C01916D}"/>
+                <a16:creationId xmlns:a16="http://schemas.microsoft.com/office/drawing/2014/main" id="{0A02E5AF-A370-4705-B399-11829C01916D}"/>
               </a:ext>
             </a:extLst>
           </p:cNvPr>
@@ -8549,7 +8565,7 @@
           <p:cNvPr id="14" name="TextBox 13">
             <a:extLst>
               <a:ext uri="{FF2B5EF4-FFF2-40B4-BE49-F238E27FC236}">
-                <a16:creationId xmlns:a16="http://schemas.microsoft.com/office/drawing/2014/main" xmlns="" id="{B0FBC60D-A39E-45DE-9161-26D6693F80DE}"/>
+                <a16:creationId xmlns:a16="http://schemas.microsoft.com/office/drawing/2014/main" id="{B0FBC60D-A39E-45DE-9161-26D6693F80DE}"/>
               </a:ext>
             </a:extLst>
           </p:cNvPr>
@@ -8590,7 +8606,7 @@
           <p:cNvPr id="4" name="Picture 3">
             <a:extLst>
               <a:ext uri="{FF2B5EF4-FFF2-40B4-BE49-F238E27FC236}">
-                <a16:creationId xmlns:a16="http://schemas.microsoft.com/office/drawing/2014/main" xmlns="" id="{97134AB8-940F-430C-8E2B-0F0CF2258D53}"/>
+                <a16:creationId xmlns:a16="http://schemas.microsoft.com/office/drawing/2014/main" id="{97134AB8-940F-430C-8E2B-0F0CF2258D53}"/>
               </a:ext>
             </a:extLst>
           </p:cNvPr>
@@ -8619,7 +8635,7 @@
           <p:cNvPr id="16" name="TextBox 15">
             <a:extLst>
               <a:ext uri="{FF2B5EF4-FFF2-40B4-BE49-F238E27FC236}">
-                <a16:creationId xmlns:a16="http://schemas.microsoft.com/office/drawing/2014/main" xmlns="" id="{B53A30FC-0BC1-4BC3-BC01-4FBBC8368304}"/>
+                <a16:creationId xmlns:a16="http://schemas.microsoft.com/office/drawing/2014/main" id="{B53A30FC-0BC1-4BC3-BC01-4FBBC8368304}"/>
               </a:ext>
             </a:extLst>
           </p:cNvPr>
@@ -8659,7 +8675,7 @@
           <p:cNvPr id="17" name="TextBox 16">
             <a:extLst>
               <a:ext uri="{FF2B5EF4-FFF2-40B4-BE49-F238E27FC236}">
-                <a16:creationId xmlns:a16="http://schemas.microsoft.com/office/drawing/2014/main" xmlns="" id="{71C3BEF7-82A5-46EA-B9E8-D5CADCBC41A5}"/>
+                <a16:creationId xmlns:a16="http://schemas.microsoft.com/office/drawing/2014/main" id="{71C3BEF7-82A5-46EA-B9E8-D5CADCBC41A5}"/>
               </a:ext>
             </a:extLst>
           </p:cNvPr>
@@ -8714,7 +8730,7 @@
           <p:cNvPr id="18" name="TextBox 17">
             <a:extLst>
               <a:ext uri="{FF2B5EF4-FFF2-40B4-BE49-F238E27FC236}">
-                <a16:creationId xmlns:a16="http://schemas.microsoft.com/office/drawing/2014/main" xmlns="" id="{EB3DDF7B-C80C-4248-8543-1F3209E0D240}"/>
+                <a16:creationId xmlns:a16="http://schemas.microsoft.com/office/drawing/2014/main" id="{EB3DDF7B-C80C-4248-8543-1F3209E0D240}"/>
               </a:ext>
             </a:extLst>
           </p:cNvPr>
@@ -8769,7 +8785,7 @@
           <p:cNvPr id="19" name="TextBox 18">
             <a:extLst>
               <a:ext uri="{FF2B5EF4-FFF2-40B4-BE49-F238E27FC236}">
-                <a16:creationId xmlns:a16="http://schemas.microsoft.com/office/drawing/2014/main" xmlns="" id="{1A192ADF-9519-4D09-9140-893ADDA6A65B}"/>
+                <a16:creationId xmlns:a16="http://schemas.microsoft.com/office/drawing/2014/main" id="{1A192ADF-9519-4D09-9140-893ADDA6A65B}"/>
               </a:ext>
             </a:extLst>
           </p:cNvPr>
@@ -9400,7 +9416,7 @@
           <p:cNvPr id="50" name="Picture 2">
             <a:extLst>
               <a:ext uri="{FF2B5EF4-FFF2-40B4-BE49-F238E27FC236}">
-                <a16:creationId xmlns:a16="http://schemas.microsoft.com/office/drawing/2014/main" xmlns="" id="{5DE2B882-3C88-4F7E-B0BD-522F76D3B620}"/>
+                <a16:creationId xmlns:a16="http://schemas.microsoft.com/office/drawing/2014/main" id="{5DE2B882-3C88-4F7E-B0BD-522F76D3B620}"/>
               </a:ext>
             </a:extLst>
           </p:cNvPr>
@@ -9473,7 +9489,7 @@
             </a:hlinkClick>
             <a:extLst>
               <a:ext uri="{FF2B5EF4-FFF2-40B4-BE49-F238E27FC236}">
-                <a16:creationId xmlns:a16="http://schemas.microsoft.com/office/drawing/2014/main" xmlns="" id="{A08B6F86-6658-49A4-8D9F-43101483AE11}"/>
+                <a16:creationId xmlns:a16="http://schemas.microsoft.com/office/drawing/2014/main" id="{A08B6F86-6658-49A4-8D9F-43101483AE11}"/>
               </a:ext>
             </a:extLst>
           </p:cNvPr>
@@ -9613,7 +9629,7 @@
             </a:hlinkClick>
             <a:extLst>
               <a:ext uri="{FF2B5EF4-FFF2-40B4-BE49-F238E27FC236}">
-                <a16:creationId xmlns:a16="http://schemas.microsoft.com/office/drawing/2014/main" xmlns="" id="{CAB965D9-A169-49D6-9248-8FB251808475}"/>
+                <a16:creationId xmlns:a16="http://schemas.microsoft.com/office/drawing/2014/main" id="{CAB965D9-A169-49D6-9248-8FB251808475}"/>
               </a:ext>
             </a:extLst>
           </p:cNvPr>
@@ -9666,7 +9682,7 @@
             </a:hlinkClick>
             <a:extLst>
               <a:ext uri="{FF2B5EF4-FFF2-40B4-BE49-F238E27FC236}">
-                <a16:creationId xmlns:a16="http://schemas.microsoft.com/office/drawing/2014/main" xmlns="" id="{A1E530DE-E7C2-454C-93D4-AEE01114665C}"/>
+                <a16:creationId xmlns:a16="http://schemas.microsoft.com/office/drawing/2014/main" id="{A1E530DE-E7C2-454C-93D4-AEE01114665C}"/>
               </a:ext>
             </a:extLst>
           </p:cNvPr>
@@ -9716,7 +9732,7 @@
           <p:cNvPr id="2" name="Table 1">
             <a:extLst>
               <a:ext uri="{FF2B5EF4-FFF2-40B4-BE49-F238E27FC236}">
-                <a16:creationId xmlns:a16="http://schemas.microsoft.com/office/drawing/2014/main" xmlns="" id="{DBFE473C-505F-41C3-B6D2-5A98B20F7C89}"/>
+                <a16:creationId xmlns:a16="http://schemas.microsoft.com/office/drawing/2014/main" id="{DBFE473C-505F-41C3-B6D2-5A98B20F7C89}"/>
               </a:ext>
             </a:extLst>
           </p:cNvPr>
@@ -9745,7 +9761,7 @@
                 <a:gridCol w="3210520">
                   <a:extLst>
                     <a:ext uri="{9D8B030D-6E8A-4147-A177-3AD203B41FA5}">
-                      <a16:colId xmlns:a16="http://schemas.microsoft.com/office/drawing/2014/main" xmlns="" val="3931857695"/>
+                      <a16:colId xmlns:a16="http://schemas.microsoft.com/office/drawing/2014/main" val="3931857695"/>
                     </a:ext>
                   </a:extLst>
                 </a:gridCol>
@@ -9792,7 +9808,7 @@
                 </a:tc>
                 <a:extLst>
                   <a:ext uri="{0D108BD9-81ED-4DB2-BD59-A6C34878D82A}">
-                    <a16:rowId xmlns:a16="http://schemas.microsoft.com/office/drawing/2014/main" xmlns="" val="2777157054"/>
+                    <a16:rowId xmlns:a16="http://schemas.microsoft.com/office/drawing/2014/main" val="2777157054"/>
                   </a:ext>
                 </a:extLst>
               </a:tr>
@@ -9831,7 +9847,7 @@
                 </a:tc>
                 <a:extLst>
                   <a:ext uri="{0D108BD9-81ED-4DB2-BD59-A6C34878D82A}">
-                    <a16:rowId xmlns:a16="http://schemas.microsoft.com/office/drawing/2014/main" xmlns="" val="2199983833"/>
+                    <a16:rowId xmlns:a16="http://schemas.microsoft.com/office/drawing/2014/main" val="2199983833"/>
                   </a:ext>
                 </a:extLst>
               </a:tr>
@@ -9870,7 +9886,7 @@
                 </a:tc>
                 <a:extLst>
                   <a:ext uri="{0D108BD9-81ED-4DB2-BD59-A6C34878D82A}">
-                    <a16:rowId xmlns:a16="http://schemas.microsoft.com/office/drawing/2014/main" xmlns="" val="829821980"/>
+                    <a16:rowId xmlns:a16="http://schemas.microsoft.com/office/drawing/2014/main" val="829821980"/>
                   </a:ext>
                 </a:extLst>
               </a:tr>
@@ -9909,7 +9925,7 @@
                 </a:tc>
                 <a:extLst>
                   <a:ext uri="{0D108BD9-81ED-4DB2-BD59-A6C34878D82A}">
-                    <a16:rowId xmlns:a16="http://schemas.microsoft.com/office/drawing/2014/main" xmlns="" val="1087732476"/>
+                    <a16:rowId xmlns:a16="http://schemas.microsoft.com/office/drawing/2014/main" val="1087732476"/>
                   </a:ext>
                 </a:extLst>
               </a:tr>
@@ -9948,7 +9964,7 @@
                 </a:tc>
                 <a:extLst>
                   <a:ext uri="{0D108BD9-81ED-4DB2-BD59-A6C34878D82A}">
-                    <a16:rowId xmlns:a16="http://schemas.microsoft.com/office/drawing/2014/main" xmlns="" val="3244315226"/>
+                    <a16:rowId xmlns:a16="http://schemas.microsoft.com/office/drawing/2014/main" val="3244315226"/>
                   </a:ext>
                 </a:extLst>
               </a:tr>
@@ -9961,7 +9977,7 @@
           <p:cNvPr id="21" name="Table 20">
             <a:extLst>
               <a:ext uri="{FF2B5EF4-FFF2-40B4-BE49-F238E27FC236}">
-                <a16:creationId xmlns:a16="http://schemas.microsoft.com/office/drawing/2014/main" xmlns="" id="{6C614971-4AC9-4E9B-B219-EA0C881F86EA}"/>
+                <a16:creationId xmlns:a16="http://schemas.microsoft.com/office/drawing/2014/main" id="{6C614971-4AC9-4E9B-B219-EA0C881F86EA}"/>
               </a:ext>
             </a:extLst>
           </p:cNvPr>
@@ -9990,7 +10006,7 @@
                 <a:gridCol w="3210520">
                   <a:extLst>
                     <a:ext uri="{9D8B030D-6E8A-4147-A177-3AD203B41FA5}">
-                      <a16:colId xmlns:a16="http://schemas.microsoft.com/office/drawing/2014/main" xmlns="" val="3931857695"/>
+                      <a16:colId xmlns:a16="http://schemas.microsoft.com/office/drawing/2014/main" val="3931857695"/>
                     </a:ext>
                   </a:extLst>
                 </a:gridCol>
@@ -10037,7 +10053,7 @@
                 </a:tc>
                 <a:extLst>
                   <a:ext uri="{0D108BD9-81ED-4DB2-BD59-A6C34878D82A}">
-                    <a16:rowId xmlns:a16="http://schemas.microsoft.com/office/drawing/2014/main" xmlns="" val="1686482274"/>
+                    <a16:rowId xmlns:a16="http://schemas.microsoft.com/office/drawing/2014/main" val="1686482274"/>
                   </a:ext>
                 </a:extLst>
               </a:tr>
@@ -10079,7 +10095,7 @@
                 </a:tc>
                 <a:extLst>
                   <a:ext uri="{0D108BD9-81ED-4DB2-BD59-A6C34878D82A}">
-                    <a16:rowId xmlns:a16="http://schemas.microsoft.com/office/drawing/2014/main" xmlns="" val="2350454254"/>
+                    <a16:rowId xmlns:a16="http://schemas.microsoft.com/office/drawing/2014/main" val="2350454254"/>
                   </a:ext>
                 </a:extLst>
               </a:tr>
@@ -10118,7 +10134,7 @@
                 </a:tc>
                 <a:extLst>
                   <a:ext uri="{0D108BD9-81ED-4DB2-BD59-A6C34878D82A}">
-                    <a16:rowId xmlns:a16="http://schemas.microsoft.com/office/drawing/2014/main" xmlns="" val="2777157054"/>
+                    <a16:rowId xmlns:a16="http://schemas.microsoft.com/office/drawing/2014/main" val="2777157054"/>
                   </a:ext>
                 </a:extLst>
               </a:tr>
@@ -10157,7 +10173,7 @@
                 </a:tc>
                 <a:extLst>
                   <a:ext uri="{0D108BD9-81ED-4DB2-BD59-A6C34878D82A}">
-                    <a16:rowId xmlns:a16="http://schemas.microsoft.com/office/drawing/2014/main" xmlns="" val="2199983833"/>
+                    <a16:rowId xmlns:a16="http://schemas.microsoft.com/office/drawing/2014/main" val="2199983833"/>
                   </a:ext>
                 </a:extLst>
               </a:tr>
@@ -10196,7 +10212,7 @@
                 </a:tc>
                 <a:extLst>
                   <a:ext uri="{0D108BD9-81ED-4DB2-BD59-A6C34878D82A}">
-                    <a16:rowId xmlns:a16="http://schemas.microsoft.com/office/drawing/2014/main" xmlns="" val="829821980"/>
+                    <a16:rowId xmlns:a16="http://schemas.microsoft.com/office/drawing/2014/main" val="829821980"/>
                   </a:ext>
                 </a:extLst>
               </a:tr>
@@ -10235,7 +10251,7 @@
                 </a:tc>
                 <a:extLst>
                   <a:ext uri="{0D108BD9-81ED-4DB2-BD59-A6C34878D82A}">
-                    <a16:rowId xmlns:a16="http://schemas.microsoft.com/office/drawing/2014/main" xmlns="" val="1087732476"/>
+                    <a16:rowId xmlns:a16="http://schemas.microsoft.com/office/drawing/2014/main" val="1087732476"/>
                   </a:ext>
                 </a:extLst>
               </a:tr>
@@ -10274,7 +10290,7 @@
                 </a:tc>
                 <a:extLst>
                   <a:ext uri="{0D108BD9-81ED-4DB2-BD59-A6C34878D82A}">
-                    <a16:rowId xmlns:a16="http://schemas.microsoft.com/office/drawing/2014/main" xmlns="" val="3244315226"/>
+                    <a16:rowId xmlns:a16="http://schemas.microsoft.com/office/drawing/2014/main" val="3244315226"/>
                   </a:ext>
                 </a:extLst>
               </a:tr>
@@ -10853,7 +10869,7 @@
           <p:cNvPr id="50" name="Picture 2">
             <a:extLst>
               <a:ext uri="{FF2B5EF4-FFF2-40B4-BE49-F238E27FC236}">
-                <a16:creationId xmlns:a16="http://schemas.microsoft.com/office/drawing/2014/main" xmlns="" id="{5DE2B882-3C88-4F7E-B0BD-522F76D3B620}"/>
+                <a16:creationId xmlns:a16="http://schemas.microsoft.com/office/drawing/2014/main" id="{5DE2B882-3C88-4F7E-B0BD-522F76D3B620}"/>
               </a:ext>
             </a:extLst>
           </p:cNvPr>
@@ -10926,7 +10942,7 @@
             </a:hlinkClick>
             <a:extLst>
               <a:ext uri="{FF2B5EF4-FFF2-40B4-BE49-F238E27FC236}">
-                <a16:creationId xmlns:a16="http://schemas.microsoft.com/office/drawing/2014/main" xmlns="" id="{A08B6F86-6658-49A4-8D9F-43101483AE11}"/>
+                <a16:creationId xmlns:a16="http://schemas.microsoft.com/office/drawing/2014/main" id="{A08B6F86-6658-49A4-8D9F-43101483AE11}"/>
               </a:ext>
             </a:extLst>
           </p:cNvPr>
@@ -11066,7 +11082,7 @@
             </a:hlinkClick>
             <a:extLst>
               <a:ext uri="{FF2B5EF4-FFF2-40B4-BE49-F238E27FC236}">
-                <a16:creationId xmlns:a16="http://schemas.microsoft.com/office/drawing/2014/main" xmlns="" id="{CAB965D9-A169-49D6-9248-8FB251808475}"/>
+                <a16:creationId xmlns:a16="http://schemas.microsoft.com/office/drawing/2014/main" id="{CAB965D9-A169-49D6-9248-8FB251808475}"/>
               </a:ext>
             </a:extLst>
           </p:cNvPr>
@@ -11119,7 +11135,7 @@
             </a:hlinkClick>
             <a:extLst>
               <a:ext uri="{FF2B5EF4-FFF2-40B4-BE49-F238E27FC236}">
-                <a16:creationId xmlns:a16="http://schemas.microsoft.com/office/drawing/2014/main" xmlns="" id="{A1E530DE-E7C2-454C-93D4-AEE01114665C}"/>
+                <a16:creationId xmlns:a16="http://schemas.microsoft.com/office/drawing/2014/main" id="{A1E530DE-E7C2-454C-93D4-AEE01114665C}"/>
               </a:ext>
             </a:extLst>
           </p:cNvPr>
@@ -11169,7 +11185,7 @@
           <p:cNvPr id="21" name="Table 20">
             <a:extLst>
               <a:ext uri="{FF2B5EF4-FFF2-40B4-BE49-F238E27FC236}">
-                <a16:creationId xmlns:a16="http://schemas.microsoft.com/office/drawing/2014/main" xmlns="" id="{7EF2B29A-B61E-47BC-9988-DCF743D470E0}"/>
+                <a16:creationId xmlns:a16="http://schemas.microsoft.com/office/drawing/2014/main" id="{7EF2B29A-B61E-47BC-9988-DCF743D470E0}"/>
               </a:ext>
             </a:extLst>
           </p:cNvPr>
@@ -11198,7 +11214,7 @@
                 <a:gridCol w="3210520">
                   <a:extLst>
                     <a:ext uri="{9D8B030D-6E8A-4147-A177-3AD203B41FA5}">
-                      <a16:colId xmlns:a16="http://schemas.microsoft.com/office/drawing/2014/main" xmlns="" val="3931857695"/>
+                      <a16:colId xmlns:a16="http://schemas.microsoft.com/office/drawing/2014/main" val="3931857695"/>
                     </a:ext>
                   </a:extLst>
                 </a:gridCol>
@@ -11242,7 +11258,7 @@
                 </a:tc>
                 <a:extLst>
                   <a:ext uri="{0D108BD9-81ED-4DB2-BD59-A6C34878D82A}">
-                    <a16:rowId xmlns:a16="http://schemas.microsoft.com/office/drawing/2014/main" xmlns="" val="2777157054"/>
+                    <a16:rowId xmlns:a16="http://schemas.microsoft.com/office/drawing/2014/main" val="2777157054"/>
                   </a:ext>
                 </a:extLst>
               </a:tr>
@@ -11281,7 +11297,7 @@
                 </a:tc>
                 <a:extLst>
                   <a:ext uri="{0D108BD9-81ED-4DB2-BD59-A6C34878D82A}">
-                    <a16:rowId xmlns:a16="http://schemas.microsoft.com/office/drawing/2014/main" xmlns="" val="2199983833"/>
+                    <a16:rowId xmlns:a16="http://schemas.microsoft.com/office/drawing/2014/main" val="2199983833"/>
                   </a:ext>
                 </a:extLst>
               </a:tr>
@@ -11320,7 +11336,7 @@
                 </a:tc>
                 <a:extLst>
                   <a:ext uri="{0D108BD9-81ED-4DB2-BD59-A6C34878D82A}">
-                    <a16:rowId xmlns:a16="http://schemas.microsoft.com/office/drawing/2014/main" xmlns="" val="829821980"/>
+                    <a16:rowId xmlns:a16="http://schemas.microsoft.com/office/drawing/2014/main" val="829821980"/>
                   </a:ext>
                 </a:extLst>
               </a:tr>
@@ -11359,7 +11375,7 @@
                 </a:tc>
                 <a:extLst>
                   <a:ext uri="{0D108BD9-81ED-4DB2-BD59-A6C34878D82A}">
-                    <a16:rowId xmlns:a16="http://schemas.microsoft.com/office/drawing/2014/main" xmlns="" val="1087732476"/>
+                    <a16:rowId xmlns:a16="http://schemas.microsoft.com/office/drawing/2014/main" val="1087732476"/>
                   </a:ext>
                 </a:extLst>
               </a:tr>
@@ -11398,7 +11414,7 @@
                 </a:tc>
                 <a:extLst>
                   <a:ext uri="{0D108BD9-81ED-4DB2-BD59-A6C34878D82A}">
-                    <a16:rowId xmlns:a16="http://schemas.microsoft.com/office/drawing/2014/main" xmlns="" val="3244315226"/>
+                    <a16:rowId xmlns:a16="http://schemas.microsoft.com/office/drawing/2014/main" val="3244315226"/>
                   </a:ext>
                 </a:extLst>
               </a:tr>
@@ -11411,7 +11427,7 @@
           <p:cNvPr id="22" name="Table 21">
             <a:extLst>
               <a:ext uri="{FF2B5EF4-FFF2-40B4-BE49-F238E27FC236}">
-                <a16:creationId xmlns:a16="http://schemas.microsoft.com/office/drawing/2014/main" xmlns="" id="{AE76DBA3-CEC6-4A6E-ADA9-C4777130A68D}"/>
+                <a16:creationId xmlns:a16="http://schemas.microsoft.com/office/drawing/2014/main" id="{AE76DBA3-CEC6-4A6E-ADA9-C4777130A68D}"/>
               </a:ext>
             </a:extLst>
           </p:cNvPr>
@@ -11440,7 +11456,7 @@
                 <a:gridCol w="3210520">
                   <a:extLst>
                     <a:ext uri="{9D8B030D-6E8A-4147-A177-3AD203B41FA5}">
-                      <a16:colId xmlns:a16="http://schemas.microsoft.com/office/drawing/2014/main" xmlns="" val="3931857695"/>
+                      <a16:colId xmlns:a16="http://schemas.microsoft.com/office/drawing/2014/main" val="3931857695"/>
                     </a:ext>
                   </a:extLst>
                 </a:gridCol>
@@ -11487,7 +11503,7 @@
                 </a:tc>
                 <a:extLst>
                   <a:ext uri="{0D108BD9-81ED-4DB2-BD59-A6C34878D82A}">
-                    <a16:rowId xmlns:a16="http://schemas.microsoft.com/office/drawing/2014/main" xmlns="" val="1686482274"/>
+                    <a16:rowId xmlns:a16="http://schemas.microsoft.com/office/drawing/2014/main" val="1686482274"/>
                   </a:ext>
                 </a:extLst>
               </a:tr>
@@ -11529,7 +11545,7 @@
                 </a:tc>
                 <a:extLst>
                   <a:ext uri="{0D108BD9-81ED-4DB2-BD59-A6C34878D82A}">
-                    <a16:rowId xmlns:a16="http://schemas.microsoft.com/office/drawing/2014/main" xmlns="" val="2350454254"/>
+                    <a16:rowId xmlns:a16="http://schemas.microsoft.com/office/drawing/2014/main" val="2350454254"/>
                   </a:ext>
                 </a:extLst>
               </a:tr>
@@ -11611,7 +11627,7 @@
                 </a:tc>
                 <a:extLst>
                   <a:ext uri="{0D108BD9-81ED-4DB2-BD59-A6C34878D82A}">
-                    <a16:rowId xmlns:a16="http://schemas.microsoft.com/office/drawing/2014/main" xmlns="" val="2777157054"/>
+                    <a16:rowId xmlns:a16="http://schemas.microsoft.com/office/drawing/2014/main" val="2777157054"/>
                   </a:ext>
                 </a:extLst>
               </a:tr>
@@ -11650,7 +11666,7 @@
                 </a:tc>
                 <a:extLst>
                   <a:ext uri="{0D108BD9-81ED-4DB2-BD59-A6C34878D82A}">
-                    <a16:rowId xmlns:a16="http://schemas.microsoft.com/office/drawing/2014/main" xmlns="" val="2199983833"/>
+                    <a16:rowId xmlns:a16="http://schemas.microsoft.com/office/drawing/2014/main" val="2199983833"/>
                   </a:ext>
                 </a:extLst>
               </a:tr>
@@ -11689,7 +11705,7 @@
                 </a:tc>
                 <a:extLst>
                   <a:ext uri="{0D108BD9-81ED-4DB2-BD59-A6C34878D82A}">
-                    <a16:rowId xmlns:a16="http://schemas.microsoft.com/office/drawing/2014/main" xmlns="" val="829821980"/>
+                    <a16:rowId xmlns:a16="http://schemas.microsoft.com/office/drawing/2014/main" val="829821980"/>
                   </a:ext>
                 </a:extLst>
               </a:tr>
@@ -11728,7 +11744,7 @@
                 </a:tc>
                 <a:extLst>
                   <a:ext uri="{0D108BD9-81ED-4DB2-BD59-A6C34878D82A}">
-                    <a16:rowId xmlns:a16="http://schemas.microsoft.com/office/drawing/2014/main" xmlns="" val="1087732476"/>
+                    <a16:rowId xmlns:a16="http://schemas.microsoft.com/office/drawing/2014/main" val="1087732476"/>
                   </a:ext>
                 </a:extLst>
               </a:tr>
@@ -11767,7 +11783,7 @@
                 </a:tc>
                 <a:extLst>
                   <a:ext uri="{0D108BD9-81ED-4DB2-BD59-A6C34878D82A}">
-                    <a16:rowId xmlns:a16="http://schemas.microsoft.com/office/drawing/2014/main" xmlns="" val="3244315226"/>
+                    <a16:rowId xmlns:a16="http://schemas.microsoft.com/office/drawing/2014/main" val="3244315226"/>
                   </a:ext>
                 </a:extLst>
               </a:tr>
@@ -14111,7 +14127,7 @@
             </a:hlinkClick>
             <a:extLst>
               <a:ext uri="{FF2B5EF4-FFF2-40B4-BE49-F238E27FC236}">
-                <a16:creationId xmlns:a16="http://schemas.microsoft.com/office/drawing/2014/main" xmlns="" id="{C2EEBB1C-AD2C-4EAD-9C53-F2CA30248477}"/>
+                <a16:creationId xmlns:a16="http://schemas.microsoft.com/office/drawing/2014/main" id="{C2EEBB1C-AD2C-4EAD-9C53-F2CA30248477}"/>
               </a:ext>
             </a:extLst>
           </p:cNvPr>
@@ -14164,7 +14180,7 @@
             </a:hlinkClick>
             <a:extLst>
               <a:ext uri="{FF2B5EF4-FFF2-40B4-BE49-F238E27FC236}">
-                <a16:creationId xmlns:a16="http://schemas.microsoft.com/office/drawing/2014/main" xmlns="" id="{77619A0B-C747-464D-AC14-A0090124E1C9}"/>
+                <a16:creationId xmlns:a16="http://schemas.microsoft.com/office/drawing/2014/main" id="{77619A0B-C747-464D-AC14-A0090124E1C9}"/>
               </a:ext>
             </a:extLst>
           </p:cNvPr>
@@ -14217,7 +14233,7 @@
             </a:hlinkClick>
             <a:extLst>
               <a:ext uri="{FF2B5EF4-FFF2-40B4-BE49-F238E27FC236}">
-                <a16:creationId xmlns:a16="http://schemas.microsoft.com/office/drawing/2014/main" xmlns="" id="{6DA16045-A00D-4061-8DD8-5AB521BAD202}"/>
+                <a16:creationId xmlns:a16="http://schemas.microsoft.com/office/drawing/2014/main" id="{6DA16045-A00D-4061-8DD8-5AB521BAD202}"/>
               </a:ext>
             </a:extLst>
           </p:cNvPr>
@@ -14270,7 +14286,7 @@
             </a:hlinkClick>
             <a:extLst>
               <a:ext uri="{FF2B5EF4-FFF2-40B4-BE49-F238E27FC236}">
-                <a16:creationId xmlns:a16="http://schemas.microsoft.com/office/drawing/2014/main" xmlns="" id="{3B8B5210-9446-4F9A-988A-110457B32169}"/>
+                <a16:creationId xmlns:a16="http://schemas.microsoft.com/office/drawing/2014/main" id="{3B8B5210-9446-4F9A-988A-110457B32169}"/>
               </a:ext>
             </a:extLst>
           </p:cNvPr>
@@ -14323,7 +14339,7 @@
             </a:hlinkClick>
             <a:extLst>
               <a:ext uri="{FF2B5EF4-FFF2-40B4-BE49-F238E27FC236}">
-                <a16:creationId xmlns:a16="http://schemas.microsoft.com/office/drawing/2014/main" xmlns="" id="{BB6A75F3-5EE7-4E05-B2F8-9573356522F1}"/>
+                <a16:creationId xmlns:a16="http://schemas.microsoft.com/office/drawing/2014/main" id="{BB6A75F3-5EE7-4E05-B2F8-9573356522F1}"/>
               </a:ext>
             </a:extLst>
           </p:cNvPr>
@@ -14376,7 +14392,7 @@
             </a:hlinkClick>
             <a:extLst>
               <a:ext uri="{FF2B5EF4-FFF2-40B4-BE49-F238E27FC236}">
-                <a16:creationId xmlns:a16="http://schemas.microsoft.com/office/drawing/2014/main" xmlns="" id="{5BBDAEF7-AFAB-45DC-952E-DF06C9BD43BB}"/>
+                <a16:creationId xmlns:a16="http://schemas.microsoft.com/office/drawing/2014/main" id="{5BBDAEF7-AFAB-45DC-952E-DF06C9BD43BB}"/>
               </a:ext>
             </a:extLst>
           </p:cNvPr>
@@ -14429,7 +14445,7 @@
             </a:hlinkClick>
             <a:extLst>
               <a:ext uri="{FF2B5EF4-FFF2-40B4-BE49-F238E27FC236}">
-                <a16:creationId xmlns:a16="http://schemas.microsoft.com/office/drawing/2014/main" xmlns="" id="{B3B1F074-C672-4499-AE0E-B465F1F4992E}"/>
+                <a16:creationId xmlns:a16="http://schemas.microsoft.com/office/drawing/2014/main" id="{B3B1F074-C672-4499-AE0E-B465F1F4992E}"/>
               </a:ext>
             </a:extLst>
           </p:cNvPr>
@@ -14479,7 +14495,7 @@
           <p:cNvPr id="3" name="Picture 2">
             <a:extLst>
               <a:ext uri="{FF2B5EF4-FFF2-40B4-BE49-F238E27FC236}">
-                <a16:creationId xmlns:a16="http://schemas.microsoft.com/office/drawing/2014/main" xmlns="" id="{23BA02EF-64E5-4658-A94B-D6558E735982}"/>
+                <a16:creationId xmlns:a16="http://schemas.microsoft.com/office/drawing/2014/main" id="{23BA02EF-64E5-4658-A94B-D6558E735982}"/>
               </a:ext>
             </a:extLst>
           </p:cNvPr>
@@ -16840,7 +16856,7 @@
             </a:hlinkClick>
             <a:extLst>
               <a:ext uri="{FF2B5EF4-FFF2-40B4-BE49-F238E27FC236}">
-                <a16:creationId xmlns:a16="http://schemas.microsoft.com/office/drawing/2014/main" xmlns="" id="{C2EEBB1C-AD2C-4EAD-9C53-F2CA30248477}"/>
+                <a16:creationId xmlns:a16="http://schemas.microsoft.com/office/drawing/2014/main" id="{C2EEBB1C-AD2C-4EAD-9C53-F2CA30248477}"/>
               </a:ext>
             </a:extLst>
           </p:cNvPr>
@@ -16893,7 +16909,7 @@
             </a:hlinkClick>
             <a:extLst>
               <a:ext uri="{FF2B5EF4-FFF2-40B4-BE49-F238E27FC236}">
-                <a16:creationId xmlns:a16="http://schemas.microsoft.com/office/drawing/2014/main" xmlns="" id="{77619A0B-C747-464D-AC14-A0090124E1C9}"/>
+                <a16:creationId xmlns:a16="http://schemas.microsoft.com/office/drawing/2014/main" id="{77619A0B-C747-464D-AC14-A0090124E1C9}"/>
               </a:ext>
             </a:extLst>
           </p:cNvPr>
@@ -16946,7 +16962,7 @@
             </a:hlinkClick>
             <a:extLst>
               <a:ext uri="{FF2B5EF4-FFF2-40B4-BE49-F238E27FC236}">
-                <a16:creationId xmlns:a16="http://schemas.microsoft.com/office/drawing/2014/main" xmlns="" id="{6DA16045-A00D-4061-8DD8-5AB521BAD202}"/>
+                <a16:creationId xmlns:a16="http://schemas.microsoft.com/office/drawing/2014/main" id="{6DA16045-A00D-4061-8DD8-5AB521BAD202}"/>
               </a:ext>
             </a:extLst>
           </p:cNvPr>
@@ -16999,7 +17015,7 @@
             </a:hlinkClick>
             <a:extLst>
               <a:ext uri="{FF2B5EF4-FFF2-40B4-BE49-F238E27FC236}">
-                <a16:creationId xmlns:a16="http://schemas.microsoft.com/office/drawing/2014/main" xmlns="" id="{3B8B5210-9446-4F9A-988A-110457B32169}"/>
+                <a16:creationId xmlns:a16="http://schemas.microsoft.com/office/drawing/2014/main" id="{3B8B5210-9446-4F9A-988A-110457B32169}"/>
               </a:ext>
             </a:extLst>
           </p:cNvPr>
@@ -17052,7 +17068,7 @@
             </a:hlinkClick>
             <a:extLst>
               <a:ext uri="{FF2B5EF4-FFF2-40B4-BE49-F238E27FC236}">
-                <a16:creationId xmlns:a16="http://schemas.microsoft.com/office/drawing/2014/main" xmlns="" id="{BB6A75F3-5EE7-4E05-B2F8-9573356522F1}"/>
+                <a16:creationId xmlns:a16="http://schemas.microsoft.com/office/drawing/2014/main" id="{BB6A75F3-5EE7-4E05-B2F8-9573356522F1}"/>
               </a:ext>
             </a:extLst>
           </p:cNvPr>
@@ -17105,7 +17121,7 @@
             </a:hlinkClick>
             <a:extLst>
               <a:ext uri="{FF2B5EF4-FFF2-40B4-BE49-F238E27FC236}">
-                <a16:creationId xmlns:a16="http://schemas.microsoft.com/office/drawing/2014/main" xmlns="" id="{5BBDAEF7-AFAB-45DC-952E-DF06C9BD43BB}"/>
+                <a16:creationId xmlns:a16="http://schemas.microsoft.com/office/drawing/2014/main" id="{5BBDAEF7-AFAB-45DC-952E-DF06C9BD43BB}"/>
               </a:ext>
             </a:extLst>
           </p:cNvPr>
@@ -17155,7 +17171,7 @@
           <p:cNvPr id="76" name="Rectangle 75">
             <a:extLst>
               <a:ext uri="{FF2B5EF4-FFF2-40B4-BE49-F238E27FC236}">
-                <a16:creationId xmlns:a16="http://schemas.microsoft.com/office/drawing/2014/main" xmlns="" id="{D86B4E39-9FEA-4F63-AD49-482B27637093}"/>
+                <a16:creationId xmlns:a16="http://schemas.microsoft.com/office/drawing/2014/main" id="{D86B4E39-9FEA-4F63-AD49-482B27637093}"/>
               </a:ext>
             </a:extLst>
           </p:cNvPr>
@@ -17202,7 +17218,7 @@
           <p:cNvPr id="3" name="TextBox 2">
             <a:extLst>
               <a:ext uri="{FF2B5EF4-FFF2-40B4-BE49-F238E27FC236}">
-                <a16:creationId xmlns:a16="http://schemas.microsoft.com/office/drawing/2014/main" xmlns="" id="{627A86BC-3D5D-42E1-A265-6B6B744399B5}"/>
+                <a16:creationId xmlns:a16="http://schemas.microsoft.com/office/drawing/2014/main" id="{627A86BC-3D5D-42E1-A265-6B6B744399B5}"/>
               </a:ext>
             </a:extLst>
           </p:cNvPr>
@@ -17286,7 +17302,7 @@
             </a:hlinkClick>
             <a:extLst>
               <a:ext uri="{FF2B5EF4-FFF2-40B4-BE49-F238E27FC236}">
-                <a16:creationId xmlns:a16="http://schemas.microsoft.com/office/drawing/2014/main" xmlns="" id="{5C53D297-3078-47F2-B176-BB1576AABA47}"/>
+                <a16:creationId xmlns:a16="http://schemas.microsoft.com/office/drawing/2014/main" id="{5C53D297-3078-47F2-B176-BB1576AABA47}"/>
               </a:ext>
             </a:extLst>
           </p:cNvPr>
@@ -17336,7 +17352,7 @@
           <p:cNvPr id="86" name="Picture 85">
             <a:extLst>
               <a:ext uri="{FF2B5EF4-FFF2-40B4-BE49-F238E27FC236}">
-                <a16:creationId xmlns:a16="http://schemas.microsoft.com/office/drawing/2014/main" xmlns="" id="{35641A9C-9FB5-417D-9CB2-3F75C8DCFF7B}"/>
+                <a16:creationId xmlns:a16="http://schemas.microsoft.com/office/drawing/2014/main" id="{35641A9C-9FB5-417D-9CB2-3F75C8DCFF7B}"/>
               </a:ext>
             </a:extLst>
           </p:cNvPr>
@@ -19697,7 +19713,7 @@
             </a:hlinkClick>
             <a:extLst>
               <a:ext uri="{FF2B5EF4-FFF2-40B4-BE49-F238E27FC236}">
-                <a16:creationId xmlns:a16="http://schemas.microsoft.com/office/drawing/2014/main" xmlns="" id="{C2EEBB1C-AD2C-4EAD-9C53-F2CA30248477}"/>
+                <a16:creationId xmlns:a16="http://schemas.microsoft.com/office/drawing/2014/main" id="{C2EEBB1C-AD2C-4EAD-9C53-F2CA30248477}"/>
               </a:ext>
             </a:extLst>
           </p:cNvPr>
@@ -19750,7 +19766,7 @@
             </a:hlinkClick>
             <a:extLst>
               <a:ext uri="{FF2B5EF4-FFF2-40B4-BE49-F238E27FC236}">
-                <a16:creationId xmlns:a16="http://schemas.microsoft.com/office/drawing/2014/main" xmlns="" id="{77619A0B-C747-464D-AC14-A0090124E1C9}"/>
+                <a16:creationId xmlns:a16="http://schemas.microsoft.com/office/drawing/2014/main" id="{77619A0B-C747-464D-AC14-A0090124E1C9}"/>
               </a:ext>
             </a:extLst>
           </p:cNvPr>
@@ -19803,7 +19819,7 @@
             </a:hlinkClick>
             <a:extLst>
               <a:ext uri="{FF2B5EF4-FFF2-40B4-BE49-F238E27FC236}">
-                <a16:creationId xmlns:a16="http://schemas.microsoft.com/office/drawing/2014/main" xmlns="" id="{6DA16045-A00D-4061-8DD8-5AB521BAD202}"/>
+                <a16:creationId xmlns:a16="http://schemas.microsoft.com/office/drawing/2014/main" id="{6DA16045-A00D-4061-8DD8-5AB521BAD202}"/>
               </a:ext>
             </a:extLst>
           </p:cNvPr>
@@ -19856,7 +19872,7 @@
             </a:hlinkClick>
             <a:extLst>
               <a:ext uri="{FF2B5EF4-FFF2-40B4-BE49-F238E27FC236}">
-                <a16:creationId xmlns:a16="http://schemas.microsoft.com/office/drawing/2014/main" xmlns="" id="{3B8B5210-9446-4F9A-988A-110457B32169}"/>
+                <a16:creationId xmlns:a16="http://schemas.microsoft.com/office/drawing/2014/main" id="{3B8B5210-9446-4F9A-988A-110457B32169}"/>
               </a:ext>
             </a:extLst>
           </p:cNvPr>
@@ -19909,7 +19925,7 @@
             </a:hlinkClick>
             <a:extLst>
               <a:ext uri="{FF2B5EF4-FFF2-40B4-BE49-F238E27FC236}">
-                <a16:creationId xmlns:a16="http://schemas.microsoft.com/office/drawing/2014/main" xmlns="" id="{BB6A75F3-5EE7-4E05-B2F8-9573356522F1}"/>
+                <a16:creationId xmlns:a16="http://schemas.microsoft.com/office/drawing/2014/main" id="{BB6A75F3-5EE7-4E05-B2F8-9573356522F1}"/>
               </a:ext>
             </a:extLst>
           </p:cNvPr>
@@ -19962,7 +19978,7 @@
             </a:hlinkClick>
             <a:extLst>
               <a:ext uri="{FF2B5EF4-FFF2-40B4-BE49-F238E27FC236}">
-                <a16:creationId xmlns:a16="http://schemas.microsoft.com/office/drawing/2014/main" xmlns="" id="{5BBDAEF7-AFAB-45DC-952E-DF06C9BD43BB}"/>
+                <a16:creationId xmlns:a16="http://schemas.microsoft.com/office/drawing/2014/main" id="{5BBDAEF7-AFAB-45DC-952E-DF06C9BD43BB}"/>
               </a:ext>
             </a:extLst>
           </p:cNvPr>
@@ -20012,7 +20028,7 @@
           <p:cNvPr id="85" name="Picture 7" descr="C:\Users\Sam\OneDrive\Documents\Heriot Watt\Advanced Interaction design\courswork a\storyboard\Pill_page\Taken_button.png">
             <a:extLst>
               <a:ext uri="{FF2B5EF4-FFF2-40B4-BE49-F238E27FC236}">
-                <a16:creationId xmlns:a16="http://schemas.microsoft.com/office/drawing/2014/main" xmlns="" id="{F039827E-9452-461E-896E-1F37577D6EB6}"/>
+                <a16:creationId xmlns:a16="http://schemas.microsoft.com/office/drawing/2014/main" id="{F039827E-9452-461E-896E-1F37577D6EB6}"/>
               </a:ext>
             </a:extLst>
           </p:cNvPr>
@@ -20068,7 +20084,7 @@
           <p:cNvPr id="86" name="Picture 8" descr="C:\Users\Sam\OneDrive\Documents\Heriot Watt\Advanced Interaction design\courswork a\storyboard\Pill_page\tick.png">
             <a:extLst>
               <a:ext uri="{FF2B5EF4-FFF2-40B4-BE49-F238E27FC236}">
-                <a16:creationId xmlns:a16="http://schemas.microsoft.com/office/drawing/2014/main" xmlns="" id="{6F7E67BC-F4FA-458C-BC6D-6D3D6AD4976D}"/>
+                <a16:creationId xmlns:a16="http://schemas.microsoft.com/office/drawing/2014/main" id="{6F7E67BC-F4FA-458C-BC6D-6D3D6AD4976D}"/>
               </a:ext>
             </a:extLst>
           </p:cNvPr>
@@ -20115,7 +20131,7 @@
           <p:cNvPr id="76" name="Rectangle 75">
             <a:extLst>
               <a:ext uri="{FF2B5EF4-FFF2-40B4-BE49-F238E27FC236}">
-                <a16:creationId xmlns:a16="http://schemas.microsoft.com/office/drawing/2014/main" xmlns="" id="{D86B4E39-9FEA-4F63-AD49-482B27637093}"/>
+                <a16:creationId xmlns:a16="http://schemas.microsoft.com/office/drawing/2014/main" id="{D86B4E39-9FEA-4F63-AD49-482B27637093}"/>
               </a:ext>
             </a:extLst>
           </p:cNvPr>
@@ -20162,7 +20178,7 @@
           <p:cNvPr id="3" name="TextBox 2">
             <a:extLst>
               <a:ext uri="{FF2B5EF4-FFF2-40B4-BE49-F238E27FC236}">
-                <a16:creationId xmlns:a16="http://schemas.microsoft.com/office/drawing/2014/main" xmlns="" id="{627A86BC-3D5D-42E1-A265-6B6B744399B5}"/>
+                <a16:creationId xmlns:a16="http://schemas.microsoft.com/office/drawing/2014/main" id="{627A86BC-3D5D-42E1-A265-6B6B744399B5}"/>
               </a:ext>
             </a:extLst>
           </p:cNvPr>
@@ -20246,7 +20262,7 @@
             </a:hlinkClick>
             <a:extLst>
               <a:ext uri="{FF2B5EF4-FFF2-40B4-BE49-F238E27FC236}">
-                <a16:creationId xmlns:a16="http://schemas.microsoft.com/office/drawing/2014/main" xmlns="" id="{B22FE511-A2F6-4A95-8603-B43D0BA431B4}"/>
+                <a16:creationId xmlns:a16="http://schemas.microsoft.com/office/drawing/2014/main" id="{B22FE511-A2F6-4A95-8603-B43D0BA431B4}"/>
               </a:ext>
             </a:extLst>
           </p:cNvPr>
@@ -20296,7 +20312,7 @@
           <p:cNvPr id="92" name="Picture 91">
             <a:extLst>
               <a:ext uri="{FF2B5EF4-FFF2-40B4-BE49-F238E27FC236}">
-                <a16:creationId xmlns:a16="http://schemas.microsoft.com/office/drawing/2014/main" xmlns="" id="{68E66DE1-9705-4388-88B2-4289D2A1E2F4}"/>
+                <a16:creationId xmlns:a16="http://schemas.microsoft.com/office/drawing/2014/main" id="{68E66DE1-9705-4388-88B2-4289D2A1E2F4}"/>
               </a:ext>
             </a:extLst>
           </p:cNvPr>
@@ -22657,7 +22673,7 @@
             </a:hlinkClick>
             <a:extLst>
               <a:ext uri="{FF2B5EF4-FFF2-40B4-BE49-F238E27FC236}">
-                <a16:creationId xmlns:a16="http://schemas.microsoft.com/office/drawing/2014/main" xmlns="" id="{C2EEBB1C-AD2C-4EAD-9C53-F2CA30248477}"/>
+                <a16:creationId xmlns:a16="http://schemas.microsoft.com/office/drawing/2014/main" id="{C2EEBB1C-AD2C-4EAD-9C53-F2CA30248477}"/>
               </a:ext>
             </a:extLst>
           </p:cNvPr>
@@ -22710,7 +22726,7 @@
             </a:hlinkClick>
             <a:extLst>
               <a:ext uri="{FF2B5EF4-FFF2-40B4-BE49-F238E27FC236}">
-                <a16:creationId xmlns:a16="http://schemas.microsoft.com/office/drawing/2014/main" xmlns="" id="{77619A0B-C747-464D-AC14-A0090124E1C9}"/>
+                <a16:creationId xmlns:a16="http://schemas.microsoft.com/office/drawing/2014/main" id="{77619A0B-C747-464D-AC14-A0090124E1C9}"/>
               </a:ext>
             </a:extLst>
           </p:cNvPr>
@@ -22763,7 +22779,7 @@
             </a:hlinkClick>
             <a:extLst>
               <a:ext uri="{FF2B5EF4-FFF2-40B4-BE49-F238E27FC236}">
-                <a16:creationId xmlns:a16="http://schemas.microsoft.com/office/drawing/2014/main" xmlns="" id="{3F5692AD-1A34-466F-9D48-F010C0CAC9B0}"/>
+                <a16:creationId xmlns:a16="http://schemas.microsoft.com/office/drawing/2014/main" id="{3F5692AD-1A34-466F-9D48-F010C0CAC9B0}"/>
               </a:ext>
             </a:extLst>
           </p:cNvPr>
@@ -22816,7 +22832,7 @@
             </a:hlinkClick>
             <a:extLst>
               <a:ext uri="{FF2B5EF4-FFF2-40B4-BE49-F238E27FC236}">
-                <a16:creationId xmlns:a16="http://schemas.microsoft.com/office/drawing/2014/main" xmlns="" id="{E6354ECD-BD03-4424-A948-855DE3241B03}"/>
+                <a16:creationId xmlns:a16="http://schemas.microsoft.com/office/drawing/2014/main" id="{E6354ECD-BD03-4424-A948-855DE3241B03}"/>
               </a:ext>
             </a:extLst>
           </p:cNvPr>
@@ -22869,7 +22885,7 @@
             </a:hlinkClick>
             <a:extLst>
               <a:ext uri="{FF2B5EF4-FFF2-40B4-BE49-F238E27FC236}">
-                <a16:creationId xmlns:a16="http://schemas.microsoft.com/office/drawing/2014/main" xmlns="" id="{007D8844-EAA8-4890-9027-0325A7166457}"/>
+                <a16:creationId xmlns:a16="http://schemas.microsoft.com/office/drawing/2014/main" id="{007D8844-EAA8-4890-9027-0325A7166457}"/>
               </a:ext>
             </a:extLst>
           </p:cNvPr>
@@ -22919,7 +22935,7 @@
           <p:cNvPr id="87" name="Picture 7" descr="C:\Users\Sam\OneDrive\Documents\Heriot Watt\Advanced Interaction design\courswork a\storyboard\Pill_page\Taken_button.png">
             <a:extLst>
               <a:ext uri="{FF2B5EF4-FFF2-40B4-BE49-F238E27FC236}">
-                <a16:creationId xmlns:a16="http://schemas.microsoft.com/office/drawing/2014/main" xmlns="" id="{C16164E3-7478-4D88-806C-1F3E00A3D164}"/>
+                <a16:creationId xmlns:a16="http://schemas.microsoft.com/office/drawing/2014/main" id="{C16164E3-7478-4D88-806C-1F3E00A3D164}"/>
               </a:ext>
             </a:extLst>
           </p:cNvPr>
@@ -22975,7 +22991,7 @@
           <p:cNvPr id="88" name="Picture 8" descr="C:\Users\Sam\OneDrive\Documents\Heriot Watt\Advanced Interaction design\courswork a\storyboard\Pill_page\tick.png">
             <a:extLst>
               <a:ext uri="{FF2B5EF4-FFF2-40B4-BE49-F238E27FC236}">
-                <a16:creationId xmlns:a16="http://schemas.microsoft.com/office/drawing/2014/main" xmlns="" id="{4C0FE170-08DF-4F5E-9CB6-FB1CA7C132D1}"/>
+                <a16:creationId xmlns:a16="http://schemas.microsoft.com/office/drawing/2014/main" id="{4C0FE170-08DF-4F5E-9CB6-FB1CA7C132D1}"/>
               </a:ext>
             </a:extLst>
           </p:cNvPr>
@@ -23025,7 +23041,7 @@
             </a:hlinkClick>
             <a:extLst>
               <a:ext uri="{FF2B5EF4-FFF2-40B4-BE49-F238E27FC236}">
-                <a16:creationId xmlns:a16="http://schemas.microsoft.com/office/drawing/2014/main" xmlns="" id="{AF98615F-22D0-41B7-93BD-89C586826904}"/>
+                <a16:creationId xmlns:a16="http://schemas.microsoft.com/office/drawing/2014/main" id="{AF98615F-22D0-41B7-93BD-89C586826904}"/>
               </a:ext>
             </a:extLst>
           </p:cNvPr>
@@ -23075,7 +23091,7 @@
           <p:cNvPr id="90" name="Picture 89">
             <a:extLst>
               <a:ext uri="{FF2B5EF4-FFF2-40B4-BE49-F238E27FC236}">
-                <a16:creationId xmlns:a16="http://schemas.microsoft.com/office/drawing/2014/main" xmlns="" id="{C8D2871B-3D0A-4857-BA21-708B8A4C7997}"/>
+                <a16:creationId xmlns:a16="http://schemas.microsoft.com/office/drawing/2014/main" id="{C8D2871B-3D0A-4857-BA21-708B8A4C7997}"/>
               </a:ext>
             </a:extLst>
           </p:cNvPr>
@@ -23784,7 +23800,7 @@
           <p:cNvPr id="20" name="Rectangle 19">
             <a:extLst>
               <a:ext uri="{FF2B5EF4-FFF2-40B4-BE49-F238E27FC236}">
-                <a16:creationId xmlns:a16="http://schemas.microsoft.com/office/drawing/2014/main" xmlns="" id="{6AF6B6E6-311A-4AA0-A7DC-FB8F412FF06F}"/>
+                <a16:creationId xmlns:a16="http://schemas.microsoft.com/office/drawing/2014/main" id="{6AF6B6E6-311A-4AA0-A7DC-FB8F412FF06F}"/>
               </a:ext>
             </a:extLst>
           </p:cNvPr>
@@ -23844,7 +23860,7 @@
             </a:hlinkClick>
             <a:extLst>
               <a:ext uri="{FF2B5EF4-FFF2-40B4-BE49-F238E27FC236}">
-                <a16:creationId xmlns:a16="http://schemas.microsoft.com/office/drawing/2014/main" xmlns="" id="{4AA3B42C-54DF-49AF-A73F-A57362F66F8D}"/>
+                <a16:creationId xmlns:a16="http://schemas.microsoft.com/office/drawing/2014/main" id="{4AA3B42C-54DF-49AF-A73F-A57362F66F8D}"/>
               </a:ext>
             </a:extLst>
           </p:cNvPr>
@@ -23897,7 +23913,7 @@
             </a:hlinkClick>
             <a:extLst>
               <a:ext uri="{FF2B5EF4-FFF2-40B4-BE49-F238E27FC236}">
-                <a16:creationId xmlns:a16="http://schemas.microsoft.com/office/drawing/2014/main" xmlns="" id="{27486E3F-8891-4563-9FA0-24A2057D06F9}"/>
+                <a16:creationId xmlns:a16="http://schemas.microsoft.com/office/drawing/2014/main" id="{27486E3F-8891-4563-9FA0-24A2057D06F9}"/>
               </a:ext>
             </a:extLst>
           </p:cNvPr>
@@ -23950,7 +23966,7 @@
             </a:hlinkClick>
             <a:extLst>
               <a:ext uri="{FF2B5EF4-FFF2-40B4-BE49-F238E27FC236}">
-                <a16:creationId xmlns:a16="http://schemas.microsoft.com/office/drawing/2014/main" xmlns="" id="{8498C84C-3059-4F2E-8CB0-5053686F39C1}"/>
+                <a16:creationId xmlns:a16="http://schemas.microsoft.com/office/drawing/2014/main" id="{8498C84C-3059-4F2E-8CB0-5053686F39C1}"/>
               </a:ext>
             </a:extLst>
           </p:cNvPr>
@@ -24679,7 +24695,7 @@
           <p:cNvPr id="20" name="Rectangle 19">
             <a:extLst>
               <a:ext uri="{FF2B5EF4-FFF2-40B4-BE49-F238E27FC236}">
-                <a16:creationId xmlns:a16="http://schemas.microsoft.com/office/drawing/2014/main" xmlns="" id="{6AF6B6E6-311A-4AA0-A7DC-FB8F412FF06F}"/>
+                <a16:creationId xmlns:a16="http://schemas.microsoft.com/office/drawing/2014/main" id="{6AF6B6E6-311A-4AA0-A7DC-FB8F412FF06F}"/>
               </a:ext>
             </a:extLst>
           </p:cNvPr>
@@ -24739,7 +24755,7 @@
             </a:hlinkClick>
             <a:extLst>
               <a:ext uri="{FF2B5EF4-FFF2-40B4-BE49-F238E27FC236}">
-                <a16:creationId xmlns:a16="http://schemas.microsoft.com/office/drawing/2014/main" xmlns="" id="{4AA3B42C-54DF-49AF-A73F-A57362F66F8D}"/>
+                <a16:creationId xmlns:a16="http://schemas.microsoft.com/office/drawing/2014/main" id="{4AA3B42C-54DF-49AF-A73F-A57362F66F8D}"/>
               </a:ext>
             </a:extLst>
           </p:cNvPr>
@@ -24792,7 +24808,7 @@
             </a:hlinkClick>
             <a:extLst>
               <a:ext uri="{FF2B5EF4-FFF2-40B4-BE49-F238E27FC236}">
-                <a16:creationId xmlns:a16="http://schemas.microsoft.com/office/drawing/2014/main" xmlns="" id="{27486E3F-8891-4563-9FA0-24A2057D06F9}"/>
+                <a16:creationId xmlns:a16="http://schemas.microsoft.com/office/drawing/2014/main" id="{27486E3F-8891-4563-9FA0-24A2057D06F9}"/>
               </a:ext>
             </a:extLst>
           </p:cNvPr>
@@ -24845,7 +24861,7 @@
             </a:hlinkClick>
             <a:extLst>
               <a:ext uri="{FF2B5EF4-FFF2-40B4-BE49-F238E27FC236}">
-                <a16:creationId xmlns:a16="http://schemas.microsoft.com/office/drawing/2014/main" xmlns="" id="{8498C84C-3059-4F2E-8CB0-5053686F39C1}"/>
+                <a16:creationId xmlns:a16="http://schemas.microsoft.com/office/drawing/2014/main" id="{8498C84C-3059-4F2E-8CB0-5053686F39C1}"/>
               </a:ext>
             </a:extLst>
           </p:cNvPr>
@@ -25652,7 +25668,7 @@
           <p:cNvPr id="9" name="Rectangle 8">
             <a:extLst>
               <a:ext uri="{FF2B5EF4-FFF2-40B4-BE49-F238E27FC236}">
-                <a16:creationId xmlns:a16="http://schemas.microsoft.com/office/drawing/2014/main" xmlns="" id="{792A0054-799F-420D-8E07-B5894D444E00}"/>
+                <a16:creationId xmlns:a16="http://schemas.microsoft.com/office/drawing/2014/main" id="{792A0054-799F-420D-8E07-B5894D444E00}"/>
               </a:ext>
             </a:extLst>
           </p:cNvPr>
@@ -25707,7 +25723,7 @@
           <p:cNvPr id="22" name="Rectangle 21">
             <a:extLst>
               <a:ext uri="{FF2B5EF4-FFF2-40B4-BE49-F238E27FC236}">
-                <a16:creationId xmlns:a16="http://schemas.microsoft.com/office/drawing/2014/main" xmlns="" id="{E5F496BB-66AE-4CEB-A093-BC16826E305F}"/>
+                <a16:creationId xmlns:a16="http://schemas.microsoft.com/office/drawing/2014/main" id="{E5F496BB-66AE-4CEB-A093-BC16826E305F}"/>
               </a:ext>
             </a:extLst>
           </p:cNvPr>
@@ -25859,7 +25875,7 @@
             </a:hlinkClick>
             <a:extLst>
               <a:ext uri="{FF2B5EF4-FFF2-40B4-BE49-F238E27FC236}">
-                <a16:creationId xmlns:a16="http://schemas.microsoft.com/office/drawing/2014/main" xmlns="" id="{79455E14-8E30-4144-B3CB-B937C041A050}"/>
+                <a16:creationId xmlns:a16="http://schemas.microsoft.com/office/drawing/2014/main" id="{79455E14-8E30-4144-B3CB-B937C041A050}"/>
               </a:ext>
             </a:extLst>
           </p:cNvPr>
@@ -25912,7 +25928,7 @@
             </a:hlinkClick>
             <a:extLst>
               <a:ext uri="{FF2B5EF4-FFF2-40B4-BE49-F238E27FC236}">
-                <a16:creationId xmlns:a16="http://schemas.microsoft.com/office/drawing/2014/main" xmlns="" id="{2F24E391-4BA0-4975-9715-7F4DE417BB9E}"/>
+                <a16:creationId xmlns:a16="http://schemas.microsoft.com/office/drawing/2014/main" id="{2F24E391-4BA0-4975-9715-7F4DE417BB9E}"/>
               </a:ext>
             </a:extLst>
           </p:cNvPr>
@@ -26495,7 +26511,7 @@
             </a:hlinkClick>
             <a:extLst>
               <a:ext uri="{FF2B5EF4-FFF2-40B4-BE49-F238E27FC236}">
-                <a16:creationId xmlns:a16="http://schemas.microsoft.com/office/drawing/2014/main" xmlns="" id="{B3CF360F-A609-49A2-87C2-B3BE00860A0E}"/>
+                <a16:creationId xmlns:a16="http://schemas.microsoft.com/office/drawing/2014/main" id="{B3CF360F-A609-49A2-87C2-B3BE00860A0E}"/>
               </a:ext>
             </a:extLst>
           </p:cNvPr>
@@ -26548,7 +26564,7 @@
             </a:hlinkClick>
             <a:extLst>
               <a:ext uri="{FF2B5EF4-FFF2-40B4-BE49-F238E27FC236}">
-                <a16:creationId xmlns:a16="http://schemas.microsoft.com/office/drawing/2014/main" xmlns="" id="{61CED129-D60E-47C1-9A94-717079205673}"/>
+                <a16:creationId xmlns:a16="http://schemas.microsoft.com/office/drawing/2014/main" id="{61CED129-D60E-47C1-9A94-717079205673}"/>
               </a:ext>
             </a:extLst>
           </p:cNvPr>
@@ -26601,7 +26617,7 @@
             </a:hlinkClick>
             <a:extLst>
               <a:ext uri="{FF2B5EF4-FFF2-40B4-BE49-F238E27FC236}">
-                <a16:creationId xmlns:a16="http://schemas.microsoft.com/office/drawing/2014/main" xmlns="" id="{413FEA9C-3162-481C-92BA-06D9ED36E7B8}"/>
+                <a16:creationId xmlns:a16="http://schemas.microsoft.com/office/drawing/2014/main" id="{413FEA9C-3162-481C-92BA-06D9ED36E7B8}"/>
               </a:ext>
             </a:extLst>
           </p:cNvPr>
@@ -26654,7 +26670,7 @@
             </a:hlinkClick>
             <a:extLst>
               <a:ext uri="{FF2B5EF4-FFF2-40B4-BE49-F238E27FC236}">
-                <a16:creationId xmlns:a16="http://schemas.microsoft.com/office/drawing/2014/main" xmlns="" id="{F94E281F-7AC6-40DE-865A-6AA06DAA6D41}"/>
+                <a16:creationId xmlns:a16="http://schemas.microsoft.com/office/drawing/2014/main" id="{F94E281F-7AC6-40DE-865A-6AA06DAA6D41}"/>
               </a:ext>
             </a:extLst>
           </p:cNvPr>
@@ -26707,7 +26723,7 @@
             </a:hlinkClick>
             <a:extLst>
               <a:ext uri="{FF2B5EF4-FFF2-40B4-BE49-F238E27FC236}">
-                <a16:creationId xmlns:a16="http://schemas.microsoft.com/office/drawing/2014/main" xmlns="" id="{BA74CBE2-6BBF-4884-8B04-26B82A8AC1B0}"/>
+                <a16:creationId xmlns:a16="http://schemas.microsoft.com/office/drawing/2014/main" id="{BA74CBE2-6BBF-4884-8B04-26B82A8AC1B0}"/>
               </a:ext>
             </a:extLst>
           </p:cNvPr>
@@ -27611,7 +27627,7 @@
             </a:hlinkClick>
             <a:extLst>
               <a:ext uri="{FF2B5EF4-FFF2-40B4-BE49-F238E27FC236}">
-                <a16:creationId xmlns:a16="http://schemas.microsoft.com/office/drawing/2014/main" xmlns="" id="{DFC4B1F2-9E47-450D-ACBC-9E721A8B3EA4}"/>
+                <a16:creationId xmlns:a16="http://schemas.microsoft.com/office/drawing/2014/main" id="{DFC4B1F2-9E47-450D-ACBC-9E721A8B3EA4}"/>
               </a:ext>
             </a:extLst>
           </p:cNvPr>
@@ -27664,7 +27680,7 @@
             </a:hlinkClick>
             <a:extLst>
               <a:ext uri="{FF2B5EF4-FFF2-40B4-BE49-F238E27FC236}">
-                <a16:creationId xmlns:a16="http://schemas.microsoft.com/office/drawing/2014/main" xmlns="" id="{83D68B8B-6B0C-482A-B969-7858BB4F609F}"/>
+                <a16:creationId xmlns:a16="http://schemas.microsoft.com/office/drawing/2014/main" id="{83D68B8B-6B0C-482A-B969-7858BB4F609F}"/>
               </a:ext>
             </a:extLst>
           </p:cNvPr>
@@ -28522,7 +28538,7 @@
             </a:hlinkClick>
             <a:extLst>
               <a:ext uri="{FF2B5EF4-FFF2-40B4-BE49-F238E27FC236}">
-                <a16:creationId xmlns:a16="http://schemas.microsoft.com/office/drawing/2014/main" xmlns="" id="{DFC4B1F2-9E47-450D-ACBC-9E721A8B3EA4}"/>
+                <a16:creationId xmlns:a16="http://schemas.microsoft.com/office/drawing/2014/main" id="{DFC4B1F2-9E47-450D-ACBC-9E721A8B3EA4}"/>
               </a:ext>
             </a:extLst>
           </p:cNvPr>
@@ -28575,7 +28591,7 @@
             </a:hlinkClick>
             <a:extLst>
               <a:ext uri="{FF2B5EF4-FFF2-40B4-BE49-F238E27FC236}">
-                <a16:creationId xmlns:a16="http://schemas.microsoft.com/office/drawing/2014/main" xmlns="" id="{83D68B8B-6B0C-482A-B969-7858BB4F609F}"/>
+                <a16:creationId xmlns:a16="http://schemas.microsoft.com/office/drawing/2014/main" id="{83D68B8B-6B0C-482A-B969-7858BB4F609F}"/>
               </a:ext>
             </a:extLst>
           </p:cNvPr>
@@ -28625,7 +28641,7 @@
           <p:cNvPr id="25" name="Picture 3" descr="C:\Users\Sam\OneDrive\Documents\Heriot Watt\Advanced Interaction design\courswork a\storyboard\Pill_page\pill_1.png">
             <a:extLst>
               <a:ext uri="{FF2B5EF4-FFF2-40B4-BE49-F238E27FC236}">
-                <a16:creationId xmlns:a16="http://schemas.microsoft.com/office/drawing/2014/main" xmlns="" id="{F9C4B7FC-B0CE-46AD-82EA-D1CFF8B4B09D}"/>
+                <a16:creationId xmlns:a16="http://schemas.microsoft.com/office/drawing/2014/main" id="{F9C4B7FC-B0CE-46AD-82EA-D1CFF8B4B09D}"/>
               </a:ext>
             </a:extLst>
           </p:cNvPr>
@@ -29478,7 +29494,7 @@
             </a:hlinkClick>
             <a:extLst>
               <a:ext uri="{FF2B5EF4-FFF2-40B4-BE49-F238E27FC236}">
-                <a16:creationId xmlns:a16="http://schemas.microsoft.com/office/drawing/2014/main" xmlns="" id="{DFC4B1F2-9E47-450D-ACBC-9E721A8B3EA4}"/>
+                <a16:creationId xmlns:a16="http://schemas.microsoft.com/office/drawing/2014/main" id="{DFC4B1F2-9E47-450D-ACBC-9E721A8B3EA4}"/>
               </a:ext>
             </a:extLst>
           </p:cNvPr>
@@ -29531,7 +29547,7 @@
             </a:hlinkClick>
             <a:extLst>
               <a:ext uri="{FF2B5EF4-FFF2-40B4-BE49-F238E27FC236}">
-                <a16:creationId xmlns:a16="http://schemas.microsoft.com/office/drawing/2014/main" xmlns="" id="{83D68B8B-6B0C-482A-B969-7858BB4F609F}"/>
+                <a16:creationId xmlns:a16="http://schemas.microsoft.com/office/drawing/2014/main" id="{83D68B8B-6B0C-482A-B969-7858BB4F609F}"/>
               </a:ext>
             </a:extLst>
           </p:cNvPr>
@@ -29581,7 +29597,7 @@
           <p:cNvPr id="25" name="Picture 4" descr="C:\Users\Sam\OneDrive\Documents\Heriot Watt\Advanced Interaction design\courswork a\storyboard\Pill_page\pill_2.png">
             <a:extLst>
               <a:ext uri="{FF2B5EF4-FFF2-40B4-BE49-F238E27FC236}">
-                <a16:creationId xmlns:a16="http://schemas.microsoft.com/office/drawing/2014/main" xmlns="" id="{B347D0B0-F7E2-41AF-84D8-02E6E10677E0}"/>
+                <a16:creationId xmlns:a16="http://schemas.microsoft.com/office/drawing/2014/main" id="{B347D0B0-F7E2-41AF-84D8-02E6E10677E0}"/>
               </a:ext>
             </a:extLst>
           </p:cNvPr>
@@ -30354,7 +30370,7 @@
             </a:hlinkClick>
             <a:extLst>
               <a:ext uri="{FF2B5EF4-FFF2-40B4-BE49-F238E27FC236}">
-                <a16:creationId xmlns:a16="http://schemas.microsoft.com/office/drawing/2014/main" xmlns="" id="{86A4F21F-1E2C-43FB-8E48-EF23921D9165}"/>
+                <a16:creationId xmlns:a16="http://schemas.microsoft.com/office/drawing/2014/main" id="{86A4F21F-1E2C-43FB-8E48-EF23921D9165}"/>
               </a:ext>
             </a:extLst>
           </p:cNvPr>
@@ -30404,7 +30420,7 @@
           <p:cNvPr id="22" name="Picture 21">
             <a:extLst>
               <a:ext uri="{FF2B5EF4-FFF2-40B4-BE49-F238E27FC236}">
-                <a16:creationId xmlns:a16="http://schemas.microsoft.com/office/drawing/2014/main" xmlns="" id="{34992A89-40F2-4229-BDDF-83588E400EED}"/>
+                <a16:creationId xmlns:a16="http://schemas.microsoft.com/office/drawing/2014/main" id="{34992A89-40F2-4229-BDDF-83588E400EED}"/>
               </a:ext>
             </a:extLst>
           </p:cNvPr>
@@ -30440,7 +30456,7 @@
           <p:cNvPr id="25" name="Picture 24">
             <a:extLst>
               <a:ext uri="{FF2B5EF4-FFF2-40B4-BE49-F238E27FC236}">
-                <a16:creationId xmlns:a16="http://schemas.microsoft.com/office/drawing/2014/main" xmlns="" id="{6D8C9C8B-95E2-405C-BF37-3DCD4805C2F8}"/>
+                <a16:creationId xmlns:a16="http://schemas.microsoft.com/office/drawing/2014/main" id="{6D8C9C8B-95E2-405C-BF37-3DCD4805C2F8}"/>
               </a:ext>
             </a:extLst>
           </p:cNvPr>
@@ -30479,7 +30495,7 @@
             </a:hlinkClick>
             <a:extLst>
               <a:ext uri="{FF2B5EF4-FFF2-40B4-BE49-F238E27FC236}">
-                <a16:creationId xmlns:a16="http://schemas.microsoft.com/office/drawing/2014/main" xmlns="" id="{972C10E7-4F98-438F-BF6E-AE7E03617402}"/>
+                <a16:creationId xmlns:a16="http://schemas.microsoft.com/office/drawing/2014/main" id="{972C10E7-4F98-438F-BF6E-AE7E03617402}"/>
               </a:ext>
             </a:extLst>
           </p:cNvPr>
@@ -30488,7 +30504,7 @@
         </p:nvSpPr>
         <p:spPr>
           <a:xfrm>
-            <a:off x="240717" y="898457"/>
+            <a:off x="217292" y="904110"/>
             <a:ext cx="1033081" cy="1066019"/>
           </a:xfrm>
           <a:prstGeom prst="actionButtonBlank">
@@ -30532,7 +30548,7 @@
             </a:hlinkClick>
             <a:extLst>
               <a:ext uri="{FF2B5EF4-FFF2-40B4-BE49-F238E27FC236}">
-                <a16:creationId xmlns:a16="http://schemas.microsoft.com/office/drawing/2014/main" xmlns="" id="{09D3EB13-2CF4-44A2-9D4F-7E72BAA34415}"/>
+                <a16:creationId xmlns:a16="http://schemas.microsoft.com/office/drawing/2014/main" id="{09D3EB13-2CF4-44A2-9D4F-7E72BAA34415}"/>
               </a:ext>
             </a:extLst>
           </p:cNvPr>
@@ -30541,7 +30557,7 @@
         </p:nvSpPr>
         <p:spPr>
           <a:xfrm>
-            <a:off x="1322679" y="890206"/>
+            <a:off x="1303957" y="2051460"/>
             <a:ext cx="1033081" cy="1066019"/>
           </a:xfrm>
           <a:prstGeom prst="actionButtonBlank">
@@ -30585,7 +30601,7 @@
             </a:hlinkClick>
             <a:extLst>
               <a:ext uri="{FF2B5EF4-FFF2-40B4-BE49-F238E27FC236}">
-                <a16:creationId xmlns:a16="http://schemas.microsoft.com/office/drawing/2014/main" xmlns="" id="{9D00AFD6-43A6-429A-9C96-DDF2EE2B2A6E}"/>
+                <a16:creationId xmlns:a16="http://schemas.microsoft.com/office/drawing/2014/main" id="{9D00AFD6-43A6-429A-9C96-DDF2EE2B2A6E}"/>
               </a:ext>
             </a:extLst>
           </p:cNvPr>
@@ -31286,7 +31302,7 @@
             </a:hlinkClick>
             <a:extLst>
               <a:ext uri="{FF2B5EF4-FFF2-40B4-BE49-F238E27FC236}">
-                <a16:creationId xmlns:a16="http://schemas.microsoft.com/office/drawing/2014/main" xmlns="" id="{9F2D152D-B26A-4547-AC03-84C55886A7BC}"/>
+                <a16:creationId xmlns:a16="http://schemas.microsoft.com/office/drawing/2014/main" id="{9F2D152D-B26A-4547-AC03-84C55886A7BC}"/>
               </a:ext>
             </a:extLst>
           </p:cNvPr>
@@ -31339,7 +31355,7 @@
             </a:hlinkClick>
             <a:extLst>
               <a:ext uri="{FF2B5EF4-FFF2-40B4-BE49-F238E27FC236}">
-                <a16:creationId xmlns:a16="http://schemas.microsoft.com/office/drawing/2014/main" xmlns="" id="{CB0AD973-845B-4A00-938C-1DF76F1F92A0}"/>
+                <a16:creationId xmlns:a16="http://schemas.microsoft.com/office/drawing/2014/main" id="{CB0AD973-845B-4A00-938C-1DF76F1F92A0}"/>
               </a:ext>
             </a:extLst>
           </p:cNvPr>
@@ -31795,7 +31811,7 @@
             </a:hlinkClick>
             <a:extLst>
               <a:ext uri="{FF2B5EF4-FFF2-40B4-BE49-F238E27FC236}">
-                <a16:creationId xmlns:a16="http://schemas.microsoft.com/office/drawing/2014/main" xmlns="" id="{B3CF360F-A609-49A2-87C2-B3BE00860A0E}"/>
+                <a16:creationId xmlns:a16="http://schemas.microsoft.com/office/drawing/2014/main" id="{B3CF360F-A609-49A2-87C2-B3BE00860A0E}"/>
               </a:ext>
             </a:extLst>
           </p:cNvPr>
@@ -31848,7 +31864,7 @@
             </a:hlinkClick>
             <a:extLst>
               <a:ext uri="{FF2B5EF4-FFF2-40B4-BE49-F238E27FC236}">
-                <a16:creationId xmlns:a16="http://schemas.microsoft.com/office/drawing/2014/main" xmlns="" id="{61CED129-D60E-47C1-9A94-717079205673}"/>
+                <a16:creationId xmlns:a16="http://schemas.microsoft.com/office/drawing/2014/main" id="{61CED129-D60E-47C1-9A94-717079205673}"/>
               </a:ext>
             </a:extLst>
           </p:cNvPr>
@@ -31901,7 +31917,7 @@
             </a:hlinkClick>
             <a:extLst>
               <a:ext uri="{FF2B5EF4-FFF2-40B4-BE49-F238E27FC236}">
-                <a16:creationId xmlns:a16="http://schemas.microsoft.com/office/drawing/2014/main" xmlns="" id="{413FEA9C-3162-481C-92BA-06D9ED36E7B8}"/>
+                <a16:creationId xmlns:a16="http://schemas.microsoft.com/office/drawing/2014/main" id="{413FEA9C-3162-481C-92BA-06D9ED36E7B8}"/>
               </a:ext>
             </a:extLst>
           </p:cNvPr>
@@ -31954,7 +31970,7 @@
             </a:hlinkClick>
             <a:extLst>
               <a:ext uri="{FF2B5EF4-FFF2-40B4-BE49-F238E27FC236}">
-                <a16:creationId xmlns:a16="http://schemas.microsoft.com/office/drawing/2014/main" xmlns="" id="{F94E281F-7AC6-40DE-865A-6AA06DAA6D41}"/>
+                <a16:creationId xmlns:a16="http://schemas.microsoft.com/office/drawing/2014/main" id="{F94E281F-7AC6-40DE-865A-6AA06DAA6D41}"/>
               </a:ext>
             </a:extLst>
           </p:cNvPr>
@@ -32007,7 +32023,7 @@
             </a:hlinkClick>
             <a:extLst>
               <a:ext uri="{FF2B5EF4-FFF2-40B4-BE49-F238E27FC236}">
-                <a16:creationId xmlns:a16="http://schemas.microsoft.com/office/drawing/2014/main" xmlns="" id="{BA74CBE2-6BBF-4884-8B04-26B82A8AC1B0}"/>
+                <a16:creationId xmlns:a16="http://schemas.microsoft.com/office/drawing/2014/main" id="{BA74CBE2-6BBF-4884-8B04-26B82A8AC1B0}"/>
               </a:ext>
             </a:extLst>
           </p:cNvPr>
@@ -32559,7 +32575,7 @@
             </a:hlinkClick>
             <a:extLst>
               <a:ext uri="{FF2B5EF4-FFF2-40B4-BE49-F238E27FC236}">
-                <a16:creationId xmlns:a16="http://schemas.microsoft.com/office/drawing/2014/main" xmlns="" id="{45D1980A-E335-402A-B904-08F9451E97D5}"/>
+                <a16:creationId xmlns:a16="http://schemas.microsoft.com/office/drawing/2014/main" id="{45D1980A-E335-402A-B904-08F9451E97D5}"/>
               </a:ext>
             </a:extLst>
           </p:cNvPr>
@@ -32609,7 +32625,7 @@
           <p:cNvPr id="3" name="Group 2">
             <a:extLst>
               <a:ext uri="{FF2B5EF4-FFF2-40B4-BE49-F238E27FC236}">
-                <a16:creationId xmlns:a16="http://schemas.microsoft.com/office/drawing/2014/main" xmlns="" id="{65697F9B-BA33-459B-9830-6E76C082019B}"/>
+                <a16:creationId xmlns:a16="http://schemas.microsoft.com/office/drawing/2014/main" id="{65697F9B-BA33-459B-9830-6E76C082019B}"/>
               </a:ext>
             </a:extLst>
           </p:cNvPr>
@@ -33410,7 +33426,7 @@
               </a:hlinkClick>
               <a:extLst>
                 <a:ext uri="{FF2B5EF4-FFF2-40B4-BE49-F238E27FC236}">
-                  <a16:creationId xmlns:a16="http://schemas.microsoft.com/office/drawing/2014/main" xmlns="" id="{34195E87-30B1-46ED-A1B8-CE2E21EC8304}"/>
+                  <a16:creationId xmlns:a16="http://schemas.microsoft.com/office/drawing/2014/main" id="{34195E87-30B1-46ED-A1B8-CE2E21EC8304}"/>
                 </a:ext>
               </a:extLst>
             </p:cNvPr>
@@ -33463,7 +33479,7 @@
               </a:hlinkClick>
               <a:extLst>
                 <a:ext uri="{FF2B5EF4-FFF2-40B4-BE49-F238E27FC236}">
-                  <a16:creationId xmlns:a16="http://schemas.microsoft.com/office/drawing/2014/main" xmlns="" id="{7BC4D1B2-89FA-4D74-B707-D570055EF199}"/>
+                  <a16:creationId xmlns:a16="http://schemas.microsoft.com/office/drawing/2014/main" id="{7BC4D1B2-89FA-4D74-B707-D570055EF199}"/>
                 </a:ext>
               </a:extLst>
             </p:cNvPr>
@@ -33516,7 +33532,7 @@
               </a:hlinkClick>
               <a:extLst>
                 <a:ext uri="{FF2B5EF4-FFF2-40B4-BE49-F238E27FC236}">
-                  <a16:creationId xmlns:a16="http://schemas.microsoft.com/office/drawing/2014/main" xmlns="" id="{806AC169-FFE4-4FA4-A831-AF6A831F3A73}"/>
+                  <a16:creationId xmlns:a16="http://schemas.microsoft.com/office/drawing/2014/main" id="{806AC169-FFE4-4FA4-A831-AF6A831F3A73}"/>
                 </a:ext>
               </a:extLst>
             </p:cNvPr>
@@ -33569,7 +33585,7 @@
               </a:hlinkClick>
               <a:extLst>
                 <a:ext uri="{FF2B5EF4-FFF2-40B4-BE49-F238E27FC236}">
-                  <a16:creationId xmlns:a16="http://schemas.microsoft.com/office/drawing/2014/main" xmlns="" id="{B1694BAB-5427-4C03-98D0-D9C23ACED08B}"/>
+                  <a16:creationId xmlns:a16="http://schemas.microsoft.com/office/drawing/2014/main" id="{B1694BAB-5427-4C03-98D0-D9C23ACED08B}"/>
                 </a:ext>
               </a:extLst>
             </p:cNvPr>
@@ -33623,7 +33639,7 @@
             </a:hlinkClick>
             <a:extLst>
               <a:ext uri="{FF2B5EF4-FFF2-40B4-BE49-F238E27FC236}">
-                <a16:creationId xmlns:a16="http://schemas.microsoft.com/office/drawing/2014/main" xmlns="" id="{475B1B93-7323-4B81-9B3E-A373D4C947E4}"/>
+                <a16:creationId xmlns:a16="http://schemas.microsoft.com/office/drawing/2014/main" id="{475B1B93-7323-4B81-9B3E-A373D4C947E4}"/>
               </a:ext>
             </a:extLst>
           </p:cNvPr>
@@ -33737,7 +33753,7 @@
           <p:cNvPr id="47" name="Picture 6">
             <a:extLst>
               <a:ext uri="{FF2B5EF4-FFF2-40B4-BE49-F238E27FC236}">
-                <a16:creationId xmlns:a16="http://schemas.microsoft.com/office/drawing/2014/main" xmlns="" id="{B53AA50D-86EC-4B6C-91D2-D23884FE965F}"/>
+                <a16:creationId xmlns:a16="http://schemas.microsoft.com/office/drawing/2014/main" id="{B53AA50D-86EC-4B6C-91D2-D23884FE965F}"/>
               </a:ext>
             </a:extLst>
           </p:cNvPr>
@@ -36296,7 +36312,7 @@
             </a:hlinkClick>
             <a:extLst>
               <a:ext uri="{FF2B5EF4-FFF2-40B4-BE49-F238E27FC236}">
-                <a16:creationId xmlns:a16="http://schemas.microsoft.com/office/drawing/2014/main" xmlns="" id="{879453EB-7551-4B07-A89B-9838D8BEB326}"/>
+                <a16:creationId xmlns:a16="http://schemas.microsoft.com/office/drawing/2014/main" id="{879453EB-7551-4B07-A89B-9838D8BEB326}"/>
               </a:ext>
             </a:extLst>
           </p:cNvPr>
@@ -36349,7 +36365,7 @@
             </a:hlinkClick>
             <a:extLst>
               <a:ext uri="{FF2B5EF4-FFF2-40B4-BE49-F238E27FC236}">
-                <a16:creationId xmlns:a16="http://schemas.microsoft.com/office/drawing/2014/main" xmlns="" id="{E2F56528-1ED9-4E90-9E72-B64C600A74EF}"/>
+                <a16:creationId xmlns:a16="http://schemas.microsoft.com/office/drawing/2014/main" id="{E2F56528-1ED9-4E90-9E72-B64C600A74EF}"/>
               </a:ext>
             </a:extLst>
           </p:cNvPr>
@@ -36402,7 +36418,7 @@
             </a:hlinkClick>
             <a:extLst>
               <a:ext uri="{FF2B5EF4-FFF2-40B4-BE49-F238E27FC236}">
-                <a16:creationId xmlns:a16="http://schemas.microsoft.com/office/drawing/2014/main" xmlns="" id="{E623E239-C0EB-416B-A7B3-0D9BBBB245E3}"/>
+                <a16:creationId xmlns:a16="http://schemas.microsoft.com/office/drawing/2014/main" id="{E623E239-C0EB-416B-A7B3-0D9BBBB245E3}"/>
               </a:ext>
             </a:extLst>
           </p:cNvPr>
@@ -36455,7 +36471,7 @@
             </a:hlinkClick>
             <a:extLst>
               <a:ext uri="{FF2B5EF4-FFF2-40B4-BE49-F238E27FC236}">
-                <a16:creationId xmlns:a16="http://schemas.microsoft.com/office/drawing/2014/main" xmlns="" id="{F0D4854F-D2B7-4FE7-A2E7-67FD17C3C43A}"/>
+                <a16:creationId xmlns:a16="http://schemas.microsoft.com/office/drawing/2014/main" id="{F0D4854F-D2B7-4FE7-A2E7-67FD17C3C43A}"/>
               </a:ext>
             </a:extLst>
           </p:cNvPr>
@@ -36508,7 +36524,7 @@
             </a:hlinkClick>
             <a:extLst>
               <a:ext uri="{FF2B5EF4-FFF2-40B4-BE49-F238E27FC236}">
-                <a16:creationId xmlns:a16="http://schemas.microsoft.com/office/drawing/2014/main" xmlns="" id="{895437F7-3E67-4564-B29F-C964C27741D7}"/>
+                <a16:creationId xmlns:a16="http://schemas.microsoft.com/office/drawing/2014/main" id="{895437F7-3E67-4564-B29F-C964C27741D7}"/>
               </a:ext>
             </a:extLst>
           </p:cNvPr>
@@ -36561,7 +36577,7 @@
             </a:hlinkClick>
             <a:extLst>
               <a:ext uri="{FF2B5EF4-FFF2-40B4-BE49-F238E27FC236}">
-                <a16:creationId xmlns:a16="http://schemas.microsoft.com/office/drawing/2014/main" xmlns="" id="{104C8416-6384-4228-A7BD-4B52CE3EAF83}"/>
+                <a16:creationId xmlns:a16="http://schemas.microsoft.com/office/drawing/2014/main" id="{104C8416-6384-4228-A7BD-4B52CE3EAF83}"/>
               </a:ext>
             </a:extLst>
           </p:cNvPr>
@@ -38906,7 +38922,7 @@
             </a:hlinkClick>
             <a:extLst>
               <a:ext uri="{FF2B5EF4-FFF2-40B4-BE49-F238E27FC236}">
-                <a16:creationId xmlns:a16="http://schemas.microsoft.com/office/drawing/2014/main" xmlns="" id="{879453EB-7551-4B07-A89B-9838D8BEB326}"/>
+                <a16:creationId xmlns:a16="http://schemas.microsoft.com/office/drawing/2014/main" id="{879453EB-7551-4B07-A89B-9838D8BEB326}"/>
               </a:ext>
             </a:extLst>
           </p:cNvPr>
@@ -38959,7 +38975,7 @@
             </a:hlinkClick>
             <a:extLst>
               <a:ext uri="{FF2B5EF4-FFF2-40B4-BE49-F238E27FC236}">
-                <a16:creationId xmlns:a16="http://schemas.microsoft.com/office/drawing/2014/main" xmlns="" id="{E2F56528-1ED9-4E90-9E72-B64C600A74EF}"/>
+                <a16:creationId xmlns:a16="http://schemas.microsoft.com/office/drawing/2014/main" id="{E2F56528-1ED9-4E90-9E72-B64C600A74EF}"/>
               </a:ext>
             </a:extLst>
           </p:cNvPr>
@@ -39012,7 +39028,7 @@
             </a:hlinkClick>
             <a:extLst>
               <a:ext uri="{FF2B5EF4-FFF2-40B4-BE49-F238E27FC236}">
-                <a16:creationId xmlns:a16="http://schemas.microsoft.com/office/drawing/2014/main" xmlns="" id="{E623E239-C0EB-416B-A7B3-0D9BBBB245E3}"/>
+                <a16:creationId xmlns:a16="http://schemas.microsoft.com/office/drawing/2014/main" id="{E623E239-C0EB-416B-A7B3-0D9BBBB245E3}"/>
               </a:ext>
             </a:extLst>
           </p:cNvPr>
@@ -39065,7 +39081,7 @@
             </a:hlinkClick>
             <a:extLst>
               <a:ext uri="{FF2B5EF4-FFF2-40B4-BE49-F238E27FC236}">
-                <a16:creationId xmlns:a16="http://schemas.microsoft.com/office/drawing/2014/main" xmlns="" id="{F0D4854F-D2B7-4FE7-A2E7-67FD17C3C43A}"/>
+                <a16:creationId xmlns:a16="http://schemas.microsoft.com/office/drawing/2014/main" id="{F0D4854F-D2B7-4FE7-A2E7-67FD17C3C43A}"/>
               </a:ext>
             </a:extLst>
           </p:cNvPr>
@@ -39118,7 +39134,7 @@
             </a:hlinkClick>
             <a:extLst>
               <a:ext uri="{FF2B5EF4-FFF2-40B4-BE49-F238E27FC236}">
-                <a16:creationId xmlns:a16="http://schemas.microsoft.com/office/drawing/2014/main" xmlns="" id="{895437F7-3E67-4564-B29F-C964C27741D7}"/>
+                <a16:creationId xmlns:a16="http://schemas.microsoft.com/office/drawing/2014/main" id="{895437F7-3E67-4564-B29F-C964C27741D7}"/>
               </a:ext>
             </a:extLst>
           </p:cNvPr>
@@ -39171,7 +39187,7 @@
             </a:hlinkClick>
             <a:extLst>
               <a:ext uri="{FF2B5EF4-FFF2-40B4-BE49-F238E27FC236}">
-                <a16:creationId xmlns:a16="http://schemas.microsoft.com/office/drawing/2014/main" xmlns="" id="{C912B329-6AFE-491C-ADD6-485A218ED20A}"/>
+                <a16:creationId xmlns:a16="http://schemas.microsoft.com/office/drawing/2014/main" id="{C912B329-6AFE-491C-ADD6-485A218ED20A}"/>
               </a:ext>
             </a:extLst>
           </p:cNvPr>
@@ -39221,7 +39237,7 @@
           <p:cNvPr id="107" name="Group 106">
             <a:extLst>
               <a:ext uri="{FF2B5EF4-FFF2-40B4-BE49-F238E27FC236}">
-                <a16:creationId xmlns:a16="http://schemas.microsoft.com/office/drawing/2014/main" xmlns="" id="{E74400F0-CBA5-4EBC-B75F-F02FCD022A05}"/>
+                <a16:creationId xmlns:a16="http://schemas.microsoft.com/office/drawing/2014/main" id="{E74400F0-CBA5-4EBC-B75F-F02FCD022A05}"/>
               </a:ext>
             </a:extLst>
           </p:cNvPr>
@@ -39241,7 +39257,7 @@
             <p:cNvPr id="108" name="Picture 2" descr="C:\Users\Sam\OneDrive\Documents\Heriot Watt\Advanced Interaction design\courswork a\storyboard\Pill_page\button.png">
               <a:extLst>
                 <a:ext uri="{FF2B5EF4-FFF2-40B4-BE49-F238E27FC236}">
-                  <a16:creationId xmlns:a16="http://schemas.microsoft.com/office/drawing/2014/main" xmlns="" id="{F6ECF7ED-12C0-4D4F-A892-65CD89E65684}"/>
+                  <a16:creationId xmlns:a16="http://schemas.microsoft.com/office/drawing/2014/main" id="{F6ECF7ED-12C0-4D4F-A892-65CD89E65684}"/>
                 </a:ext>
               </a:extLst>
             </p:cNvPr>
@@ -39297,7 +39313,7 @@
             <p:cNvPr id="109" name="Picture 2">
               <a:extLst>
                 <a:ext uri="{FF2B5EF4-FFF2-40B4-BE49-F238E27FC236}">
-                  <a16:creationId xmlns:a16="http://schemas.microsoft.com/office/drawing/2014/main" xmlns="" id="{BF3EC4F7-21D1-41EA-A5D2-F66F756FB5E7}"/>
+                  <a16:creationId xmlns:a16="http://schemas.microsoft.com/office/drawing/2014/main" id="{BF3EC4F7-21D1-41EA-A5D2-F66F756FB5E7}"/>
                 </a:ext>
               </a:extLst>
             </p:cNvPr>
@@ -39343,7 +39359,7 @@
             <p:cNvPr id="110" name="TextBox 109">
               <a:extLst>
                 <a:ext uri="{FF2B5EF4-FFF2-40B4-BE49-F238E27FC236}">
-                  <a16:creationId xmlns:a16="http://schemas.microsoft.com/office/drawing/2014/main" xmlns="" id="{7953EE78-AFDC-4F26-95B7-E64FCAC2C76F}"/>
+                  <a16:creationId xmlns:a16="http://schemas.microsoft.com/office/drawing/2014/main" id="{7953EE78-AFDC-4F26-95B7-E64FCAC2C76F}"/>
                 </a:ext>
               </a:extLst>
             </p:cNvPr>
@@ -39384,7 +39400,7 @@
             <p:cNvPr id="112" name="TextBox 111">
               <a:extLst>
                 <a:ext uri="{FF2B5EF4-FFF2-40B4-BE49-F238E27FC236}">
-                  <a16:creationId xmlns:a16="http://schemas.microsoft.com/office/drawing/2014/main" xmlns="" id="{2090ADCD-BFE7-481E-965F-2EA25CAFE311}"/>
+                  <a16:creationId xmlns:a16="http://schemas.microsoft.com/office/drawing/2014/main" id="{2090ADCD-BFE7-481E-965F-2EA25CAFE311}"/>
                 </a:ext>
               </a:extLst>
             </p:cNvPr>
@@ -39423,7 +39439,7 @@
             </a:hlinkClick>
             <a:extLst>
               <a:ext uri="{FF2B5EF4-FFF2-40B4-BE49-F238E27FC236}">
-                <a16:creationId xmlns:a16="http://schemas.microsoft.com/office/drawing/2014/main" xmlns="" id="{04F50EB0-C98E-41C4-89A2-8EAD59778A51}"/>
+                <a16:creationId xmlns:a16="http://schemas.microsoft.com/office/drawing/2014/main" id="{04F50EB0-C98E-41C4-89A2-8EAD59778A51}"/>
               </a:ext>
             </a:extLst>
           </p:cNvPr>
@@ -40375,6 +40391,11 @@
           <a:prstGeom prst="ellipse">
             <a:avLst/>
           </a:prstGeom>
+          <a:solidFill>
+            <a:schemeClr val="accent3">
+              <a:lumMod val="75000"/>
+            </a:schemeClr>
+          </a:solidFill>
           <a:ln>
             <a:noFill/>
           </a:ln>
@@ -40418,6 +40439,11 @@
           <a:prstGeom prst="ellipse">
             <a:avLst/>
           </a:prstGeom>
+          <a:solidFill>
+            <a:schemeClr val="accent3">
+              <a:lumMod val="75000"/>
+            </a:schemeClr>
+          </a:solidFill>
           <a:ln>
             <a:noFill/>
           </a:ln>
@@ -40547,6 +40573,11 @@
           <a:prstGeom prst="ellipse">
             <a:avLst/>
           </a:prstGeom>
+          <a:solidFill>
+            <a:schemeClr val="accent3">
+              <a:lumMod val="75000"/>
+            </a:schemeClr>
+          </a:solidFill>
           <a:ln>
             <a:noFill/>
           </a:ln>
@@ -40590,6 +40621,11 @@
           <a:prstGeom prst="ellipse">
             <a:avLst/>
           </a:prstGeom>
+          <a:solidFill>
+            <a:schemeClr val="accent3">
+              <a:lumMod val="75000"/>
+            </a:schemeClr>
+          </a:solidFill>
           <a:ln>
             <a:noFill/>
           </a:ln>
@@ -40633,6 +40669,11 @@
           <a:prstGeom prst="ellipse">
             <a:avLst/>
           </a:prstGeom>
+          <a:solidFill>
+            <a:schemeClr val="accent3">
+              <a:lumMod val="75000"/>
+            </a:schemeClr>
+          </a:solidFill>
           <a:ln>
             <a:noFill/>
           </a:ln>
@@ -40676,6 +40717,11 @@
           <a:prstGeom prst="ellipse">
             <a:avLst/>
           </a:prstGeom>
+          <a:solidFill>
+            <a:schemeClr val="accent3">
+              <a:lumMod val="75000"/>
+            </a:schemeClr>
+          </a:solidFill>
           <a:ln>
             <a:noFill/>
           </a:ln>
@@ -40719,6 +40765,11 @@
           <a:prstGeom prst="ellipse">
             <a:avLst/>
           </a:prstGeom>
+          <a:solidFill>
+            <a:schemeClr val="accent3">
+              <a:lumMod val="75000"/>
+            </a:schemeClr>
+          </a:solidFill>
           <a:ln>
             <a:noFill/>
           </a:ln>
@@ -40756,7 +40807,7 @@
             </a:hlinkClick>
             <a:extLst>
               <a:ext uri="{FF2B5EF4-FFF2-40B4-BE49-F238E27FC236}">
-                <a16:creationId xmlns:a16="http://schemas.microsoft.com/office/drawing/2014/main" xmlns="" id="{F2F7C2CC-EA8C-42EA-A2F8-C870EC5162DA}"/>
+                <a16:creationId xmlns:a16="http://schemas.microsoft.com/office/drawing/2014/main" id="{F2F7C2CC-EA8C-42EA-A2F8-C870EC5162DA}"/>
               </a:ext>
             </a:extLst>
           </p:cNvPr>
@@ -40806,7 +40857,7 @@
           <p:cNvPr id="2" name="TextBox 1">
             <a:extLst>
               <a:ext uri="{FF2B5EF4-FFF2-40B4-BE49-F238E27FC236}">
-                <a16:creationId xmlns:a16="http://schemas.microsoft.com/office/drawing/2014/main" xmlns="" id="{C954F45B-D85E-4D60-95A5-696AF42597B0}"/>
+                <a16:creationId xmlns:a16="http://schemas.microsoft.com/office/drawing/2014/main" id="{C954F45B-D85E-4D60-95A5-696AF42597B0}"/>
               </a:ext>
             </a:extLst>
           </p:cNvPr>
@@ -40851,7 +40902,7 @@
             </a:hlinkClick>
             <a:extLst>
               <a:ext uri="{FF2B5EF4-FFF2-40B4-BE49-F238E27FC236}">
-                <a16:creationId xmlns:a16="http://schemas.microsoft.com/office/drawing/2014/main" xmlns="" id="{B776595C-5389-4545-8821-0C7D8B1BF443}"/>
+                <a16:creationId xmlns:a16="http://schemas.microsoft.com/office/drawing/2014/main" id="{B776595C-5389-4545-8821-0C7D8B1BF443}"/>
               </a:ext>
             </a:extLst>
           </p:cNvPr>
@@ -40906,14 +40957,6 @@
   <p:clrMapOvr>
     <a:masterClrMapping/>
   </p:clrMapOvr>
-  <mc:AlternateContent xmlns:mc="http://schemas.openxmlformats.org/markup-compatibility/2006">
-    <mc:Choice xmlns:p14="http://schemas.microsoft.com/office/powerpoint/2010/main" Requires="p14">
-      <p:transition spd="slow" p14:dur="2000"/>
-    </mc:Choice>
-    <mc:Fallback>
-      <p:transition spd="slow"/>
-    </mc:Fallback>
-  </mc:AlternateContent>
   <p:timing>
     <p:tnLst>
       <p:par>
@@ -41546,9 +41589,9 @@
         <p:grpSpPr>
           <a:xfrm>
             <a:off x="3312740" y="2016100"/>
-            <a:ext cx="1296144" cy="1584176"/>
+            <a:ext cx="1512168" cy="1584176"/>
             <a:chOff x="3312740" y="2016100"/>
-            <a:chExt cx="1296144" cy="1584176"/>
+            <a:chExt cx="1512168" cy="1584176"/>
           </a:xfrm>
         </p:grpSpPr>
         <p:cxnSp>
@@ -41782,9 +41825,9 @@
             <p:nvPr/>
           </p:nvCxnSpPr>
           <p:spPr>
-            <a:xfrm flipH="1">
-              <a:off x="4355775" y="2376140"/>
-              <a:ext cx="253109" cy="297388"/>
+            <a:xfrm>
+              <a:off x="4608885" y="2376140"/>
+              <a:ext cx="216023" cy="450154"/>
             </a:xfrm>
             <a:prstGeom prst="line">
               <a:avLst/>
@@ -41858,9 +41901,9 @@
             <p:nvPr/>
           </p:nvCxnSpPr>
           <p:spPr>
-            <a:xfrm flipH="1" flipV="1">
-              <a:off x="3427380" y="2358848"/>
-              <a:ext cx="318480" cy="314680"/>
+            <a:xfrm flipV="1">
+              <a:off x="3360207" y="2358848"/>
+              <a:ext cx="67173" cy="458696"/>
             </a:xfrm>
             <a:prstGeom prst="line">
               <a:avLst/>
@@ -42015,6 +42058,11 @@
           <a:prstGeom prst="ellipse">
             <a:avLst/>
           </a:prstGeom>
+          <a:solidFill>
+            <a:schemeClr val="accent3">
+              <a:lumMod val="75000"/>
+            </a:schemeClr>
+          </a:solidFill>
           <a:ln>
             <a:noFill/>
           </a:ln>
@@ -42058,6 +42106,11 @@
           <a:prstGeom prst="ellipse">
             <a:avLst/>
           </a:prstGeom>
+          <a:solidFill>
+            <a:schemeClr val="accent3">
+              <a:lumMod val="75000"/>
+            </a:schemeClr>
+          </a:solidFill>
           <a:ln>
             <a:noFill/>
           </a:ln>
@@ -42101,6 +42154,11 @@
           <a:prstGeom prst="ellipse">
             <a:avLst/>
           </a:prstGeom>
+          <a:solidFill>
+            <a:schemeClr val="accent3">
+              <a:lumMod val="75000"/>
+            </a:schemeClr>
+          </a:solidFill>
           <a:ln>
             <a:noFill/>
           </a:ln>
@@ -42144,6 +42202,11 @@
           <a:prstGeom prst="ellipse">
             <a:avLst/>
           </a:prstGeom>
+          <a:solidFill>
+            <a:schemeClr val="accent3">
+              <a:lumMod val="75000"/>
+            </a:schemeClr>
+          </a:solidFill>
           <a:ln>
             <a:noFill/>
           </a:ln>
@@ -42187,6 +42250,11 @@
           <a:prstGeom prst="ellipse">
             <a:avLst/>
           </a:prstGeom>
+          <a:solidFill>
+            <a:schemeClr val="accent3">
+              <a:lumMod val="75000"/>
+            </a:schemeClr>
+          </a:solidFill>
           <a:ln>
             <a:noFill/>
           </a:ln>
@@ -42316,6 +42384,9 @@
           <a:prstGeom prst="ellipse">
             <a:avLst/>
           </a:prstGeom>
+          <a:solidFill>
+            <a:schemeClr val="accent2"/>
+          </a:solidFill>
           <a:ln>
             <a:noFill/>
           </a:ln>
@@ -42359,6 +42430,9 @@
           <a:prstGeom prst="ellipse">
             <a:avLst/>
           </a:prstGeom>
+          <a:solidFill>
+            <a:schemeClr val="accent2"/>
+          </a:solidFill>
           <a:ln>
             <a:noFill/>
           </a:ln>
@@ -42396,7 +42470,7 @@
             </a:hlinkClick>
             <a:extLst>
               <a:ext uri="{FF2B5EF4-FFF2-40B4-BE49-F238E27FC236}">
-                <a16:creationId xmlns:a16="http://schemas.microsoft.com/office/drawing/2014/main" xmlns="" id="{5B04BC79-1093-4CE3-9A35-3D5B52385299}"/>
+                <a16:creationId xmlns:a16="http://schemas.microsoft.com/office/drawing/2014/main" id="{5B04BC79-1093-4CE3-9A35-3D5B52385299}"/>
               </a:ext>
             </a:extLst>
           </p:cNvPr>
@@ -42449,7 +42523,7 @@
             </a:hlinkClick>
             <a:extLst>
               <a:ext uri="{FF2B5EF4-FFF2-40B4-BE49-F238E27FC236}">
-                <a16:creationId xmlns:a16="http://schemas.microsoft.com/office/drawing/2014/main" xmlns="" id="{8E13E50B-50EE-4570-BA17-F7C82D2CED80}"/>
+                <a16:creationId xmlns:a16="http://schemas.microsoft.com/office/drawing/2014/main" id="{8E13E50B-50EE-4570-BA17-F7C82D2CED80}"/>
               </a:ext>
             </a:extLst>
           </p:cNvPr>
@@ -42831,7 +42905,7 @@
             </a:hlinkClick>
             <a:extLst>
               <a:ext uri="{FF2B5EF4-FFF2-40B4-BE49-F238E27FC236}">
-                <a16:creationId xmlns:a16="http://schemas.microsoft.com/office/drawing/2014/main" xmlns="" id="{AAB2819E-0FA2-42AD-9FC0-A7D0FD02E561}"/>
+                <a16:creationId xmlns:a16="http://schemas.microsoft.com/office/drawing/2014/main" id="{AAB2819E-0FA2-42AD-9FC0-A7D0FD02E561}"/>
               </a:ext>
             </a:extLst>
           </p:cNvPr>
@@ -42884,7 +42958,7 @@
             </a:hlinkClick>
             <a:extLst>
               <a:ext uri="{FF2B5EF4-FFF2-40B4-BE49-F238E27FC236}">
-                <a16:creationId xmlns:a16="http://schemas.microsoft.com/office/drawing/2014/main" xmlns="" id="{FBD98265-A8E1-4D86-88D8-760E0766F23E}"/>
+                <a16:creationId xmlns:a16="http://schemas.microsoft.com/office/drawing/2014/main" id="{FBD98265-A8E1-4D86-88D8-760E0766F23E}"/>
               </a:ext>
             </a:extLst>
           </p:cNvPr>
@@ -43386,7 +43460,7 @@
             </a:hlinkClick>
             <a:extLst>
               <a:ext uri="{FF2B5EF4-FFF2-40B4-BE49-F238E27FC236}">
-                <a16:creationId xmlns:a16="http://schemas.microsoft.com/office/drawing/2014/main" xmlns="" id="{C67323E3-BD28-4BA0-845D-EEB86B6C96F7}"/>
+                <a16:creationId xmlns:a16="http://schemas.microsoft.com/office/drawing/2014/main" id="{C67323E3-BD28-4BA0-845D-EEB86B6C96F7}"/>
               </a:ext>
             </a:extLst>
           </p:cNvPr>
@@ -43439,7 +43513,7 @@
             </a:hlinkClick>
             <a:extLst>
               <a:ext uri="{FF2B5EF4-FFF2-40B4-BE49-F238E27FC236}">
-                <a16:creationId xmlns:a16="http://schemas.microsoft.com/office/drawing/2014/main" xmlns="" id="{77E69458-9277-4A8F-8979-F4EC53D84DB9}"/>
+                <a16:creationId xmlns:a16="http://schemas.microsoft.com/office/drawing/2014/main" id="{77E69458-9277-4A8F-8979-F4EC53D84DB9}"/>
               </a:ext>
             </a:extLst>
           </p:cNvPr>
@@ -43492,7 +43566,7 @@
             </a:hlinkClick>
             <a:extLst>
               <a:ext uri="{FF2B5EF4-FFF2-40B4-BE49-F238E27FC236}">
-                <a16:creationId xmlns:a16="http://schemas.microsoft.com/office/drawing/2014/main" xmlns="" id="{4AE0001F-0EE3-400B-9DF5-718E6DB59A55}"/>
+                <a16:creationId xmlns:a16="http://schemas.microsoft.com/office/drawing/2014/main" id="{4AE0001F-0EE3-400B-9DF5-718E6DB59A55}"/>
               </a:ext>
             </a:extLst>
           </p:cNvPr>
@@ -43545,7 +43619,7 @@
             </a:hlinkClick>
             <a:extLst>
               <a:ext uri="{FF2B5EF4-FFF2-40B4-BE49-F238E27FC236}">
-                <a16:creationId xmlns:a16="http://schemas.microsoft.com/office/drawing/2014/main" xmlns="" id="{B79255EC-ECA8-49CB-AD9D-C1E4AC2EAE8F}"/>
+                <a16:creationId xmlns:a16="http://schemas.microsoft.com/office/drawing/2014/main" id="{B79255EC-ECA8-49CB-AD9D-C1E4AC2EAE8F}"/>
               </a:ext>
             </a:extLst>
           </p:cNvPr>
@@ -43598,7 +43672,7 @@
             </a:hlinkClick>
             <a:extLst>
               <a:ext uri="{FF2B5EF4-FFF2-40B4-BE49-F238E27FC236}">
-                <a16:creationId xmlns:a16="http://schemas.microsoft.com/office/drawing/2014/main" xmlns="" id="{A55D4F3E-0542-4F0F-B53F-CB6A47A2099A}"/>
+                <a16:creationId xmlns:a16="http://schemas.microsoft.com/office/drawing/2014/main" id="{A55D4F3E-0542-4F0F-B53F-CB6A47A2099A}"/>
               </a:ext>
             </a:extLst>
           </p:cNvPr>
@@ -43651,7 +43725,7 @@
             </a:hlinkClick>
             <a:extLst>
               <a:ext uri="{FF2B5EF4-FFF2-40B4-BE49-F238E27FC236}">
-                <a16:creationId xmlns:a16="http://schemas.microsoft.com/office/drawing/2014/main" xmlns="" id="{ED95F20C-9905-43C2-A281-8C7CE8B45146}"/>
+                <a16:creationId xmlns:a16="http://schemas.microsoft.com/office/drawing/2014/main" id="{ED95F20C-9905-43C2-A281-8C7CE8B45146}"/>
               </a:ext>
             </a:extLst>
           </p:cNvPr>
@@ -43704,7 +43778,7 @@
             </a:hlinkClick>
             <a:extLst>
               <a:ext uri="{FF2B5EF4-FFF2-40B4-BE49-F238E27FC236}">
-                <a16:creationId xmlns:a16="http://schemas.microsoft.com/office/drawing/2014/main" xmlns="" id="{B74BD421-C41E-4432-BA6E-17F8095E8B13}"/>
+                <a16:creationId xmlns:a16="http://schemas.microsoft.com/office/drawing/2014/main" id="{B74BD421-C41E-4432-BA6E-17F8095E8B13}"/>
               </a:ext>
             </a:extLst>
           </p:cNvPr>
@@ -43805,18 +43879,13 @@
           <a:lstStyle/>
           <a:p>
             <a:r>
-              <a:rPr lang="en-GB" sz="1200" dirty="0" smtClean="0">
+              <a:rPr lang="en-GB" sz="1200" dirty="0">
                 <a:solidFill>
                   <a:schemeClr val="bg1"/>
                 </a:solidFill>
               </a:rPr>
               <a:t>Total daily energy usage</a:t>
             </a:r>
-            <a:endParaRPr lang="en-GB" sz="1200" dirty="0">
-              <a:solidFill>
-                <a:schemeClr val="bg1"/>
-              </a:solidFill>
-            </a:endParaRPr>
           </a:p>
         </p:txBody>
       </p:sp>
@@ -43876,34 +43945,13 @@
           <a:lstStyle/>
           <a:p>
             <a:r>
-              <a:rPr lang="en-GB" sz="1200" dirty="0" smtClean="0">
-                <a:solidFill>
-                  <a:schemeClr val="bg1"/>
-                </a:solidFill>
-              </a:rPr>
-              <a:t>Equivalent energy </a:t>
-            </a:r>
-            <a:r>
               <a:rPr lang="en-GB" sz="1200" dirty="0">
                 <a:solidFill>
                   <a:schemeClr val="bg1"/>
                 </a:solidFill>
               </a:rPr>
-              <a:t>u</a:t>
+              <a:t>Equivalent energy usage </a:t>
             </a:r>
-            <a:r>
-              <a:rPr lang="en-GB" sz="1200" dirty="0" smtClean="0">
-                <a:solidFill>
-                  <a:schemeClr val="bg1"/>
-                </a:solidFill>
-              </a:rPr>
-              <a:t>sage </a:t>
-            </a:r>
-            <a:endParaRPr lang="en-GB" sz="1200" dirty="0">
-              <a:solidFill>
-                <a:schemeClr val="bg1"/>
-              </a:solidFill>
-            </a:endParaRPr>
           </a:p>
         </p:txBody>
       </p:sp>
